--- a/docs/presentation/CS3240 WebApp Presentation.pptx
+++ b/docs/presentation/CS3240 WebApp Presentation.pptx
@@ -1,29 +1,31 @@
 
 <file path=ppt/presentation.xml><?xml version="1.0" encoding="utf-8"?>
-<p:presentation xmlns:a="http://schemas.openxmlformats.org/drawingml/2006/main" xmlns:r="http://schemas.openxmlformats.org/officeDocument/2006/relationships" xmlns:mc="http://schemas.openxmlformats.org/markup-compatibility/2006" xmlns:mv="urn:schemas-microsoft-com:mac:vml" xmlns:p="http://schemas.openxmlformats.org/presentationml/2006/main" xmlns:c="http://schemas.openxmlformats.org/drawingml/2006/chart" xmlns:dgm="http://schemas.openxmlformats.org/drawingml/2006/diagram" xmlns:o="urn:schemas-microsoft-com:office:office" xmlns:v="urn:schemas-microsoft-com:vml" xmlns:pvml="urn:schemas-microsoft-com:office:powerpoint" xmlns:com="http://schemas.openxmlformats.org/drawingml/2006/compatibility" xmlns:p14="http://schemas.microsoft.com/office/powerpoint/2010/main" xmlns:p15="http://schemas.microsoft.com/office/powerpoint/2012/main" xmlns:ahyp="http://schemas.microsoft.com/office/drawing/2018/hyperlinkcolor" autoCompressPictures="0" strictFirstAndLastChars="0" saveSubsetFonts="1">
+<p:presentation xmlns:a="http://schemas.openxmlformats.org/drawingml/2006/main" xmlns:r="http://schemas.openxmlformats.org/officeDocument/2006/relationships" xmlns:p="http://schemas.openxmlformats.org/presentationml/2006/main" strictFirstAndLastChars="0" saveSubsetFonts="1" autoCompressPictures="0">
   <p:sldMasterIdLst>
-    <p:sldMasterId id="2147483659" r:id="rId4"/>
+    <p:sldMasterId id="2147483659" r:id="rId1"/>
   </p:sldMasterIdLst>
   <p:notesMasterIdLst>
-    <p:notesMasterId r:id="rId5"/>
+    <p:notesMasterId r:id="rId15"/>
   </p:notesMasterIdLst>
   <p:sldIdLst>
-    <p:sldId id="256" r:id="rId6"/>
-    <p:sldId id="257" r:id="rId7"/>
-    <p:sldId id="258" r:id="rId8"/>
-    <p:sldId id="259" r:id="rId9"/>
-    <p:sldId id="260" r:id="rId10"/>
-    <p:sldId id="261" r:id="rId11"/>
-    <p:sldId id="262" r:id="rId12"/>
-    <p:sldId id="263" r:id="rId13"/>
-    <p:sldId id="264" r:id="rId14"/>
-    <p:sldId id="265" r:id="rId15"/>
-    <p:sldId id="266" r:id="rId16"/>
+    <p:sldId id="256" r:id="rId2"/>
+    <p:sldId id="257" r:id="rId3"/>
+    <p:sldId id="258" r:id="rId4"/>
+    <p:sldId id="259" r:id="rId5"/>
+    <p:sldId id="260" r:id="rId6"/>
+    <p:sldId id="261" r:id="rId7"/>
+    <p:sldId id="262" r:id="rId8"/>
+    <p:sldId id="263" r:id="rId9"/>
+    <p:sldId id="264" r:id="rId10"/>
+    <p:sldId id="265" r:id="rId11"/>
+    <p:sldId id="267" r:id="rId12"/>
+    <p:sldId id="266" r:id="rId13"/>
+    <p:sldId id="268" r:id="rId14"/>
   </p:sldIdLst>
-  <p:sldSz cy="5143500" cx="9144000"/>
+  <p:sldSz cx="9144000" cy="5143500" type="screen16x9"/>
   <p:notesSz cx="6858000" cy="9144000"/>
   <p:defaultTextStyle>
-    <a:defPPr lvl="0" marR="0" rtl="0" algn="l">
+    <a:defPPr marR="0" lvl="0" algn="l" rtl="0">
       <a:lnSpc>
         <a:spcPct val="100000"/>
       </a:lnSpc>
@@ -34,7 +36,7 @@
         <a:spcPts val="0"/>
       </a:spcAft>
     </a:defPPr>
-    <a:lvl1pPr lvl="0" marR="0" rtl="0" algn="l">
+    <a:lvl1pPr marR="0" lvl="0" algn="l" rtl="0">
       <a:lnSpc>
         <a:spcPct val="100000"/>
       </a:lnSpc>
@@ -48,7 +50,7 @@
         <a:srgbClr val="000000"/>
       </a:buClr>
       <a:buFont typeface="Arial"/>
-      <a:defRPr b="0" i="0" sz="1400" u="none" cap="none" strike="noStrike">
+      <a:defRPr sz="1400" b="0" i="0" u="none" strike="noStrike" cap="none">
         <a:solidFill>
           <a:srgbClr val="000000"/>
         </a:solidFill>
@@ -58,7 +60,7 @@
         <a:sym typeface="Arial"/>
       </a:defRPr>
     </a:lvl1pPr>
-    <a:lvl2pPr lvl="1" marR="0" rtl="0" algn="l">
+    <a:lvl2pPr marR="0" lvl="1" algn="l" rtl="0">
       <a:lnSpc>
         <a:spcPct val="100000"/>
       </a:lnSpc>
@@ -72,7 +74,7 @@
         <a:srgbClr val="000000"/>
       </a:buClr>
       <a:buFont typeface="Arial"/>
-      <a:defRPr b="0" i="0" sz="1400" u="none" cap="none" strike="noStrike">
+      <a:defRPr sz="1400" b="0" i="0" u="none" strike="noStrike" cap="none">
         <a:solidFill>
           <a:srgbClr val="000000"/>
         </a:solidFill>
@@ -82,7 +84,7 @@
         <a:sym typeface="Arial"/>
       </a:defRPr>
     </a:lvl2pPr>
-    <a:lvl3pPr lvl="2" marR="0" rtl="0" algn="l">
+    <a:lvl3pPr marR="0" lvl="2" algn="l" rtl="0">
       <a:lnSpc>
         <a:spcPct val="100000"/>
       </a:lnSpc>
@@ -96,7 +98,7 @@
         <a:srgbClr val="000000"/>
       </a:buClr>
       <a:buFont typeface="Arial"/>
-      <a:defRPr b="0" i="0" sz="1400" u="none" cap="none" strike="noStrike">
+      <a:defRPr sz="1400" b="0" i="0" u="none" strike="noStrike" cap="none">
         <a:solidFill>
           <a:srgbClr val="000000"/>
         </a:solidFill>
@@ -106,7 +108,7 @@
         <a:sym typeface="Arial"/>
       </a:defRPr>
     </a:lvl3pPr>
-    <a:lvl4pPr lvl="3" marR="0" rtl="0" algn="l">
+    <a:lvl4pPr marR="0" lvl="3" algn="l" rtl="0">
       <a:lnSpc>
         <a:spcPct val="100000"/>
       </a:lnSpc>
@@ -120,7 +122,7 @@
         <a:srgbClr val="000000"/>
       </a:buClr>
       <a:buFont typeface="Arial"/>
-      <a:defRPr b="0" i="0" sz="1400" u="none" cap="none" strike="noStrike">
+      <a:defRPr sz="1400" b="0" i="0" u="none" strike="noStrike" cap="none">
         <a:solidFill>
           <a:srgbClr val="000000"/>
         </a:solidFill>
@@ -130,7 +132,7 @@
         <a:sym typeface="Arial"/>
       </a:defRPr>
     </a:lvl4pPr>
-    <a:lvl5pPr lvl="4" marR="0" rtl="0" algn="l">
+    <a:lvl5pPr marR="0" lvl="4" algn="l" rtl="0">
       <a:lnSpc>
         <a:spcPct val="100000"/>
       </a:lnSpc>
@@ -144,7 +146,7 @@
         <a:srgbClr val="000000"/>
       </a:buClr>
       <a:buFont typeface="Arial"/>
-      <a:defRPr b="0" i="0" sz="1400" u="none" cap="none" strike="noStrike">
+      <a:defRPr sz="1400" b="0" i="0" u="none" strike="noStrike" cap="none">
         <a:solidFill>
           <a:srgbClr val="000000"/>
         </a:solidFill>
@@ -154,7 +156,7 @@
         <a:sym typeface="Arial"/>
       </a:defRPr>
     </a:lvl5pPr>
-    <a:lvl6pPr lvl="5" marR="0" rtl="0" algn="l">
+    <a:lvl6pPr marR="0" lvl="5" algn="l" rtl="0">
       <a:lnSpc>
         <a:spcPct val="100000"/>
       </a:lnSpc>
@@ -168,7 +170,7 @@
         <a:srgbClr val="000000"/>
       </a:buClr>
       <a:buFont typeface="Arial"/>
-      <a:defRPr b="0" i="0" sz="1400" u="none" cap="none" strike="noStrike">
+      <a:defRPr sz="1400" b="0" i="0" u="none" strike="noStrike" cap="none">
         <a:solidFill>
           <a:srgbClr val="000000"/>
         </a:solidFill>
@@ -178,7 +180,7 @@
         <a:sym typeface="Arial"/>
       </a:defRPr>
     </a:lvl6pPr>
-    <a:lvl7pPr lvl="6" marR="0" rtl="0" algn="l">
+    <a:lvl7pPr marR="0" lvl="6" algn="l" rtl="0">
       <a:lnSpc>
         <a:spcPct val="100000"/>
       </a:lnSpc>
@@ -192,7 +194,7 @@
         <a:srgbClr val="000000"/>
       </a:buClr>
       <a:buFont typeface="Arial"/>
-      <a:defRPr b="0" i="0" sz="1400" u="none" cap="none" strike="noStrike">
+      <a:defRPr sz="1400" b="0" i="0" u="none" strike="noStrike" cap="none">
         <a:solidFill>
           <a:srgbClr val="000000"/>
         </a:solidFill>
@@ -202,7 +204,7 @@
         <a:sym typeface="Arial"/>
       </a:defRPr>
     </a:lvl7pPr>
-    <a:lvl8pPr lvl="7" marR="0" rtl="0" algn="l">
+    <a:lvl8pPr marR="0" lvl="7" algn="l" rtl="0">
       <a:lnSpc>
         <a:spcPct val="100000"/>
       </a:lnSpc>
@@ -216,7 +218,7 @@
         <a:srgbClr val="000000"/>
       </a:buClr>
       <a:buFont typeface="Arial"/>
-      <a:defRPr b="0" i="0" sz="1400" u="none" cap="none" strike="noStrike">
+      <a:defRPr sz="1400" b="0" i="0" u="none" strike="noStrike" cap="none">
         <a:solidFill>
           <a:srgbClr val="000000"/>
         </a:solidFill>
@@ -226,7 +228,7 @@
         <a:sym typeface="Arial"/>
       </a:defRPr>
     </a:lvl8pPr>
-    <a:lvl9pPr lvl="8" marR="0" rtl="0" algn="l">
+    <a:lvl9pPr marR="0" lvl="8" algn="l" rtl="0">
       <a:lnSpc>
         <a:spcPct val="100000"/>
       </a:lnSpc>
@@ -240,7 +242,7 @@
         <a:srgbClr val="000000"/>
       </a:buClr>
       <a:buFont typeface="Arial"/>
-      <a:defRPr b="0" i="0" sz="1400" u="none" cap="none" strike="noStrike">
+      <a:defRPr sz="1400" b="0" i="0" u="none" strike="noStrike" cap="none">
         <a:solidFill>
           <a:srgbClr val="000000"/>
         </a:solidFill>
@@ -253,7 +255,7 @@
   </p:defaultTextStyle>
   <p:extLst>
     <p:ext uri="{EFAFB233-063F-42B5-8137-9DF3F51BA10A}">
-      <p15:sldGuideLst>
+      <p15:sldGuideLst xmlns:p15="http://schemas.microsoft.com/office/powerpoint/2012/main">
         <p15:guide id="1" orient="horz" pos="1620">
           <p15:clr>
             <a:srgbClr val="A4A3A4"/>
@@ -271,11 +273,16 @@
 </file>
 
 <file path=ppt/notesMasters/notesMaster1.xml><?xml version="1.0" encoding="utf-8"?>
-<p:notesMaster xmlns:a="http://schemas.openxmlformats.org/drawingml/2006/main" xmlns:r="http://schemas.openxmlformats.org/officeDocument/2006/relationships" xmlns:mc="http://schemas.openxmlformats.org/markup-compatibility/2006" xmlns:mv="urn:schemas-microsoft-com:mac:vml" xmlns:p="http://schemas.openxmlformats.org/presentationml/2006/main" xmlns:c="http://schemas.openxmlformats.org/drawingml/2006/chart" xmlns:dgm="http://schemas.openxmlformats.org/drawingml/2006/diagram" xmlns:o="urn:schemas-microsoft-com:office:office" xmlns:v="urn:schemas-microsoft-com:vml" xmlns:pvml="urn:schemas-microsoft-com:office:powerpoint" xmlns:com="http://schemas.openxmlformats.org/drawingml/2006/compatibility" xmlns:p14="http://schemas.microsoft.com/office/powerpoint/2010/main" xmlns:p15="http://schemas.microsoft.com/office/powerpoint/2012/main" xmlns:ahyp="http://schemas.microsoft.com/office/drawing/2018/hyperlinkcolor">
+<p:notesMaster xmlns:a="http://schemas.openxmlformats.org/drawingml/2006/main" xmlns:r="http://schemas.openxmlformats.org/officeDocument/2006/relationships" xmlns:p="http://schemas.openxmlformats.org/presentationml/2006/main">
   <p:cSld>
+    <p:bg>
+      <p:bgRef idx="1001">
+        <a:schemeClr val="bg1"/>
+      </p:bgRef>
+    </p:bg>
     <p:spTree>
       <p:nvGrpSpPr>
-        <p:cNvPr id="2" name="Shape 2"/>
+        <p:cNvPr id="1" name="Shape 2"/>
         <p:cNvGrpSpPr/>
         <p:nvPr/>
       </p:nvGrpSpPr>
@@ -290,9 +297,11 @@
       <p:sp>
         <p:nvSpPr>
           <p:cNvPr id="3" name="Google Shape;3;n"/>
-          <p:cNvSpPr/>
+          <p:cNvSpPr>
+            <a:spLocks noGrp="1" noRot="1" noChangeAspect="1"/>
+          </p:cNvSpPr>
           <p:nvPr>
-            <p:ph idx="2" type="sldImg"/>
+            <p:ph type="sldImg" idx="2"/>
           </p:nvPr>
         </p:nvSpPr>
         <p:spPr>
@@ -301,9 +310,13 @@
             <a:ext cx="6096075" cy="3429000"/>
           </a:xfrm>
           <a:custGeom>
-            <a:rect b="b" l="l" r="r" t="t"/>
+            <a:avLst/>
+            <a:gdLst/>
+            <a:ahLst/>
+            <a:cxnLst/>
+            <a:rect l="l" t="t" r="r" b="b"/>
             <a:pathLst>
-              <a:path extrusionOk="0" h="120000" w="120000">
+              <a:path w="120000" h="120000" extrusionOk="0">
                 <a:moveTo>
                   <a:pt x="0" y="0"/>
                 </a:moveTo>
@@ -321,23 +334,25 @@
             </a:pathLst>
           </a:custGeom>
           <a:noFill/>
-          <a:ln cap="flat" cmpd="sng" w="9525">
+          <a:ln w="9525" cap="flat" cmpd="sng">
             <a:solidFill>
               <a:srgbClr val="000000"/>
             </a:solidFill>
             <a:prstDash val="solid"/>
             <a:round/>
-            <a:headEnd len="sm" w="sm" type="none"/>
-            <a:tailEnd len="sm" w="sm" type="none"/>
+            <a:headEnd type="none" w="sm" len="sm"/>
+            <a:tailEnd type="none" w="sm" len="sm"/>
           </a:ln>
         </p:spPr>
       </p:sp>
       <p:sp>
         <p:nvSpPr>
           <p:cNvPr id="4" name="Google Shape;4;n"/>
-          <p:cNvSpPr txBox="1"/>
+          <p:cNvSpPr txBox="1">
+            <a:spLocks noGrp="1"/>
+          </p:cNvSpPr>
           <p:nvPr>
-            <p:ph idx="1" type="body"/>
+            <p:ph type="body" idx="1"/>
           </p:nvPr>
         </p:nvSpPr>
         <p:spPr>
@@ -354,11 +369,11 @@
           </a:ln>
         </p:spPr>
         <p:txBody>
-          <a:bodyPr anchorCtr="0" anchor="t" bIns="91425" lIns="91425" spcFirstLastPara="1" rIns="91425" wrap="square" tIns="91425">
+          <a:bodyPr spcFirstLastPara="1" wrap="square" lIns="91425" tIns="91425" rIns="91425" bIns="91425" anchor="t" anchorCtr="0">
             <a:noAutofit/>
           </a:bodyPr>
           <a:lstStyle>
-            <a:lvl1pPr indent="-298450" lvl="0" marL="457200">
+            <a:lvl1pPr marL="457200" lvl="0" indent="-298450">
               <a:spcBef>
                 <a:spcPts val="0"/>
               </a:spcBef>
@@ -369,7 +384,7 @@
               <a:buChar char="●"/>
               <a:defRPr sz="1100"/>
             </a:lvl1pPr>
-            <a:lvl2pPr indent="-298450" lvl="1" marL="914400">
+            <a:lvl2pPr marL="914400" lvl="1" indent="-298450">
               <a:spcBef>
                 <a:spcPts val="0"/>
               </a:spcBef>
@@ -380,7 +395,7 @@
               <a:buChar char="○"/>
               <a:defRPr sz="1100"/>
             </a:lvl2pPr>
-            <a:lvl3pPr indent="-298450" lvl="2" marL="1371600">
+            <a:lvl3pPr marL="1371600" lvl="2" indent="-298450">
               <a:spcBef>
                 <a:spcPts val="0"/>
               </a:spcBef>
@@ -391,7 +406,7 @@
               <a:buChar char="■"/>
               <a:defRPr sz="1100"/>
             </a:lvl3pPr>
-            <a:lvl4pPr indent="-298450" lvl="3" marL="1828800">
+            <a:lvl4pPr marL="1828800" lvl="3" indent="-298450">
               <a:spcBef>
                 <a:spcPts val="0"/>
               </a:spcBef>
@@ -402,7 +417,7 @@
               <a:buChar char="●"/>
               <a:defRPr sz="1100"/>
             </a:lvl4pPr>
-            <a:lvl5pPr indent="-298450" lvl="4" marL="2286000">
+            <a:lvl5pPr marL="2286000" lvl="4" indent="-298450">
               <a:spcBef>
                 <a:spcPts val="0"/>
               </a:spcBef>
@@ -413,7 +428,7 @@
               <a:buChar char="○"/>
               <a:defRPr sz="1100"/>
             </a:lvl5pPr>
-            <a:lvl6pPr indent="-298450" lvl="5" marL="2743200">
+            <a:lvl6pPr marL="2743200" lvl="5" indent="-298450">
               <a:spcBef>
                 <a:spcPts val="0"/>
               </a:spcBef>
@@ -424,7 +439,7 @@
               <a:buChar char="■"/>
               <a:defRPr sz="1100"/>
             </a:lvl6pPr>
-            <a:lvl7pPr indent="-298450" lvl="6" marL="3200400">
+            <a:lvl7pPr marL="3200400" lvl="6" indent="-298450">
               <a:spcBef>
                 <a:spcPts val="0"/>
               </a:spcBef>
@@ -435,7 +450,7 @@
               <a:buChar char="●"/>
               <a:defRPr sz="1100"/>
             </a:lvl7pPr>
-            <a:lvl8pPr indent="-298450" lvl="7" marL="3657600">
+            <a:lvl8pPr marL="3657600" lvl="7" indent="-298450">
               <a:spcBef>
                 <a:spcPts val="0"/>
               </a:spcBef>
@@ -446,7 +461,7 @@
               <a:buChar char="○"/>
               <a:defRPr sz="1100"/>
             </a:lvl8pPr>
-            <a:lvl9pPr indent="-298450" lvl="8" marL="4114800">
+            <a:lvl9pPr marL="4114800" lvl="8" indent="-298450">
               <a:spcBef>
                 <a:spcPts val="0"/>
               </a:spcBef>
@@ -458,14 +473,16 @@
               <a:defRPr sz="1100"/>
             </a:lvl9pPr>
           </a:lstStyle>
-          <a:p/>
+          <a:p>
+            <a:endParaRPr/>
+          </a:p>
         </p:txBody>
       </p:sp>
     </p:spTree>
   </p:cSld>
-  <p:clrMap accent1="accent1" accent2="accent2" accent3="accent3" accent4="accent4" accent5="accent5" accent6="accent6" bg1="lt1" bg2="dk2" tx1="dk1" tx2="lt2" folHlink="folHlink" hlink="hlink"/>
+  <p:clrMap bg1="lt1" tx1="dk1" bg2="dk2" tx2="lt2" accent1="accent1" accent2="accent2" accent3="accent3" accent4="accent4" accent5="accent5" accent6="accent6" hlink="hlink" folHlink="folHlink"/>
   <p:notesStyle>
-    <a:defPPr lvl="0" marR="0" rtl="0" algn="l">
+    <a:defPPr marR="0" lvl="0" algn="l" rtl="0">
       <a:lnSpc>
         <a:spcPct val="100000"/>
       </a:lnSpc>
@@ -476,7 +493,7 @@
         <a:spcPts val="0"/>
       </a:spcAft>
     </a:defPPr>
-    <a:lvl1pPr lvl="0" marR="0" rtl="0" algn="l">
+    <a:lvl1pPr marR="0" lvl="0" algn="l" rtl="0">
       <a:lnSpc>
         <a:spcPct val="100000"/>
       </a:lnSpc>
@@ -490,7 +507,7 @@
         <a:srgbClr val="000000"/>
       </a:buClr>
       <a:buFont typeface="Arial"/>
-      <a:defRPr b="0" i="0" sz="1400" u="none" cap="none" strike="noStrike">
+      <a:defRPr sz="1400" b="0" i="0" u="none" strike="noStrike" cap="none">
         <a:solidFill>
           <a:srgbClr val="000000"/>
         </a:solidFill>
@@ -500,7 +517,7 @@
         <a:sym typeface="Arial"/>
       </a:defRPr>
     </a:lvl1pPr>
-    <a:lvl2pPr lvl="1" marR="0" rtl="0" algn="l">
+    <a:lvl2pPr marR="0" lvl="1" algn="l" rtl="0">
       <a:lnSpc>
         <a:spcPct val="100000"/>
       </a:lnSpc>
@@ -514,7 +531,7 @@
         <a:srgbClr val="000000"/>
       </a:buClr>
       <a:buFont typeface="Arial"/>
-      <a:defRPr b="0" i="0" sz="1400" u="none" cap="none" strike="noStrike">
+      <a:defRPr sz="1400" b="0" i="0" u="none" strike="noStrike" cap="none">
         <a:solidFill>
           <a:srgbClr val="000000"/>
         </a:solidFill>
@@ -524,7 +541,7 @@
         <a:sym typeface="Arial"/>
       </a:defRPr>
     </a:lvl2pPr>
-    <a:lvl3pPr lvl="2" marR="0" rtl="0" algn="l">
+    <a:lvl3pPr marR="0" lvl="2" algn="l" rtl="0">
       <a:lnSpc>
         <a:spcPct val="100000"/>
       </a:lnSpc>
@@ -538,7 +555,7 @@
         <a:srgbClr val="000000"/>
       </a:buClr>
       <a:buFont typeface="Arial"/>
-      <a:defRPr b="0" i="0" sz="1400" u="none" cap="none" strike="noStrike">
+      <a:defRPr sz="1400" b="0" i="0" u="none" strike="noStrike" cap="none">
         <a:solidFill>
           <a:srgbClr val="000000"/>
         </a:solidFill>
@@ -548,7 +565,7 @@
         <a:sym typeface="Arial"/>
       </a:defRPr>
     </a:lvl3pPr>
-    <a:lvl4pPr lvl="3" marR="0" rtl="0" algn="l">
+    <a:lvl4pPr marR="0" lvl="3" algn="l" rtl="0">
       <a:lnSpc>
         <a:spcPct val="100000"/>
       </a:lnSpc>
@@ -562,7 +579,7 @@
         <a:srgbClr val="000000"/>
       </a:buClr>
       <a:buFont typeface="Arial"/>
-      <a:defRPr b="0" i="0" sz="1400" u="none" cap="none" strike="noStrike">
+      <a:defRPr sz="1400" b="0" i="0" u="none" strike="noStrike" cap="none">
         <a:solidFill>
           <a:srgbClr val="000000"/>
         </a:solidFill>
@@ -572,7 +589,7 @@
         <a:sym typeface="Arial"/>
       </a:defRPr>
     </a:lvl4pPr>
-    <a:lvl5pPr lvl="4" marR="0" rtl="0" algn="l">
+    <a:lvl5pPr marR="0" lvl="4" algn="l" rtl="0">
       <a:lnSpc>
         <a:spcPct val="100000"/>
       </a:lnSpc>
@@ -586,7 +603,7 @@
         <a:srgbClr val="000000"/>
       </a:buClr>
       <a:buFont typeface="Arial"/>
-      <a:defRPr b="0" i="0" sz="1400" u="none" cap="none" strike="noStrike">
+      <a:defRPr sz="1400" b="0" i="0" u="none" strike="noStrike" cap="none">
         <a:solidFill>
           <a:srgbClr val="000000"/>
         </a:solidFill>
@@ -596,7 +613,7 @@
         <a:sym typeface="Arial"/>
       </a:defRPr>
     </a:lvl5pPr>
-    <a:lvl6pPr lvl="5" marR="0" rtl="0" algn="l">
+    <a:lvl6pPr marR="0" lvl="5" algn="l" rtl="0">
       <a:lnSpc>
         <a:spcPct val="100000"/>
       </a:lnSpc>
@@ -610,7 +627,7 @@
         <a:srgbClr val="000000"/>
       </a:buClr>
       <a:buFont typeface="Arial"/>
-      <a:defRPr b="0" i="0" sz="1400" u="none" cap="none" strike="noStrike">
+      <a:defRPr sz="1400" b="0" i="0" u="none" strike="noStrike" cap="none">
         <a:solidFill>
           <a:srgbClr val="000000"/>
         </a:solidFill>
@@ -620,7 +637,7 @@
         <a:sym typeface="Arial"/>
       </a:defRPr>
     </a:lvl6pPr>
-    <a:lvl7pPr lvl="6" marR="0" rtl="0" algn="l">
+    <a:lvl7pPr marR="0" lvl="6" algn="l" rtl="0">
       <a:lnSpc>
         <a:spcPct val="100000"/>
       </a:lnSpc>
@@ -634,7 +651,7 @@
         <a:srgbClr val="000000"/>
       </a:buClr>
       <a:buFont typeface="Arial"/>
-      <a:defRPr b="0" i="0" sz="1400" u="none" cap="none" strike="noStrike">
+      <a:defRPr sz="1400" b="0" i="0" u="none" strike="noStrike" cap="none">
         <a:solidFill>
           <a:srgbClr val="000000"/>
         </a:solidFill>
@@ -644,7 +661,7 @@
         <a:sym typeface="Arial"/>
       </a:defRPr>
     </a:lvl7pPr>
-    <a:lvl8pPr lvl="7" marR="0" rtl="0" algn="l">
+    <a:lvl8pPr marR="0" lvl="7" algn="l" rtl="0">
       <a:lnSpc>
         <a:spcPct val="100000"/>
       </a:lnSpc>
@@ -658,7 +675,7 @@
         <a:srgbClr val="000000"/>
       </a:buClr>
       <a:buFont typeface="Arial"/>
-      <a:defRPr b="0" i="0" sz="1400" u="none" cap="none" strike="noStrike">
+      <a:defRPr sz="1400" b="0" i="0" u="none" strike="noStrike" cap="none">
         <a:solidFill>
           <a:srgbClr val="000000"/>
         </a:solidFill>
@@ -668,7 +685,7 @@
         <a:sym typeface="Arial"/>
       </a:defRPr>
     </a:lvl8pPr>
-    <a:lvl9pPr lvl="8" marR="0" rtl="0" algn="l">
+    <a:lvl9pPr marR="0" lvl="8" algn="l" rtl="0">
       <a:lnSpc>
         <a:spcPct val="100000"/>
       </a:lnSpc>
@@ -682,7 +699,7 @@
         <a:srgbClr val="000000"/>
       </a:buClr>
       <a:buFont typeface="Arial"/>
-      <a:defRPr b="0" i="0" sz="1400" u="none" cap="none" strike="noStrike">
+      <a:defRPr sz="1400" b="0" i="0" u="none" strike="noStrike" cap="none">
         <a:solidFill>
           <a:srgbClr val="000000"/>
         </a:solidFill>
@@ -697,11 +714,11 @@
 </file>
 
 <file path=ppt/notesSlides/notesSlide1.xml><?xml version="1.0" encoding="utf-8"?>
-<p:notes xmlns:a="http://schemas.openxmlformats.org/drawingml/2006/main" xmlns:r="http://schemas.openxmlformats.org/officeDocument/2006/relationships" xmlns:mc="http://schemas.openxmlformats.org/markup-compatibility/2006" xmlns:mv="urn:schemas-microsoft-com:mac:vml" xmlns:p="http://schemas.openxmlformats.org/presentationml/2006/main" xmlns:c="http://schemas.openxmlformats.org/drawingml/2006/chart" xmlns:dgm="http://schemas.openxmlformats.org/drawingml/2006/diagram" xmlns:o="urn:schemas-microsoft-com:office:office" xmlns:v="urn:schemas-microsoft-com:vml" xmlns:pvml="urn:schemas-microsoft-com:office:powerpoint" xmlns:com="http://schemas.openxmlformats.org/drawingml/2006/compatibility" xmlns:p14="http://schemas.microsoft.com/office/powerpoint/2010/main" xmlns:p15="http://schemas.microsoft.com/office/powerpoint/2012/main" xmlns:ahyp="http://schemas.microsoft.com/office/drawing/2018/hyperlinkcolor" showMasterPhAnim="0" showMasterSp="0">
+<p:notes xmlns:a="http://schemas.openxmlformats.org/drawingml/2006/main" xmlns:r="http://schemas.openxmlformats.org/officeDocument/2006/relationships" xmlns:p="http://schemas.openxmlformats.org/presentationml/2006/main" showMasterSp="0" showMasterPhAnim="0">
   <p:cSld>
     <p:spTree>
       <p:nvGrpSpPr>
-        <p:cNvPr id="50" name="Shape 50"/>
+        <p:cNvPr id="1" name="Shape 50"/>
         <p:cNvGrpSpPr/>
         <p:nvPr/>
       </p:nvGrpSpPr>
@@ -716,9 +733,11 @@
       <p:sp>
         <p:nvSpPr>
           <p:cNvPr id="51" name="Google Shape;51;p:notes"/>
-          <p:cNvSpPr/>
+          <p:cNvSpPr>
+            <a:spLocks noGrp="1" noRot="1" noChangeAspect="1"/>
+          </p:cNvSpPr>
           <p:nvPr>
-            <p:ph idx="2" type="sldImg"/>
+            <p:ph type="sldImg" idx="2"/>
           </p:nvPr>
         </p:nvSpPr>
         <p:spPr>
@@ -727,9 +746,13 @@
             <a:ext cx="6096075" cy="3429000"/>
           </a:xfrm>
           <a:custGeom>
-            <a:rect b="b" l="l" r="r" t="t"/>
+            <a:avLst/>
+            <a:gdLst/>
+            <a:ahLst/>
+            <a:cxnLst/>
+            <a:rect l="l" t="t" r="r" b="b"/>
             <a:pathLst>
-              <a:path extrusionOk="0" h="120000" w="120000">
+              <a:path w="120000" h="120000" extrusionOk="0">
                 <a:moveTo>
                   <a:pt x="0" y="0"/>
                 </a:moveTo>
@@ -751,9 +774,11 @@
       <p:sp>
         <p:nvSpPr>
           <p:cNvPr id="52" name="Google Shape;52;p:notes"/>
-          <p:cNvSpPr txBox="1"/>
+          <p:cNvSpPr txBox="1">
+            <a:spLocks noGrp="1"/>
+          </p:cNvSpPr>
           <p:nvPr>
-            <p:ph idx="1" type="body"/>
+            <p:ph type="body" idx="1"/>
           </p:nvPr>
         </p:nvSpPr>
         <p:spPr>
@@ -766,12 +791,12 @@
           </a:prstGeom>
         </p:spPr>
         <p:txBody>
-          <a:bodyPr anchorCtr="0" anchor="t" bIns="91425" lIns="91425" spcFirstLastPara="1" rIns="91425" wrap="square" tIns="91425">
+          <a:bodyPr spcFirstLastPara="1" wrap="square" lIns="91425" tIns="91425" rIns="91425" bIns="91425" anchor="t" anchorCtr="0">
             <a:noAutofit/>
           </a:bodyPr>
           <a:lstStyle/>
           <a:p>
-            <a:pPr indent="0" lvl="0" marL="0" rtl="0" algn="l">
+            <a:pPr marL="0" lvl="0" indent="0" algn="l" rtl="0">
               <a:spcBef>
                 <a:spcPts val="0"/>
               </a:spcBef>
@@ -780,9 +805,6 @@
               </a:spcAft>
               <a:buNone/>
             </a:pPr>
-            <a:r>
-              <a:t/>
-            </a:r>
             <a:endParaRPr/>
           </a:p>
         </p:txBody>
@@ -796,11 +818,11 @@
 </file>
 
 <file path=ppt/notesSlides/notesSlide10.xml><?xml version="1.0" encoding="utf-8"?>
-<p:notes xmlns:a="http://schemas.openxmlformats.org/drawingml/2006/main" xmlns:r="http://schemas.openxmlformats.org/officeDocument/2006/relationships" xmlns:mc="http://schemas.openxmlformats.org/markup-compatibility/2006" xmlns:mv="urn:schemas-microsoft-com:mac:vml" xmlns:p="http://schemas.openxmlformats.org/presentationml/2006/main" xmlns:c="http://schemas.openxmlformats.org/drawingml/2006/chart" xmlns:dgm="http://schemas.openxmlformats.org/drawingml/2006/diagram" xmlns:o="urn:schemas-microsoft-com:office:office" xmlns:v="urn:schemas-microsoft-com:vml" xmlns:pvml="urn:schemas-microsoft-com:office:powerpoint" xmlns:com="http://schemas.openxmlformats.org/drawingml/2006/compatibility" xmlns:p14="http://schemas.microsoft.com/office/powerpoint/2010/main" xmlns:p15="http://schemas.microsoft.com/office/powerpoint/2012/main" xmlns:ahyp="http://schemas.microsoft.com/office/drawing/2018/hyperlinkcolor" showMasterPhAnim="0" showMasterSp="0">
+<p:notes xmlns:a="http://schemas.openxmlformats.org/drawingml/2006/main" xmlns:r="http://schemas.openxmlformats.org/officeDocument/2006/relationships" xmlns:p="http://schemas.openxmlformats.org/presentationml/2006/main" showMasterSp="0" showMasterPhAnim="0">
   <p:cSld>
     <p:spTree>
       <p:nvGrpSpPr>
-        <p:cNvPr id="107" name="Shape 107"/>
+        <p:cNvPr id="1" name="Shape 107"/>
         <p:cNvGrpSpPr/>
         <p:nvPr/>
       </p:nvGrpSpPr>
@@ -815,9 +837,11 @@
       <p:sp>
         <p:nvSpPr>
           <p:cNvPr id="108" name="Google Shape;108;g10601187549_0_31:notes"/>
-          <p:cNvSpPr/>
+          <p:cNvSpPr>
+            <a:spLocks noGrp="1" noRot="1" noChangeAspect="1"/>
+          </p:cNvSpPr>
           <p:nvPr>
-            <p:ph idx="2" type="sldImg"/>
+            <p:ph type="sldImg" idx="2"/>
           </p:nvPr>
         </p:nvSpPr>
         <p:spPr>
@@ -826,9 +850,13 @@
             <a:ext cx="6096000" cy="3429000"/>
           </a:xfrm>
           <a:custGeom>
-            <a:rect b="b" l="l" r="r" t="t"/>
+            <a:avLst/>
+            <a:gdLst/>
+            <a:ahLst/>
+            <a:cxnLst/>
+            <a:rect l="l" t="t" r="r" b="b"/>
             <a:pathLst>
-              <a:path extrusionOk="0" h="120000" w="120000">
+              <a:path w="120000" h="120000" extrusionOk="0">
                 <a:moveTo>
                   <a:pt x="0" y="0"/>
                 </a:moveTo>
@@ -850,9 +878,11 @@
       <p:sp>
         <p:nvSpPr>
           <p:cNvPr id="109" name="Google Shape;109;g10601187549_0_31:notes"/>
-          <p:cNvSpPr txBox="1"/>
+          <p:cNvSpPr txBox="1">
+            <a:spLocks noGrp="1"/>
+          </p:cNvSpPr>
           <p:nvPr>
-            <p:ph idx="1" type="body"/>
+            <p:ph type="body" idx="1"/>
           </p:nvPr>
         </p:nvSpPr>
         <p:spPr>
@@ -865,12 +895,12 @@
           </a:prstGeom>
         </p:spPr>
         <p:txBody>
-          <a:bodyPr anchorCtr="0" anchor="t" bIns="91425" lIns="91425" spcFirstLastPara="1" rIns="91425" wrap="square" tIns="91425">
+          <a:bodyPr spcFirstLastPara="1" wrap="square" lIns="91425" tIns="91425" rIns="91425" bIns="91425" anchor="t" anchorCtr="0">
             <a:noAutofit/>
           </a:bodyPr>
           <a:lstStyle/>
           <a:p>
-            <a:pPr indent="0" lvl="0" marL="0" rtl="0" algn="l">
+            <a:pPr marL="0" lvl="0" indent="0" algn="l" rtl="0">
               <a:spcBef>
                 <a:spcPts val="0"/>
               </a:spcBef>
@@ -879,9 +909,6 @@
               </a:spcAft>
               <a:buNone/>
             </a:pPr>
-            <a:r>
-              <a:t/>
-            </a:r>
             <a:endParaRPr/>
           </a:p>
         </p:txBody>
@@ -895,11 +922,11 @@
 </file>
 
 <file path=ppt/notesSlides/notesSlide11.xml><?xml version="1.0" encoding="utf-8"?>
-<p:notes xmlns:a="http://schemas.openxmlformats.org/drawingml/2006/main" xmlns:r="http://schemas.openxmlformats.org/officeDocument/2006/relationships" xmlns:mc="http://schemas.openxmlformats.org/markup-compatibility/2006" xmlns:mv="urn:schemas-microsoft-com:mac:vml" xmlns:p="http://schemas.openxmlformats.org/presentationml/2006/main" xmlns:c="http://schemas.openxmlformats.org/drawingml/2006/chart" xmlns:dgm="http://schemas.openxmlformats.org/drawingml/2006/diagram" xmlns:o="urn:schemas-microsoft-com:office:office" xmlns:v="urn:schemas-microsoft-com:vml" xmlns:pvml="urn:schemas-microsoft-com:office:powerpoint" xmlns:com="http://schemas.openxmlformats.org/drawingml/2006/compatibility" xmlns:p14="http://schemas.microsoft.com/office/powerpoint/2010/main" xmlns:p15="http://schemas.microsoft.com/office/powerpoint/2012/main" xmlns:ahyp="http://schemas.microsoft.com/office/drawing/2018/hyperlinkcolor" showMasterPhAnim="0" showMasterSp="0">
+<p:notes xmlns:a="http://schemas.openxmlformats.org/drawingml/2006/main" xmlns:r="http://schemas.openxmlformats.org/officeDocument/2006/relationships" xmlns:p="http://schemas.openxmlformats.org/presentationml/2006/main" showMasterSp="0" showMasterPhAnim="0">
   <p:cSld>
     <p:spTree>
       <p:nvGrpSpPr>
-        <p:cNvPr id="114" name="Shape 114"/>
+        <p:cNvPr id="1" name="Shape 114"/>
         <p:cNvGrpSpPr/>
         <p:nvPr/>
       </p:nvGrpSpPr>
@@ -914,20 +941,26 @@
       <p:sp>
         <p:nvSpPr>
           <p:cNvPr id="115" name="Google Shape;115;gcfa51fcbb7_0_140:notes"/>
-          <p:cNvSpPr/>
+          <p:cNvSpPr>
+            <a:spLocks noGrp="1" noRot="1" noChangeAspect="1"/>
+          </p:cNvSpPr>
           <p:nvPr>
-            <p:ph idx="2" type="sldImg"/>
+            <p:ph type="sldImg" idx="2"/>
           </p:nvPr>
         </p:nvSpPr>
         <p:spPr>
           <a:xfrm>
-            <a:off x="381300" y="685800"/>
+            <a:off x="381000" y="685800"/>
             <a:ext cx="6096000" cy="3429000"/>
           </a:xfrm>
           <a:custGeom>
-            <a:rect b="b" l="l" r="r" t="t"/>
+            <a:avLst/>
+            <a:gdLst/>
+            <a:ahLst/>
+            <a:cxnLst/>
+            <a:rect l="l" t="t" r="r" b="b"/>
             <a:pathLst>
-              <a:path extrusionOk="0" h="120000" w="120000">
+              <a:path w="120000" h="120000" extrusionOk="0">
                 <a:moveTo>
                   <a:pt x="0" y="0"/>
                 </a:moveTo>
@@ -949,9 +982,11 @@
       <p:sp>
         <p:nvSpPr>
           <p:cNvPr id="116" name="Google Shape;116;gcfa51fcbb7_0_140:notes"/>
-          <p:cNvSpPr txBox="1"/>
+          <p:cNvSpPr txBox="1">
+            <a:spLocks noGrp="1"/>
+          </p:cNvSpPr>
           <p:nvPr>
-            <p:ph idx="1" type="body"/>
+            <p:ph type="body" idx="1"/>
           </p:nvPr>
         </p:nvSpPr>
         <p:spPr>
@@ -964,12 +999,12 @@
           </a:prstGeom>
         </p:spPr>
         <p:txBody>
-          <a:bodyPr anchorCtr="0" anchor="t" bIns="91425" lIns="91425" spcFirstLastPara="1" rIns="91425" wrap="square" tIns="91425">
+          <a:bodyPr spcFirstLastPara="1" wrap="square" lIns="91425" tIns="91425" rIns="91425" bIns="91425" anchor="t" anchorCtr="0">
             <a:noAutofit/>
           </a:bodyPr>
           <a:lstStyle/>
           <a:p>
-            <a:pPr indent="0" lvl="0" marL="0" rtl="0" algn="l">
+            <a:pPr marL="0" lvl="0" indent="0" algn="l" rtl="0">
               <a:spcBef>
                 <a:spcPts val="0"/>
               </a:spcBef>
@@ -978,9 +1013,6 @@
               </a:spcAft>
               <a:buNone/>
             </a:pPr>
-            <a:r>
-              <a:t/>
-            </a:r>
             <a:endParaRPr/>
           </a:p>
         </p:txBody>
@@ -994,11 +1026,11 @@
 </file>
 
 <file path=ppt/notesSlides/notesSlide2.xml><?xml version="1.0" encoding="utf-8"?>
-<p:notes xmlns:a="http://schemas.openxmlformats.org/drawingml/2006/main" xmlns:r="http://schemas.openxmlformats.org/officeDocument/2006/relationships" xmlns:mc="http://schemas.openxmlformats.org/markup-compatibility/2006" xmlns:mv="urn:schemas-microsoft-com:mac:vml" xmlns:p="http://schemas.openxmlformats.org/presentationml/2006/main" xmlns:c="http://schemas.openxmlformats.org/drawingml/2006/chart" xmlns:dgm="http://schemas.openxmlformats.org/drawingml/2006/diagram" xmlns:o="urn:schemas-microsoft-com:office:office" xmlns:v="urn:schemas-microsoft-com:vml" xmlns:pvml="urn:schemas-microsoft-com:office:powerpoint" xmlns:com="http://schemas.openxmlformats.org/drawingml/2006/compatibility" xmlns:p14="http://schemas.microsoft.com/office/powerpoint/2010/main" xmlns:p15="http://schemas.microsoft.com/office/powerpoint/2012/main" xmlns:ahyp="http://schemas.microsoft.com/office/drawing/2018/hyperlinkcolor" showMasterPhAnim="0" showMasterSp="0">
+<p:notes xmlns:a="http://schemas.openxmlformats.org/drawingml/2006/main" xmlns:r="http://schemas.openxmlformats.org/officeDocument/2006/relationships" xmlns:p="http://schemas.openxmlformats.org/presentationml/2006/main" showMasterSp="0" showMasterPhAnim="0">
   <p:cSld>
     <p:spTree>
       <p:nvGrpSpPr>
-        <p:cNvPr id="56" name="Shape 56"/>
+        <p:cNvPr id="1" name="Shape 56"/>
         <p:cNvGrpSpPr/>
         <p:nvPr/>
       </p:nvGrpSpPr>
@@ -1013,9 +1045,11 @@
       <p:sp>
         <p:nvSpPr>
           <p:cNvPr id="57" name="Google Shape;57;g10601187549_0_9:notes"/>
-          <p:cNvSpPr/>
+          <p:cNvSpPr>
+            <a:spLocks noGrp="1" noRot="1" noChangeAspect="1"/>
+          </p:cNvSpPr>
           <p:nvPr>
-            <p:ph idx="2" type="sldImg"/>
+            <p:ph type="sldImg" idx="2"/>
           </p:nvPr>
         </p:nvSpPr>
         <p:spPr>
@@ -1024,9 +1058,13 @@
             <a:ext cx="6096000" cy="3429000"/>
           </a:xfrm>
           <a:custGeom>
-            <a:rect b="b" l="l" r="r" t="t"/>
+            <a:avLst/>
+            <a:gdLst/>
+            <a:ahLst/>
+            <a:cxnLst/>
+            <a:rect l="l" t="t" r="r" b="b"/>
             <a:pathLst>
-              <a:path extrusionOk="0" h="120000" w="120000">
+              <a:path w="120000" h="120000" extrusionOk="0">
                 <a:moveTo>
                   <a:pt x="0" y="0"/>
                 </a:moveTo>
@@ -1048,9 +1086,11 @@
       <p:sp>
         <p:nvSpPr>
           <p:cNvPr id="58" name="Google Shape;58;g10601187549_0_9:notes"/>
-          <p:cNvSpPr txBox="1"/>
+          <p:cNvSpPr txBox="1">
+            <a:spLocks noGrp="1"/>
+          </p:cNvSpPr>
           <p:nvPr>
-            <p:ph idx="1" type="body"/>
+            <p:ph type="body" idx="1"/>
           </p:nvPr>
         </p:nvSpPr>
         <p:spPr>
@@ -1063,12 +1103,12 @@
           </a:prstGeom>
         </p:spPr>
         <p:txBody>
-          <a:bodyPr anchorCtr="0" anchor="t" bIns="91425" lIns="91425" spcFirstLastPara="1" rIns="91425" wrap="square" tIns="91425">
+          <a:bodyPr spcFirstLastPara="1" wrap="square" lIns="91425" tIns="91425" rIns="91425" bIns="91425" anchor="t" anchorCtr="0">
             <a:noAutofit/>
           </a:bodyPr>
           <a:lstStyle/>
           <a:p>
-            <a:pPr indent="0" lvl="0" marL="0" rtl="0" algn="l">
+            <a:pPr marL="0" lvl="0" indent="0" algn="l" rtl="0">
               <a:spcBef>
                 <a:spcPts val="0"/>
               </a:spcBef>
@@ -1077,9 +1117,6 @@
               </a:spcAft>
               <a:buNone/>
             </a:pPr>
-            <a:r>
-              <a:t/>
-            </a:r>
             <a:endParaRPr/>
           </a:p>
         </p:txBody>
@@ -1093,11 +1130,11 @@
 </file>
 
 <file path=ppt/notesSlides/notesSlide3.xml><?xml version="1.0" encoding="utf-8"?>
-<p:notes xmlns:a="http://schemas.openxmlformats.org/drawingml/2006/main" xmlns:r="http://schemas.openxmlformats.org/officeDocument/2006/relationships" xmlns:mc="http://schemas.openxmlformats.org/markup-compatibility/2006" xmlns:mv="urn:schemas-microsoft-com:mac:vml" xmlns:p="http://schemas.openxmlformats.org/presentationml/2006/main" xmlns:c="http://schemas.openxmlformats.org/drawingml/2006/chart" xmlns:dgm="http://schemas.openxmlformats.org/drawingml/2006/diagram" xmlns:o="urn:schemas-microsoft-com:office:office" xmlns:v="urn:schemas-microsoft-com:vml" xmlns:pvml="urn:schemas-microsoft-com:office:powerpoint" xmlns:com="http://schemas.openxmlformats.org/drawingml/2006/compatibility" xmlns:p14="http://schemas.microsoft.com/office/powerpoint/2010/main" xmlns:p15="http://schemas.microsoft.com/office/powerpoint/2012/main" xmlns:ahyp="http://schemas.microsoft.com/office/drawing/2018/hyperlinkcolor" showMasterPhAnim="0" showMasterSp="0">
+<p:notes xmlns:a="http://schemas.openxmlformats.org/drawingml/2006/main" xmlns:r="http://schemas.openxmlformats.org/officeDocument/2006/relationships" xmlns:p="http://schemas.openxmlformats.org/presentationml/2006/main" showMasterSp="0" showMasterPhAnim="0">
   <p:cSld>
     <p:spTree>
       <p:nvGrpSpPr>
-        <p:cNvPr id="62" name="Shape 62"/>
+        <p:cNvPr id="1" name="Shape 62"/>
         <p:cNvGrpSpPr/>
         <p:nvPr/>
       </p:nvGrpSpPr>
@@ -1112,9 +1149,11 @@
       <p:sp>
         <p:nvSpPr>
           <p:cNvPr id="63" name="Google Shape;63;g10601187549_0_53:notes"/>
-          <p:cNvSpPr/>
+          <p:cNvSpPr>
+            <a:spLocks noGrp="1" noRot="1" noChangeAspect="1"/>
+          </p:cNvSpPr>
           <p:nvPr>
-            <p:ph idx="2" type="sldImg"/>
+            <p:ph type="sldImg" idx="2"/>
           </p:nvPr>
         </p:nvSpPr>
         <p:spPr>
@@ -1123,9 +1162,13 @@
             <a:ext cx="6096000" cy="3429000"/>
           </a:xfrm>
           <a:custGeom>
-            <a:rect b="b" l="l" r="r" t="t"/>
+            <a:avLst/>
+            <a:gdLst/>
+            <a:ahLst/>
+            <a:cxnLst/>
+            <a:rect l="l" t="t" r="r" b="b"/>
             <a:pathLst>
-              <a:path extrusionOk="0" h="120000" w="120000">
+              <a:path w="120000" h="120000" extrusionOk="0">
                 <a:moveTo>
                   <a:pt x="0" y="0"/>
                 </a:moveTo>
@@ -1147,9 +1190,11 @@
       <p:sp>
         <p:nvSpPr>
           <p:cNvPr id="64" name="Google Shape;64;g10601187549_0_53:notes"/>
-          <p:cNvSpPr txBox="1"/>
+          <p:cNvSpPr txBox="1">
+            <a:spLocks noGrp="1"/>
+          </p:cNvSpPr>
           <p:nvPr>
-            <p:ph idx="1" type="body"/>
+            <p:ph type="body" idx="1"/>
           </p:nvPr>
         </p:nvSpPr>
         <p:spPr>
@@ -1162,12 +1207,12 @@
           </a:prstGeom>
         </p:spPr>
         <p:txBody>
-          <a:bodyPr anchorCtr="0" anchor="t" bIns="91425" lIns="91425" spcFirstLastPara="1" rIns="91425" wrap="square" tIns="91425">
+          <a:bodyPr spcFirstLastPara="1" wrap="square" lIns="91425" tIns="91425" rIns="91425" bIns="91425" anchor="t" anchorCtr="0">
             <a:noAutofit/>
           </a:bodyPr>
           <a:lstStyle/>
           <a:p>
-            <a:pPr indent="0" lvl="0" marL="0" rtl="0" algn="l">
+            <a:pPr marL="0" lvl="0" indent="0" algn="l" rtl="0">
               <a:spcBef>
                 <a:spcPts val="0"/>
               </a:spcBef>
@@ -1176,9 +1221,6 @@
               </a:spcAft>
               <a:buNone/>
             </a:pPr>
-            <a:r>
-              <a:t/>
-            </a:r>
             <a:endParaRPr/>
           </a:p>
         </p:txBody>
@@ -1192,11 +1234,11 @@
 </file>
 
 <file path=ppt/notesSlides/notesSlide4.xml><?xml version="1.0" encoding="utf-8"?>
-<p:notes xmlns:a="http://schemas.openxmlformats.org/drawingml/2006/main" xmlns:r="http://schemas.openxmlformats.org/officeDocument/2006/relationships" xmlns:mc="http://schemas.openxmlformats.org/markup-compatibility/2006" xmlns:mv="urn:schemas-microsoft-com:mac:vml" xmlns:p="http://schemas.openxmlformats.org/presentationml/2006/main" xmlns:c="http://schemas.openxmlformats.org/drawingml/2006/chart" xmlns:dgm="http://schemas.openxmlformats.org/drawingml/2006/diagram" xmlns:o="urn:schemas-microsoft-com:office:office" xmlns:v="urn:schemas-microsoft-com:vml" xmlns:pvml="urn:schemas-microsoft-com:office:powerpoint" xmlns:com="http://schemas.openxmlformats.org/drawingml/2006/compatibility" xmlns:p14="http://schemas.microsoft.com/office/powerpoint/2010/main" xmlns:p15="http://schemas.microsoft.com/office/powerpoint/2012/main" xmlns:ahyp="http://schemas.microsoft.com/office/drawing/2018/hyperlinkcolor" showMasterPhAnim="0" showMasterSp="0">
+<p:notes xmlns:a="http://schemas.openxmlformats.org/drawingml/2006/main" xmlns:r="http://schemas.openxmlformats.org/officeDocument/2006/relationships" xmlns:p="http://schemas.openxmlformats.org/presentationml/2006/main" showMasterSp="0" showMasterPhAnim="0">
   <p:cSld>
     <p:spTree>
       <p:nvGrpSpPr>
-        <p:cNvPr id="69" name="Shape 69"/>
+        <p:cNvPr id="1" name="Shape 69"/>
         <p:cNvGrpSpPr/>
         <p:nvPr/>
       </p:nvGrpSpPr>
@@ -1211,20 +1253,26 @@
       <p:sp>
         <p:nvSpPr>
           <p:cNvPr id="70" name="Google Shape;70;g10601187549_0_14:notes"/>
-          <p:cNvSpPr/>
+          <p:cNvSpPr>
+            <a:spLocks noGrp="1" noRot="1" noChangeAspect="1"/>
+          </p:cNvSpPr>
           <p:nvPr>
-            <p:ph idx="2" type="sldImg"/>
+            <p:ph type="sldImg" idx="2"/>
           </p:nvPr>
         </p:nvSpPr>
         <p:spPr>
           <a:xfrm>
-            <a:off x="381300" y="685800"/>
+            <a:off x="381000" y="685800"/>
             <a:ext cx="6096000" cy="3429000"/>
           </a:xfrm>
           <a:custGeom>
-            <a:rect b="b" l="l" r="r" t="t"/>
+            <a:avLst/>
+            <a:gdLst/>
+            <a:ahLst/>
+            <a:cxnLst/>
+            <a:rect l="l" t="t" r="r" b="b"/>
             <a:pathLst>
-              <a:path extrusionOk="0" h="120000" w="120000">
+              <a:path w="120000" h="120000" extrusionOk="0">
                 <a:moveTo>
                   <a:pt x="0" y="0"/>
                 </a:moveTo>
@@ -1246,9 +1294,11 @@
       <p:sp>
         <p:nvSpPr>
           <p:cNvPr id="71" name="Google Shape;71;g10601187549_0_14:notes"/>
-          <p:cNvSpPr txBox="1"/>
+          <p:cNvSpPr txBox="1">
+            <a:spLocks noGrp="1"/>
+          </p:cNvSpPr>
           <p:nvPr>
-            <p:ph idx="1" type="body"/>
+            <p:ph type="body" idx="1"/>
           </p:nvPr>
         </p:nvSpPr>
         <p:spPr>
@@ -1261,12 +1311,12 @@
           </a:prstGeom>
         </p:spPr>
         <p:txBody>
-          <a:bodyPr anchorCtr="0" anchor="t" bIns="91425" lIns="91425" spcFirstLastPara="1" rIns="91425" wrap="square" tIns="91425">
+          <a:bodyPr spcFirstLastPara="1" wrap="square" lIns="91425" tIns="91425" rIns="91425" bIns="91425" anchor="t" anchorCtr="0">
             <a:noAutofit/>
           </a:bodyPr>
           <a:lstStyle/>
           <a:p>
-            <a:pPr indent="0" lvl="0" marL="0" rtl="0" algn="l">
+            <a:pPr marL="0" lvl="0" indent="0" algn="l" rtl="0">
               <a:spcBef>
                 <a:spcPts val="0"/>
               </a:spcBef>
@@ -1275,9 +1325,6 @@
               </a:spcAft>
               <a:buNone/>
             </a:pPr>
-            <a:r>
-              <a:t/>
-            </a:r>
             <a:endParaRPr/>
           </a:p>
         </p:txBody>
@@ -1291,11 +1338,11 @@
 </file>
 
 <file path=ppt/notesSlides/notesSlide5.xml><?xml version="1.0" encoding="utf-8"?>
-<p:notes xmlns:a="http://schemas.openxmlformats.org/drawingml/2006/main" xmlns:r="http://schemas.openxmlformats.org/officeDocument/2006/relationships" xmlns:mc="http://schemas.openxmlformats.org/markup-compatibility/2006" xmlns:mv="urn:schemas-microsoft-com:mac:vml" xmlns:p="http://schemas.openxmlformats.org/presentationml/2006/main" xmlns:c="http://schemas.openxmlformats.org/drawingml/2006/chart" xmlns:dgm="http://schemas.openxmlformats.org/drawingml/2006/diagram" xmlns:o="urn:schemas-microsoft-com:office:office" xmlns:v="urn:schemas-microsoft-com:vml" xmlns:pvml="urn:schemas-microsoft-com:office:powerpoint" xmlns:com="http://schemas.openxmlformats.org/drawingml/2006/compatibility" xmlns:p14="http://schemas.microsoft.com/office/powerpoint/2010/main" xmlns:p15="http://schemas.microsoft.com/office/powerpoint/2012/main" xmlns:ahyp="http://schemas.microsoft.com/office/drawing/2018/hyperlinkcolor" showMasterPhAnim="0" showMasterSp="0">
+<p:notes xmlns:a="http://schemas.openxmlformats.org/drawingml/2006/main" xmlns:r="http://schemas.openxmlformats.org/officeDocument/2006/relationships" xmlns:p="http://schemas.openxmlformats.org/presentationml/2006/main" showMasterSp="0" showMasterPhAnim="0">
   <p:cSld>
     <p:spTree>
       <p:nvGrpSpPr>
-        <p:cNvPr id="75" name="Shape 75"/>
+        <p:cNvPr id="1" name="Shape 75"/>
         <p:cNvGrpSpPr/>
         <p:nvPr/>
       </p:nvGrpSpPr>
@@ -1310,9 +1357,11 @@
       <p:sp>
         <p:nvSpPr>
           <p:cNvPr id="76" name="Google Shape;76;g10601187549_0_48:notes"/>
-          <p:cNvSpPr/>
+          <p:cNvSpPr>
+            <a:spLocks noGrp="1" noRot="1" noChangeAspect="1"/>
+          </p:cNvSpPr>
           <p:nvPr>
-            <p:ph idx="2" type="sldImg"/>
+            <p:ph type="sldImg" idx="2"/>
           </p:nvPr>
         </p:nvSpPr>
         <p:spPr>
@@ -1321,9 +1370,13 @@
             <a:ext cx="6096000" cy="3429000"/>
           </a:xfrm>
           <a:custGeom>
-            <a:rect b="b" l="l" r="r" t="t"/>
+            <a:avLst/>
+            <a:gdLst/>
+            <a:ahLst/>
+            <a:cxnLst/>
+            <a:rect l="l" t="t" r="r" b="b"/>
             <a:pathLst>
-              <a:path extrusionOk="0" h="120000" w="120000">
+              <a:path w="120000" h="120000" extrusionOk="0">
                 <a:moveTo>
                   <a:pt x="0" y="0"/>
                 </a:moveTo>
@@ -1345,9 +1398,11 @@
       <p:sp>
         <p:nvSpPr>
           <p:cNvPr id="77" name="Google Shape;77;g10601187549_0_48:notes"/>
-          <p:cNvSpPr txBox="1"/>
+          <p:cNvSpPr txBox="1">
+            <a:spLocks noGrp="1"/>
+          </p:cNvSpPr>
           <p:nvPr>
-            <p:ph idx="1" type="body"/>
+            <p:ph type="body" idx="1"/>
           </p:nvPr>
         </p:nvSpPr>
         <p:spPr>
@@ -1360,12 +1415,12 @@
           </a:prstGeom>
         </p:spPr>
         <p:txBody>
-          <a:bodyPr anchorCtr="0" anchor="t" bIns="91425" lIns="91425" spcFirstLastPara="1" rIns="91425" wrap="square" tIns="91425">
+          <a:bodyPr spcFirstLastPara="1" wrap="square" lIns="91425" tIns="91425" rIns="91425" bIns="91425" anchor="t" anchorCtr="0">
             <a:noAutofit/>
           </a:bodyPr>
           <a:lstStyle/>
           <a:p>
-            <a:pPr indent="0" lvl="0" marL="0" rtl="0" algn="l">
+            <a:pPr marL="0" lvl="0" indent="0" algn="l" rtl="0">
               <a:spcBef>
                 <a:spcPts val="0"/>
               </a:spcBef>
@@ -1374,9 +1429,6 @@
               </a:spcAft>
               <a:buNone/>
             </a:pPr>
-            <a:r>
-              <a:t/>
-            </a:r>
             <a:endParaRPr/>
           </a:p>
         </p:txBody>
@@ -1390,11 +1442,11 @@
 </file>
 
 <file path=ppt/notesSlides/notesSlide6.xml><?xml version="1.0" encoding="utf-8"?>
-<p:notes xmlns:a="http://schemas.openxmlformats.org/drawingml/2006/main" xmlns:r="http://schemas.openxmlformats.org/officeDocument/2006/relationships" xmlns:mc="http://schemas.openxmlformats.org/markup-compatibility/2006" xmlns:mv="urn:schemas-microsoft-com:mac:vml" xmlns:p="http://schemas.openxmlformats.org/presentationml/2006/main" xmlns:c="http://schemas.openxmlformats.org/drawingml/2006/chart" xmlns:dgm="http://schemas.openxmlformats.org/drawingml/2006/diagram" xmlns:o="urn:schemas-microsoft-com:office:office" xmlns:v="urn:schemas-microsoft-com:vml" xmlns:pvml="urn:schemas-microsoft-com:office:powerpoint" xmlns:com="http://schemas.openxmlformats.org/drawingml/2006/compatibility" xmlns:p14="http://schemas.microsoft.com/office/powerpoint/2010/main" xmlns:p15="http://schemas.microsoft.com/office/powerpoint/2012/main" xmlns:ahyp="http://schemas.microsoft.com/office/drawing/2018/hyperlinkcolor" showMasterPhAnim="0" showMasterSp="0">
+<p:notes xmlns:a="http://schemas.openxmlformats.org/drawingml/2006/main" xmlns:r="http://schemas.openxmlformats.org/officeDocument/2006/relationships" xmlns:p="http://schemas.openxmlformats.org/presentationml/2006/main" showMasterSp="0" showMasterPhAnim="0">
   <p:cSld>
     <p:spTree>
       <p:nvGrpSpPr>
-        <p:cNvPr id="81" name="Shape 81"/>
+        <p:cNvPr id="1" name="Shape 81"/>
         <p:cNvGrpSpPr/>
         <p:nvPr/>
       </p:nvGrpSpPr>
@@ -1409,9 +1461,11 @@
       <p:sp>
         <p:nvSpPr>
           <p:cNvPr id="82" name="Google Shape;82;g10601187549_0_37:notes"/>
-          <p:cNvSpPr/>
+          <p:cNvSpPr>
+            <a:spLocks noGrp="1" noRot="1" noChangeAspect="1"/>
+          </p:cNvSpPr>
           <p:nvPr>
-            <p:ph idx="2" type="sldImg"/>
+            <p:ph type="sldImg" idx="2"/>
           </p:nvPr>
         </p:nvSpPr>
         <p:spPr>
@@ -1420,9 +1474,13 @@
             <a:ext cx="6096000" cy="3429000"/>
           </a:xfrm>
           <a:custGeom>
-            <a:rect b="b" l="l" r="r" t="t"/>
+            <a:avLst/>
+            <a:gdLst/>
+            <a:ahLst/>
+            <a:cxnLst/>
+            <a:rect l="l" t="t" r="r" b="b"/>
             <a:pathLst>
-              <a:path extrusionOk="0" h="120000" w="120000">
+              <a:path w="120000" h="120000" extrusionOk="0">
                 <a:moveTo>
                   <a:pt x="0" y="0"/>
                 </a:moveTo>
@@ -1444,9 +1502,11 @@
       <p:sp>
         <p:nvSpPr>
           <p:cNvPr id="83" name="Google Shape;83;g10601187549_0_37:notes"/>
-          <p:cNvSpPr txBox="1"/>
+          <p:cNvSpPr txBox="1">
+            <a:spLocks noGrp="1"/>
+          </p:cNvSpPr>
           <p:nvPr>
-            <p:ph idx="1" type="body"/>
+            <p:ph type="body" idx="1"/>
           </p:nvPr>
         </p:nvSpPr>
         <p:spPr>
@@ -1459,12 +1519,12 @@
           </a:prstGeom>
         </p:spPr>
         <p:txBody>
-          <a:bodyPr anchorCtr="0" anchor="t" bIns="91425" lIns="91425" spcFirstLastPara="1" rIns="91425" wrap="square" tIns="91425">
+          <a:bodyPr spcFirstLastPara="1" wrap="square" lIns="91425" tIns="91425" rIns="91425" bIns="91425" anchor="t" anchorCtr="0">
             <a:noAutofit/>
           </a:bodyPr>
           <a:lstStyle/>
           <a:p>
-            <a:pPr indent="0" lvl="0" marL="0" rtl="0" algn="l">
+            <a:pPr marL="0" lvl="0" indent="0" algn="l" rtl="0">
               <a:spcBef>
                 <a:spcPts val="0"/>
               </a:spcBef>
@@ -1473,9 +1533,6 @@
               </a:spcAft>
               <a:buNone/>
             </a:pPr>
-            <a:r>
-              <a:t/>
-            </a:r>
             <a:endParaRPr/>
           </a:p>
         </p:txBody>
@@ -1489,11 +1546,11 @@
 </file>
 
 <file path=ppt/notesSlides/notesSlide7.xml><?xml version="1.0" encoding="utf-8"?>
-<p:notes xmlns:a="http://schemas.openxmlformats.org/drawingml/2006/main" xmlns:r="http://schemas.openxmlformats.org/officeDocument/2006/relationships" xmlns:mc="http://schemas.openxmlformats.org/markup-compatibility/2006" xmlns:mv="urn:schemas-microsoft-com:mac:vml" xmlns:p="http://schemas.openxmlformats.org/presentationml/2006/main" xmlns:c="http://schemas.openxmlformats.org/drawingml/2006/chart" xmlns:dgm="http://schemas.openxmlformats.org/drawingml/2006/diagram" xmlns:o="urn:schemas-microsoft-com:office:office" xmlns:v="urn:schemas-microsoft-com:vml" xmlns:pvml="urn:schemas-microsoft-com:office:powerpoint" xmlns:com="http://schemas.openxmlformats.org/drawingml/2006/compatibility" xmlns:p14="http://schemas.microsoft.com/office/powerpoint/2010/main" xmlns:p15="http://schemas.microsoft.com/office/powerpoint/2012/main" xmlns:ahyp="http://schemas.microsoft.com/office/drawing/2018/hyperlinkcolor" showMasterPhAnim="0" showMasterSp="0">
+<p:notes xmlns:a="http://schemas.openxmlformats.org/drawingml/2006/main" xmlns:r="http://schemas.openxmlformats.org/officeDocument/2006/relationships" xmlns:p="http://schemas.openxmlformats.org/presentationml/2006/main" showMasterSp="0" showMasterPhAnim="0">
   <p:cSld>
     <p:spTree>
       <p:nvGrpSpPr>
-        <p:cNvPr id="89" name="Shape 89"/>
+        <p:cNvPr id="1" name="Shape 89"/>
         <p:cNvGrpSpPr/>
         <p:nvPr/>
       </p:nvGrpSpPr>
@@ -1508,9 +1565,11 @@
       <p:sp>
         <p:nvSpPr>
           <p:cNvPr id="90" name="Google Shape;90;g10601187549_0_21:notes"/>
-          <p:cNvSpPr/>
+          <p:cNvSpPr>
+            <a:spLocks noGrp="1" noRot="1" noChangeAspect="1"/>
+          </p:cNvSpPr>
           <p:nvPr>
-            <p:ph idx="2" type="sldImg"/>
+            <p:ph type="sldImg" idx="2"/>
           </p:nvPr>
         </p:nvSpPr>
         <p:spPr>
@@ -1519,9 +1578,13 @@
             <a:ext cx="6096000" cy="3429000"/>
           </a:xfrm>
           <a:custGeom>
-            <a:rect b="b" l="l" r="r" t="t"/>
+            <a:avLst/>
+            <a:gdLst/>
+            <a:ahLst/>
+            <a:cxnLst/>
+            <a:rect l="l" t="t" r="r" b="b"/>
             <a:pathLst>
-              <a:path extrusionOk="0" h="120000" w="120000">
+              <a:path w="120000" h="120000" extrusionOk="0">
                 <a:moveTo>
                   <a:pt x="0" y="0"/>
                 </a:moveTo>
@@ -1543,9 +1606,11 @@
       <p:sp>
         <p:nvSpPr>
           <p:cNvPr id="91" name="Google Shape;91;g10601187549_0_21:notes"/>
-          <p:cNvSpPr txBox="1"/>
+          <p:cNvSpPr txBox="1">
+            <a:spLocks noGrp="1"/>
+          </p:cNvSpPr>
           <p:nvPr>
-            <p:ph idx="1" type="body"/>
+            <p:ph type="body" idx="1"/>
           </p:nvPr>
         </p:nvSpPr>
         <p:spPr>
@@ -1558,12 +1623,12 @@
           </a:prstGeom>
         </p:spPr>
         <p:txBody>
-          <a:bodyPr anchorCtr="0" anchor="t" bIns="91425" lIns="91425" spcFirstLastPara="1" rIns="91425" wrap="square" tIns="91425">
+          <a:bodyPr spcFirstLastPara="1" wrap="square" lIns="91425" tIns="91425" rIns="91425" bIns="91425" anchor="t" anchorCtr="0">
             <a:noAutofit/>
           </a:bodyPr>
           <a:lstStyle/>
           <a:p>
-            <a:pPr indent="0" lvl="0" marL="0" rtl="0" algn="l">
+            <a:pPr marL="0" lvl="0" indent="0" algn="l" rtl="0">
               <a:spcBef>
                 <a:spcPts val="0"/>
               </a:spcBef>
@@ -1572,9 +1637,6 @@
               </a:spcAft>
               <a:buNone/>
             </a:pPr>
-            <a:r>
-              <a:t/>
-            </a:r>
             <a:endParaRPr/>
           </a:p>
         </p:txBody>
@@ -1588,11 +1650,11 @@
 </file>
 
 <file path=ppt/notesSlides/notesSlide8.xml><?xml version="1.0" encoding="utf-8"?>
-<p:notes xmlns:a="http://schemas.openxmlformats.org/drawingml/2006/main" xmlns:r="http://schemas.openxmlformats.org/officeDocument/2006/relationships" xmlns:mc="http://schemas.openxmlformats.org/markup-compatibility/2006" xmlns:mv="urn:schemas-microsoft-com:mac:vml" xmlns:p="http://schemas.openxmlformats.org/presentationml/2006/main" xmlns:c="http://schemas.openxmlformats.org/drawingml/2006/chart" xmlns:dgm="http://schemas.openxmlformats.org/drawingml/2006/diagram" xmlns:o="urn:schemas-microsoft-com:office:office" xmlns:v="urn:schemas-microsoft-com:vml" xmlns:pvml="urn:schemas-microsoft-com:office:powerpoint" xmlns:com="http://schemas.openxmlformats.org/drawingml/2006/compatibility" xmlns:p14="http://schemas.microsoft.com/office/powerpoint/2010/main" xmlns:p15="http://schemas.microsoft.com/office/powerpoint/2012/main" xmlns:ahyp="http://schemas.microsoft.com/office/drawing/2018/hyperlinkcolor" showMasterPhAnim="0" showMasterSp="0">
+<p:notes xmlns:a="http://schemas.openxmlformats.org/drawingml/2006/main" xmlns:r="http://schemas.openxmlformats.org/officeDocument/2006/relationships" xmlns:p="http://schemas.openxmlformats.org/presentationml/2006/main" showMasterSp="0" showMasterPhAnim="0">
   <p:cSld>
     <p:spTree>
       <p:nvGrpSpPr>
-        <p:cNvPr id="95" name="Shape 95"/>
+        <p:cNvPr id="1" name="Shape 95"/>
         <p:cNvGrpSpPr/>
         <p:nvPr/>
       </p:nvGrpSpPr>
@@ -1607,20 +1669,26 @@
       <p:sp>
         <p:nvSpPr>
           <p:cNvPr id="96" name="Google Shape;96;g10601187549_0_59:notes"/>
-          <p:cNvSpPr/>
+          <p:cNvSpPr>
+            <a:spLocks noGrp="1" noRot="1" noChangeAspect="1"/>
+          </p:cNvSpPr>
           <p:nvPr>
-            <p:ph idx="2" type="sldImg"/>
+            <p:ph type="sldImg" idx="2"/>
           </p:nvPr>
         </p:nvSpPr>
         <p:spPr>
           <a:xfrm>
-            <a:off x="381300" y="685800"/>
+            <a:off x="381000" y="685800"/>
             <a:ext cx="6096000" cy="3429000"/>
           </a:xfrm>
           <a:custGeom>
-            <a:rect b="b" l="l" r="r" t="t"/>
+            <a:avLst/>
+            <a:gdLst/>
+            <a:ahLst/>
+            <a:cxnLst/>
+            <a:rect l="l" t="t" r="r" b="b"/>
             <a:pathLst>
-              <a:path extrusionOk="0" h="120000" w="120000">
+              <a:path w="120000" h="120000" extrusionOk="0">
                 <a:moveTo>
                   <a:pt x="0" y="0"/>
                 </a:moveTo>
@@ -1642,9 +1710,11 @@
       <p:sp>
         <p:nvSpPr>
           <p:cNvPr id="97" name="Google Shape;97;g10601187549_0_59:notes"/>
-          <p:cNvSpPr txBox="1"/>
+          <p:cNvSpPr txBox="1">
+            <a:spLocks noGrp="1"/>
+          </p:cNvSpPr>
           <p:nvPr>
-            <p:ph idx="1" type="body"/>
+            <p:ph type="body" idx="1"/>
           </p:nvPr>
         </p:nvSpPr>
         <p:spPr>
@@ -1657,12 +1727,12 @@
           </a:prstGeom>
         </p:spPr>
         <p:txBody>
-          <a:bodyPr anchorCtr="0" anchor="t" bIns="91425" lIns="91425" spcFirstLastPara="1" rIns="91425" wrap="square" tIns="91425">
+          <a:bodyPr spcFirstLastPara="1" wrap="square" lIns="91425" tIns="91425" rIns="91425" bIns="91425" anchor="t" anchorCtr="0">
             <a:noAutofit/>
           </a:bodyPr>
           <a:lstStyle/>
           <a:p>
-            <a:pPr indent="0" lvl="0" marL="0" rtl="0" algn="l">
+            <a:pPr marL="0" lvl="0" indent="0" algn="l" rtl="0">
               <a:spcBef>
                 <a:spcPts val="0"/>
               </a:spcBef>
@@ -1671,9 +1741,6 @@
               </a:spcAft>
               <a:buNone/>
             </a:pPr>
-            <a:r>
-              <a:t/>
-            </a:r>
             <a:endParaRPr/>
           </a:p>
         </p:txBody>
@@ -1687,11 +1754,11 @@
 </file>
 
 <file path=ppt/notesSlides/notesSlide9.xml><?xml version="1.0" encoding="utf-8"?>
-<p:notes xmlns:a="http://schemas.openxmlformats.org/drawingml/2006/main" xmlns:r="http://schemas.openxmlformats.org/officeDocument/2006/relationships" xmlns:mc="http://schemas.openxmlformats.org/markup-compatibility/2006" xmlns:mv="urn:schemas-microsoft-com:mac:vml" xmlns:p="http://schemas.openxmlformats.org/presentationml/2006/main" xmlns:c="http://schemas.openxmlformats.org/drawingml/2006/chart" xmlns:dgm="http://schemas.openxmlformats.org/drawingml/2006/diagram" xmlns:o="urn:schemas-microsoft-com:office:office" xmlns:v="urn:schemas-microsoft-com:vml" xmlns:pvml="urn:schemas-microsoft-com:office:powerpoint" xmlns:com="http://schemas.openxmlformats.org/drawingml/2006/compatibility" xmlns:p14="http://schemas.microsoft.com/office/powerpoint/2010/main" xmlns:p15="http://schemas.microsoft.com/office/powerpoint/2012/main" xmlns:ahyp="http://schemas.microsoft.com/office/drawing/2018/hyperlinkcolor" showMasterPhAnim="0" showMasterSp="0">
+<p:notes xmlns:a="http://schemas.openxmlformats.org/drawingml/2006/main" xmlns:r="http://schemas.openxmlformats.org/officeDocument/2006/relationships" xmlns:p="http://schemas.openxmlformats.org/presentationml/2006/main" showMasterSp="0" showMasterPhAnim="0">
   <p:cSld>
     <p:spTree>
       <p:nvGrpSpPr>
-        <p:cNvPr id="101" name="Shape 101"/>
+        <p:cNvPr id="1" name="Shape 101"/>
         <p:cNvGrpSpPr/>
         <p:nvPr/>
       </p:nvGrpSpPr>
@@ -1706,9 +1773,11 @@
       <p:sp>
         <p:nvSpPr>
           <p:cNvPr id="102" name="Google Shape;102;g10601187549_0_26:notes"/>
-          <p:cNvSpPr/>
+          <p:cNvSpPr>
+            <a:spLocks noGrp="1" noRot="1" noChangeAspect="1"/>
+          </p:cNvSpPr>
           <p:nvPr>
-            <p:ph idx="2" type="sldImg"/>
+            <p:ph type="sldImg" idx="2"/>
           </p:nvPr>
         </p:nvSpPr>
         <p:spPr>
@@ -1717,9 +1786,13 @@
             <a:ext cx="6096000" cy="3429000"/>
           </a:xfrm>
           <a:custGeom>
-            <a:rect b="b" l="l" r="r" t="t"/>
+            <a:avLst/>
+            <a:gdLst/>
+            <a:ahLst/>
+            <a:cxnLst/>
+            <a:rect l="l" t="t" r="r" b="b"/>
             <a:pathLst>
-              <a:path extrusionOk="0" h="120000" w="120000">
+              <a:path w="120000" h="120000" extrusionOk="0">
                 <a:moveTo>
                   <a:pt x="0" y="0"/>
                 </a:moveTo>
@@ -1741,9 +1814,11 @@
       <p:sp>
         <p:nvSpPr>
           <p:cNvPr id="103" name="Google Shape;103;g10601187549_0_26:notes"/>
-          <p:cNvSpPr txBox="1"/>
+          <p:cNvSpPr txBox="1">
+            <a:spLocks noGrp="1"/>
+          </p:cNvSpPr>
           <p:nvPr>
-            <p:ph idx="1" type="body"/>
+            <p:ph type="body" idx="1"/>
           </p:nvPr>
         </p:nvSpPr>
         <p:spPr>
@@ -1756,12 +1831,12 @@
           </a:prstGeom>
         </p:spPr>
         <p:txBody>
-          <a:bodyPr anchorCtr="0" anchor="t" bIns="91425" lIns="91425" spcFirstLastPara="1" rIns="91425" wrap="square" tIns="91425">
+          <a:bodyPr spcFirstLastPara="1" wrap="square" lIns="91425" tIns="91425" rIns="91425" bIns="91425" anchor="t" anchorCtr="0">
             <a:noAutofit/>
           </a:bodyPr>
           <a:lstStyle/>
           <a:p>
-            <a:pPr indent="0" lvl="0" marL="0" rtl="0" algn="l">
+            <a:pPr marL="0" lvl="0" indent="0" algn="l" rtl="0">
               <a:spcBef>
                 <a:spcPts val="0"/>
               </a:spcBef>
@@ -1770,9 +1845,6 @@
               </a:spcAft>
               <a:buNone/>
             </a:pPr>
-            <a:r>
-              <a:t/>
-            </a:r>
             <a:endParaRPr/>
           </a:p>
         </p:txBody>
@@ -1786,11 +1858,11 @@
 </file>
 
 <file path=ppt/slideLayouts/slideLayout1.xml><?xml version="1.0" encoding="utf-8"?>
-<p:sldLayout xmlns:a="http://schemas.openxmlformats.org/drawingml/2006/main" xmlns:r="http://schemas.openxmlformats.org/officeDocument/2006/relationships" xmlns:mc="http://schemas.openxmlformats.org/markup-compatibility/2006" xmlns:mv="urn:schemas-microsoft-com:mac:vml" xmlns:p="http://schemas.openxmlformats.org/presentationml/2006/main" xmlns:c="http://schemas.openxmlformats.org/drawingml/2006/chart" xmlns:dgm="http://schemas.openxmlformats.org/drawingml/2006/diagram" xmlns:o="urn:schemas-microsoft-com:office:office" xmlns:v="urn:schemas-microsoft-com:vml" xmlns:pvml="urn:schemas-microsoft-com:office:powerpoint" xmlns:com="http://schemas.openxmlformats.org/drawingml/2006/compatibility" xmlns:p14="http://schemas.microsoft.com/office/powerpoint/2010/main" xmlns:p15="http://schemas.microsoft.com/office/powerpoint/2012/main" xmlns:ahyp="http://schemas.microsoft.com/office/drawing/2018/hyperlinkcolor" matchingName="Title slide" type="title">
+<p:sldLayout xmlns:a="http://schemas.openxmlformats.org/drawingml/2006/main" xmlns:r="http://schemas.openxmlformats.org/officeDocument/2006/relationships" xmlns:p="http://schemas.openxmlformats.org/presentationml/2006/main" matchingName="Title slide" type="title">
   <p:cSld name="TITLE">
     <p:spTree>
       <p:nvGrpSpPr>
-        <p:cNvPr id="9" name="Shape 9"/>
+        <p:cNvPr id="1" name="Shape 9"/>
         <p:cNvGrpSpPr/>
         <p:nvPr/>
       </p:nvGrpSpPr>
@@ -1805,7 +1877,9 @@
       <p:sp>
         <p:nvSpPr>
           <p:cNvPr id="10" name="Google Shape;10;p2"/>
-          <p:cNvSpPr txBox="1"/>
+          <p:cNvSpPr txBox="1">
+            <a:spLocks noGrp="1"/>
+          </p:cNvSpPr>
           <p:nvPr>
             <p:ph type="ctrTitle"/>
           </p:nvPr>
@@ -1820,7 +1894,7 @@
           </a:prstGeom>
         </p:spPr>
         <p:txBody>
-          <a:bodyPr anchorCtr="0" anchor="b" bIns="91425" lIns="91425" spcFirstLastPara="1" rIns="91425" wrap="square" tIns="91425">
+          <a:bodyPr spcFirstLastPara="1" wrap="square" lIns="91425" tIns="91425" rIns="91425" bIns="91425" anchor="b" anchorCtr="0">
             <a:normAutofit/>
           </a:bodyPr>
           <a:lstStyle>
@@ -1924,15 +1998,19 @@
               <a:defRPr sz="5200"/>
             </a:lvl9pPr>
           </a:lstStyle>
-          <a:p/>
+          <a:p>
+            <a:endParaRPr/>
+          </a:p>
         </p:txBody>
       </p:sp>
       <p:sp>
         <p:nvSpPr>
           <p:cNvPr id="11" name="Google Shape;11;p2"/>
-          <p:cNvSpPr txBox="1"/>
+          <p:cNvSpPr txBox="1">
+            <a:spLocks noGrp="1"/>
+          </p:cNvSpPr>
           <p:nvPr>
-            <p:ph idx="1" type="subTitle"/>
+            <p:ph type="subTitle" idx="1"/>
           </p:nvPr>
         </p:nvSpPr>
         <p:spPr>
@@ -1945,7 +2023,7 @@
           </a:prstGeom>
         </p:spPr>
         <p:txBody>
-          <a:bodyPr anchorCtr="0" anchor="t" bIns="91425" lIns="91425" spcFirstLastPara="1" rIns="91425" wrap="square" tIns="91425">
+          <a:bodyPr spcFirstLastPara="1" wrap="square" lIns="91425" tIns="91425" rIns="91425" bIns="91425" anchor="t" anchorCtr="0">
             <a:normAutofit/>
           </a:bodyPr>
           <a:lstStyle>
@@ -2076,15 +2154,19 @@
               <a:defRPr sz="2800"/>
             </a:lvl9pPr>
           </a:lstStyle>
-          <a:p/>
+          <a:p>
+            <a:endParaRPr/>
+          </a:p>
         </p:txBody>
       </p:sp>
       <p:sp>
         <p:nvSpPr>
           <p:cNvPr id="12" name="Google Shape;12;p2"/>
-          <p:cNvSpPr txBox="1"/>
+          <p:cNvSpPr txBox="1">
+            <a:spLocks noGrp="1"/>
+          </p:cNvSpPr>
           <p:nvPr>
-            <p:ph idx="12" type="sldNum"/>
+            <p:ph type="sldNum" idx="12"/>
           </p:nvPr>
         </p:nvSpPr>
         <p:spPr>
@@ -2097,7 +2179,7 @@
           </a:prstGeom>
         </p:spPr>
         <p:txBody>
-          <a:bodyPr anchorCtr="0" anchor="ctr" bIns="91425" lIns="91425" spcFirstLastPara="1" rIns="91425" wrap="square" tIns="91425">
+          <a:bodyPr spcFirstLastPara="1" wrap="square" lIns="91425" tIns="91425" rIns="91425" bIns="91425" anchor="ctr" anchorCtr="0">
             <a:normAutofit/>
           </a:bodyPr>
           <a:lstStyle>
@@ -2139,7 +2221,7 @@
             </a:lvl9pPr>
           </a:lstStyle>
           <a:p>
-            <a:pPr indent="0" lvl="0" marL="0" rtl="0" algn="r">
+            <a:pPr marL="0" lvl="0" indent="0" algn="r" rtl="0">
               <a:spcBef>
                 <a:spcPts val="0"/>
               </a:spcBef>
@@ -2165,11 +2247,11 @@
 </file>
 
 <file path=ppt/slideLayouts/slideLayout10.xml><?xml version="1.0" encoding="utf-8"?>
-<p:sldLayout xmlns:a="http://schemas.openxmlformats.org/drawingml/2006/main" xmlns:r="http://schemas.openxmlformats.org/officeDocument/2006/relationships" xmlns:mc="http://schemas.openxmlformats.org/markup-compatibility/2006" xmlns:mv="urn:schemas-microsoft-com:mac:vml" xmlns:p="http://schemas.openxmlformats.org/presentationml/2006/main" xmlns:c="http://schemas.openxmlformats.org/drawingml/2006/chart" xmlns:dgm="http://schemas.openxmlformats.org/drawingml/2006/diagram" xmlns:o="urn:schemas-microsoft-com:office:office" xmlns:v="urn:schemas-microsoft-com:vml" xmlns:pvml="urn:schemas-microsoft-com:office:powerpoint" xmlns:com="http://schemas.openxmlformats.org/drawingml/2006/compatibility" xmlns:p14="http://schemas.microsoft.com/office/powerpoint/2010/main" xmlns:p15="http://schemas.microsoft.com/office/powerpoint/2012/main" xmlns:ahyp="http://schemas.microsoft.com/office/drawing/2018/hyperlinkcolor" matchingName="Big number">
+<p:sldLayout xmlns:a="http://schemas.openxmlformats.org/drawingml/2006/main" xmlns:r="http://schemas.openxmlformats.org/officeDocument/2006/relationships" xmlns:p="http://schemas.openxmlformats.org/presentationml/2006/main" matchingName="Big number">
   <p:cSld name="BIG_NUMBER">
     <p:spTree>
       <p:nvGrpSpPr>
-        <p:cNvPr id="44" name="Shape 44"/>
+        <p:cNvPr id="1" name="Shape 44"/>
         <p:cNvGrpSpPr/>
         <p:nvPr/>
       </p:nvGrpSpPr>
@@ -2184,9 +2266,11 @@
       <p:sp>
         <p:nvSpPr>
           <p:cNvPr id="45" name="Google Shape;45;p11"/>
-          <p:cNvSpPr txBox="1"/>
+          <p:cNvSpPr txBox="1">
+            <a:spLocks noGrp="1"/>
+          </p:cNvSpPr>
           <p:nvPr>
-            <p:ph hasCustomPrompt="1" type="title"/>
+            <p:ph type="title" hasCustomPrompt="1"/>
           </p:nvPr>
         </p:nvSpPr>
         <p:spPr>
@@ -2199,7 +2283,7 @@
           </a:prstGeom>
         </p:spPr>
         <p:txBody>
-          <a:bodyPr anchorCtr="0" anchor="b" bIns="91425" lIns="91425" spcFirstLastPara="1" rIns="91425" wrap="square" tIns="91425">
+          <a:bodyPr spcFirstLastPara="1" wrap="square" lIns="91425" tIns="91425" rIns="91425" bIns="91425" anchor="b" anchorCtr="0">
             <a:normAutofit/>
           </a:bodyPr>
           <a:lstStyle>
@@ -2313,9 +2397,11 @@
       <p:sp>
         <p:nvSpPr>
           <p:cNvPr id="46" name="Google Shape;46;p11"/>
-          <p:cNvSpPr txBox="1"/>
+          <p:cNvSpPr txBox="1">
+            <a:spLocks noGrp="1"/>
+          </p:cNvSpPr>
           <p:nvPr>
-            <p:ph idx="1" type="body"/>
+            <p:ph type="body" idx="1"/>
           </p:nvPr>
         </p:nvSpPr>
         <p:spPr>
@@ -2328,11 +2414,11 @@
           </a:prstGeom>
         </p:spPr>
         <p:txBody>
-          <a:bodyPr anchorCtr="0" anchor="t" bIns="91425" lIns="91425" spcFirstLastPara="1" rIns="91425" wrap="square" tIns="91425">
+          <a:bodyPr spcFirstLastPara="1" wrap="square" lIns="91425" tIns="91425" rIns="91425" bIns="91425" anchor="t" anchorCtr="0">
             <a:normAutofit/>
           </a:bodyPr>
           <a:lstStyle>
-            <a:lvl1pPr indent="-342900" lvl="0" marL="457200" algn="ctr">
+            <a:lvl1pPr marL="457200" lvl="0" indent="-342900" algn="ctr">
               <a:spcBef>
                 <a:spcPts val="0"/>
               </a:spcBef>
@@ -2343,7 +2429,7 @@
               <a:buChar char="●"/>
               <a:defRPr/>
             </a:lvl1pPr>
-            <a:lvl2pPr indent="-317500" lvl="1" marL="914400" algn="ctr">
+            <a:lvl2pPr marL="914400" lvl="1" indent="-317500" algn="ctr">
               <a:spcBef>
                 <a:spcPts val="0"/>
               </a:spcBef>
@@ -2354,7 +2440,7 @@
               <a:buChar char="○"/>
               <a:defRPr/>
             </a:lvl2pPr>
-            <a:lvl3pPr indent="-317500" lvl="2" marL="1371600" algn="ctr">
+            <a:lvl3pPr marL="1371600" lvl="2" indent="-317500" algn="ctr">
               <a:spcBef>
                 <a:spcPts val="0"/>
               </a:spcBef>
@@ -2365,7 +2451,7 @@
               <a:buChar char="■"/>
               <a:defRPr/>
             </a:lvl3pPr>
-            <a:lvl4pPr indent="-317500" lvl="3" marL="1828800" algn="ctr">
+            <a:lvl4pPr marL="1828800" lvl="3" indent="-317500" algn="ctr">
               <a:spcBef>
                 <a:spcPts val="0"/>
               </a:spcBef>
@@ -2376,7 +2462,7 @@
               <a:buChar char="●"/>
               <a:defRPr/>
             </a:lvl4pPr>
-            <a:lvl5pPr indent="-317500" lvl="4" marL="2286000" algn="ctr">
+            <a:lvl5pPr marL="2286000" lvl="4" indent="-317500" algn="ctr">
               <a:spcBef>
                 <a:spcPts val="0"/>
               </a:spcBef>
@@ -2387,7 +2473,7 @@
               <a:buChar char="○"/>
               <a:defRPr/>
             </a:lvl5pPr>
-            <a:lvl6pPr indent="-317500" lvl="5" marL="2743200" algn="ctr">
+            <a:lvl6pPr marL="2743200" lvl="5" indent="-317500" algn="ctr">
               <a:spcBef>
                 <a:spcPts val="0"/>
               </a:spcBef>
@@ -2398,7 +2484,7 @@
               <a:buChar char="■"/>
               <a:defRPr/>
             </a:lvl6pPr>
-            <a:lvl7pPr indent="-317500" lvl="6" marL="3200400" algn="ctr">
+            <a:lvl7pPr marL="3200400" lvl="6" indent="-317500" algn="ctr">
               <a:spcBef>
                 <a:spcPts val="0"/>
               </a:spcBef>
@@ -2409,7 +2495,7 @@
               <a:buChar char="●"/>
               <a:defRPr/>
             </a:lvl7pPr>
-            <a:lvl8pPr indent="-317500" lvl="7" marL="3657600" algn="ctr">
+            <a:lvl8pPr marL="3657600" lvl="7" indent="-317500" algn="ctr">
               <a:spcBef>
                 <a:spcPts val="0"/>
               </a:spcBef>
@@ -2420,7 +2506,7 @@
               <a:buChar char="○"/>
               <a:defRPr/>
             </a:lvl8pPr>
-            <a:lvl9pPr indent="-317500" lvl="8" marL="4114800" algn="ctr">
+            <a:lvl9pPr marL="4114800" lvl="8" indent="-317500" algn="ctr">
               <a:spcBef>
                 <a:spcPts val="0"/>
               </a:spcBef>
@@ -2432,15 +2518,19 @@
               <a:defRPr/>
             </a:lvl9pPr>
           </a:lstStyle>
-          <a:p/>
+          <a:p>
+            <a:endParaRPr/>
+          </a:p>
         </p:txBody>
       </p:sp>
       <p:sp>
         <p:nvSpPr>
           <p:cNvPr id="47" name="Google Shape;47;p11"/>
-          <p:cNvSpPr txBox="1"/>
+          <p:cNvSpPr txBox="1">
+            <a:spLocks noGrp="1"/>
+          </p:cNvSpPr>
           <p:nvPr>
-            <p:ph idx="12" type="sldNum"/>
+            <p:ph type="sldNum" idx="12"/>
           </p:nvPr>
         </p:nvSpPr>
         <p:spPr>
@@ -2453,7 +2543,7 @@
           </a:prstGeom>
         </p:spPr>
         <p:txBody>
-          <a:bodyPr anchorCtr="0" anchor="ctr" bIns="91425" lIns="91425" spcFirstLastPara="1" rIns="91425" wrap="square" tIns="91425">
+          <a:bodyPr spcFirstLastPara="1" wrap="square" lIns="91425" tIns="91425" rIns="91425" bIns="91425" anchor="ctr" anchorCtr="0">
             <a:normAutofit/>
           </a:bodyPr>
           <a:lstStyle>
@@ -2495,7 +2585,7 @@
             </a:lvl9pPr>
           </a:lstStyle>
           <a:p>
-            <a:pPr indent="0" lvl="0" marL="0" rtl="0" algn="r">
+            <a:pPr marL="0" lvl="0" indent="0" algn="r" rtl="0">
               <a:spcBef>
                 <a:spcPts val="0"/>
               </a:spcBef>
@@ -2521,11 +2611,11 @@
 </file>
 
 <file path=ppt/slideLayouts/slideLayout11.xml><?xml version="1.0" encoding="utf-8"?>
-<p:sldLayout xmlns:a="http://schemas.openxmlformats.org/drawingml/2006/main" xmlns:r="http://schemas.openxmlformats.org/officeDocument/2006/relationships" xmlns:mc="http://schemas.openxmlformats.org/markup-compatibility/2006" xmlns:mv="urn:schemas-microsoft-com:mac:vml" xmlns:p="http://schemas.openxmlformats.org/presentationml/2006/main" xmlns:c="http://schemas.openxmlformats.org/drawingml/2006/chart" xmlns:dgm="http://schemas.openxmlformats.org/drawingml/2006/diagram" xmlns:o="urn:schemas-microsoft-com:office:office" xmlns:v="urn:schemas-microsoft-com:vml" xmlns:pvml="urn:schemas-microsoft-com:office:powerpoint" xmlns:com="http://schemas.openxmlformats.org/drawingml/2006/compatibility" xmlns:p14="http://schemas.microsoft.com/office/powerpoint/2010/main" xmlns:p15="http://schemas.microsoft.com/office/powerpoint/2012/main" xmlns:ahyp="http://schemas.microsoft.com/office/drawing/2018/hyperlinkcolor" matchingName="Blank" type="blank">
+<p:sldLayout xmlns:a="http://schemas.openxmlformats.org/drawingml/2006/main" xmlns:r="http://schemas.openxmlformats.org/officeDocument/2006/relationships" xmlns:p="http://schemas.openxmlformats.org/presentationml/2006/main" matchingName="Blank" type="blank">
   <p:cSld name="BLANK">
     <p:spTree>
       <p:nvGrpSpPr>
-        <p:cNvPr id="48" name="Shape 48"/>
+        <p:cNvPr id="1" name="Shape 48"/>
         <p:cNvGrpSpPr/>
         <p:nvPr/>
       </p:nvGrpSpPr>
@@ -2540,9 +2630,11 @@
       <p:sp>
         <p:nvSpPr>
           <p:cNvPr id="49" name="Google Shape;49;p12"/>
-          <p:cNvSpPr txBox="1"/>
+          <p:cNvSpPr txBox="1">
+            <a:spLocks noGrp="1"/>
+          </p:cNvSpPr>
           <p:nvPr>
-            <p:ph idx="12" type="sldNum"/>
+            <p:ph type="sldNum" idx="12"/>
           </p:nvPr>
         </p:nvSpPr>
         <p:spPr>
@@ -2555,7 +2647,7 @@
           </a:prstGeom>
         </p:spPr>
         <p:txBody>
-          <a:bodyPr anchorCtr="0" anchor="ctr" bIns="91425" lIns="91425" spcFirstLastPara="1" rIns="91425" wrap="square" tIns="91425">
+          <a:bodyPr spcFirstLastPara="1" wrap="square" lIns="91425" tIns="91425" rIns="91425" bIns="91425" anchor="ctr" anchorCtr="0">
             <a:normAutofit/>
           </a:bodyPr>
           <a:lstStyle>
@@ -2597,7 +2689,7 @@
             </a:lvl9pPr>
           </a:lstStyle>
           <a:p>
-            <a:pPr indent="0" lvl="0" marL="0" rtl="0" algn="r">
+            <a:pPr marL="0" lvl="0" indent="0" algn="r" rtl="0">
               <a:spcBef>
                 <a:spcPts val="0"/>
               </a:spcBef>
@@ -2623,11 +2715,11 @@
 </file>
 
 <file path=ppt/slideLayouts/slideLayout2.xml><?xml version="1.0" encoding="utf-8"?>
-<p:sldLayout xmlns:a="http://schemas.openxmlformats.org/drawingml/2006/main" xmlns:r="http://schemas.openxmlformats.org/officeDocument/2006/relationships" xmlns:mc="http://schemas.openxmlformats.org/markup-compatibility/2006" xmlns:mv="urn:schemas-microsoft-com:mac:vml" xmlns:p="http://schemas.openxmlformats.org/presentationml/2006/main" xmlns:c="http://schemas.openxmlformats.org/drawingml/2006/chart" xmlns:dgm="http://schemas.openxmlformats.org/drawingml/2006/diagram" xmlns:o="urn:schemas-microsoft-com:office:office" xmlns:v="urn:schemas-microsoft-com:vml" xmlns:pvml="urn:schemas-microsoft-com:office:powerpoint" xmlns:com="http://schemas.openxmlformats.org/drawingml/2006/compatibility" xmlns:p14="http://schemas.microsoft.com/office/powerpoint/2010/main" xmlns:p15="http://schemas.microsoft.com/office/powerpoint/2012/main" xmlns:ahyp="http://schemas.microsoft.com/office/drawing/2018/hyperlinkcolor" matchingName="Section header" type="secHead">
+<p:sldLayout xmlns:a="http://schemas.openxmlformats.org/drawingml/2006/main" xmlns:r="http://schemas.openxmlformats.org/officeDocument/2006/relationships" xmlns:p="http://schemas.openxmlformats.org/presentationml/2006/main" matchingName="Section header" type="secHead">
   <p:cSld name="SECTION_HEADER">
     <p:spTree>
       <p:nvGrpSpPr>
-        <p:cNvPr id="13" name="Shape 13"/>
+        <p:cNvPr id="1" name="Shape 13"/>
         <p:cNvGrpSpPr/>
         <p:nvPr/>
       </p:nvGrpSpPr>
@@ -2642,7 +2734,9 @@
       <p:sp>
         <p:nvSpPr>
           <p:cNvPr id="14" name="Google Shape;14;p3"/>
-          <p:cNvSpPr txBox="1"/>
+          <p:cNvSpPr txBox="1">
+            <a:spLocks noGrp="1"/>
+          </p:cNvSpPr>
           <p:nvPr>
             <p:ph type="title"/>
           </p:nvPr>
@@ -2657,7 +2751,7 @@
           </a:prstGeom>
         </p:spPr>
         <p:txBody>
-          <a:bodyPr anchorCtr="0" anchor="ctr" bIns="91425" lIns="91425" spcFirstLastPara="1" rIns="91425" wrap="square" tIns="91425">
+          <a:bodyPr spcFirstLastPara="1" wrap="square" lIns="91425" tIns="91425" rIns="91425" bIns="91425" anchor="ctr" anchorCtr="0">
             <a:normAutofit/>
           </a:bodyPr>
           <a:lstStyle>
@@ -2761,15 +2855,19 @@
               <a:defRPr sz="3600"/>
             </a:lvl9pPr>
           </a:lstStyle>
-          <a:p/>
+          <a:p>
+            <a:endParaRPr/>
+          </a:p>
         </p:txBody>
       </p:sp>
       <p:sp>
         <p:nvSpPr>
           <p:cNvPr id="15" name="Google Shape;15;p3"/>
-          <p:cNvSpPr txBox="1"/>
+          <p:cNvSpPr txBox="1">
+            <a:spLocks noGrp="1"/>
+          </p:cNvSpPr>
           <p:nvPr>
-            <p:ph idx="12" type="sldNum"/>
+            <p:ph type="sldNum" idx="12"/>
           </p:nvPr>
         </p:nvSpPr>
         <p:spPr>
@@ -2782,7 +2880,7 @@
           </a:prstGeom>
         </p:spPr>
         <p:txBody>
-          <a:bodyPr anchorCtr="0" anchor="ctr" bIns="91425" lIns="91425" spcFirstLastPara="1" rIns="91425" wrap="square" tIns="91425">
+          <a:bodyPr spcFirstLastPara="1" wrap="square" lIns="91425" tIns="91425" rIns="91425" bIns="91425" anchor="ctr" anchorCtr="0">
             <a:normAutofit/>
           </a:bodyPr>
           <a:lstStyle>
@@ -2824,7 +2922,7 @@
             </a:lvl9pPr>
           </a:lstStyle>
           <a:p>
-            <a:pPr indent="0" lvl="0" marL="0" rtl="0" algn="r">
+            <a:pPr marL="0" lvl="0" indent="0" algn="r" rtl="0">
               <a:spcBef>
                 <a:spcPts val="0"/>
               </a:spcBef>
@@ -2850,11 +2948,11 @@
 </file>
 
 <file path=ppt/slideLayouts/slideLayout3.xml><?xml version="1.0" encoding="utf-8"?>
-<p:sldLayout xmlns:a="http://schemas.openxmlformats.org/drawingml/2006/main" xmlns:r="http://schemas.openxmlformats.org/officeDocument/2006/relationships" xmlns:mc="http://schemas.openxmlformats.org/markup-compatibility/2006" xmlns:mv="urn:schemas-microsoft-com:mac:vml" xmlns:p="http://schemas.openxmlformats.org/presentationml/2006/main" xmlns:c="http://schemas.openxmlformats.org/drawingml/2006/chart" xmlns:dgm="http://schemas.openxmlformats.org/drawingml/2006/diagram" xmlns:o="urn:schemas-microsoft-com:office:office" xmlns:v="urn:schemas-microsoft-com:vml" xmlns:pvml="urn:schemas-microsoft-com:office:powerpoint" xmlns:com="http://schemas.openxmlformats.org/drawingml/2006/compatibility" xmlns:p14="http://schemas.microsoft.com/office/powerpoint/2010/main" xmlns:p15="http://schemas.microsoft.com/office/powerpoint/2012/main" xmlns:ahyp="http://schemas.microsoft.com/office/drawing/2018/hyperlinkcolor" matchingName="Title and body" type="tx">
+<p:sldLayout xmlns:a="http://schemas.openxmlformats.org/drawingml/2006/main" xmlns:r="http://schemas.openxmlformats.org/officeDocument/2006/relationships" xmlns:p="http://schemas.openxmlformats.org/presentationml/2006/main" matchingName="Title and body" type="tx">
   <p:cSld name="TITLE_AND_BODY">
     <p:spTree>
       <p:nvGrpSpPr>
-        <p:cNvPr id="16" name="Shape 16"/>
+        <p:cNvPr id="1" name="Shape 16"/>
         <p:cNvGrpSpPr/>
         <p:nvPr/>
       </p:nvGrpSpPr>
@@ -2869,7 +2967,9 @@
       <p:sp>
         <p:nvSpPr>
           <p:cNvPr id="17" name="Google Shape;17;p4"/>
-          <p:cNvSpPr txBox="1"/>
+          <p:cNvSpPr txBox="1">
+            <a:spLocks noGrp="1"/>
+          </p:cNvSpPr>
           <p:nvPr>
             <p:ph type="title"/>
           </p:nvPr>
@@ -2884,7 +2984,7 @@
           </a:prstGeom>
         </p:spPr>
         <p:txBody>
-          <a:bodyPr anchorCtr="0" anchor="t" bIns="91425" lIns="91425" spcFirstLastPara="1" rIns="91425" wrap="square" tIns="91425">
+          <a:bodyPr spcFirstLastPara="1" wrap="square" lIns="91425" tIns="91425" rIns="91425" bIns="91425" anchor="t" anchorCtr="0">
             <a:normAutofit/>
           </a:bodyPr>
           <a:lstStyle>
@@ -2988,15 +3088,19 @@
               <a:defRPr/>
             </a:lvl9pPr>
           </a:lstStyle>
-          <a:p/>
+          <a:p>
+            <a:endParaRPr/>
+          </a:p>
         </p:txBody>
       </p:sp>
       <p:sp>
         <p:nvSpPr>
           <p:cNvPr id="18" name="Google Shape;18;p4"/>
-          <p:cNvSpPr txBox="1"/>
+          <p:cNvSpPr txBox="1">
+            <a:spLocks noGrp="1"/>
+          </p:cNvSpPr>
           <p:nvPr>
-            <p:ph idx="1" type="body"/>
+            <p:ph type="body" idx="1"/>
           </p:nvPr>
         </p:nvSpPr>
         <p:spPr>
@@ -3009,11 +3113,11 @@
           </a:prstGeom>
         </p:spPr>
         <p:txBody>
-          <a:bodyPr anchorCtr="0" anchor="t" bIns="91425" lIns="91425" spcFirstLastPara="1" rIns="91425" wrap="square" tIns="91425">
+          <a:bodyPr spcFirstLastPara="1" wrap="square" lIns="91425" tIns="91425" rIns="91425" bIns="91425" anchor="t" anchorCtr="0">
             <a:normAutofit/>
           </a:bodyPr>
           <a:lstStyle>
-            <a:lvl1pPr indent="-342900" lvl="0" marL="457200">
+            <a:lvl1pPr marL="457200" lvl="0" indent="-342900">
               <a:spcBef>
                 <a:spcPts val="0"/>
               </a:spcBef>
@@ -3024,7 +3128,7 @@
               <a:buChar char="●"/>
               <a:defRPr/>
             </a:lvl1pPr>
-            <a:lvl2pPr indent="-317500" lvl="1" marL="914400">
+            <a:lvl2pPr marL="914400" lvl="1" indent="-317500">
               <a:spcBef>
                 <a:spcPts val="0"/>
               </a:spcBef>
@@ -3035,7 +3139,7 @@
               <a:buChar char="○"/>
               <a:defRPr/>
             </a:lvl2pPr>
-            <a:lvl3pPr indent="-317500" lvl="2" marL="1371600">
+            <a:lvl3pPr marL="1371600" lvl="2" indent="-317500">
               <a:spcBef>
                 <a:spcPts val="0"/>
               </a:spcBef>
@@ -3046,7 +3150,7 @@
               <a:buChar char="■"/>
               <a:defRPr/>
             </a:lvl3pPr>
-            <a:lvl4pPr indent="-317500" lvl="3" marL="1828800">
+            <a:lvl4pPr marL="1828800" lvl="3" indent="-317500">
               <a:spcBef>
                 <a:spcPts val="0"/>
               </a:spcBef>
@@ -3057,7 +3161,7 @@
               <a:buChar char="●"/>
               <a:defRPr/>
             </a:lvl4pPr>
-            <a:lvl5pPr indent="-317500" lvl="4" marL="2286000">
+            <a:lvl5pPr marL="2286000" lvl="4" indent="-317500">
               <a:spcBef>
                 <a:spcPts val="0"/>
               </a:spcBef>
@@ -3068,7 +3172,7 @@
               <a:buChar char="○"/>
               <a:defRPr/>
             </a:lvl5pPr>
-            <a:lvl6pPr indent="-317500" lvl="5" marL="2743200">
+            <a:lvl6pPr marL="2743200" lvl="5" indent="-317500">
               <a:spcBef>
                 <a:spcPts val="0"/>
               </a:spcBef>
@@ -3079,7 +3183,7 @@
               <a:buChar char="■"/>
               <a:defRPr/>
             </a:lvl6pPr>
-            <a:lvl7pPr indent="-317500" lvl="6" marL="3200400">
+            <a:lvl7pPr marL="3200400" lvl="6" indent="-317500">
               <a:spcBef>
                 <a:spcPts val="0"/>
               </a:spcBef>
@@ -3090,7 +3194,7 @@
               <a:buChar char="●"/>
               <a:defRPr/>
             </a:lvl7pPr>
-            <a:lvl8pPr indent="-317500" lvl="7" marL="3657600">
+            <a:lvl8pPr marL="3657600" lvl="7" indent="-317500">
               <a:spcBef>
                 <a:spcPts val="0"/>
               </a:spcBef>
@@ -3101,7 +3205,7 @@
               <a:buChar char="○"/>
               <a:defRPr/>
             </a:lvl8pPr>
-            <a:lvl9pPr indent="-317500" lvl="8" marL="4114800">
+            <a:lvl9pPr marL="4114800" lvl="8" indent="-317500">
               <a:spcBef>
                 <a:spcPts val="0"/>
               </a:spcBef>
@@ -3113,15 +3217,19 @@
               <a:defRPr/>
             </a:lvl9pPr>
           </a:lstStyle>
-          <a:p/>
+          <a:p>
+            <a:endParaRPr/>
+          </a:p>
         </p:txBody>
       </p:sp>
       <p:sp>
         <p:nvSpPr>
           <p:cNvPr id="19" name="Google Shape;19;p4"/>
-          <p:cNvSpPr txBox="1"/>
+          <p:cNvSpPr txBox="1">
+            <a:spLocks noGrp="1"/>
+          </p:cNvSpPr>
           <p:nvPr>
-            <p:ph idx="12" type="sldNum"/>
+            <p:ph type="sldNum" idx="12"/>
           </p:nvPr>
         </p:nvSpPr>
         <p:spPr>
@@ -3134,7 +3242,7 @@
           </a:prstGeom>
         </p:spPr>
         <p:txBody>
-          <a:bodyPr anchorCtr="0" anchor="ctr" bIns="91425" lIns="91425" spcFirstLastPara="1" rIns="91425" wrap="square" tIns="91425">
+          <a:bodyPr spcFirstLastPara="1" wrap="square" lIns="91425" tIns="91425" rIns="91425" bIns="91425" anchor="ctr" anchorCtr="0">
             <a:normAutofit/>
           </a:bodyPr>
           <a:lstStyle>
@@ -3176,7 +3284,7 @@
             </a:lvl9pPr>
           </a:lstStyle>
           <a:p>
-            <a:pPr indent="0" lvl="0" marL="0" rtl="0" algn="r">
+            <a:pPr marL="0" lvl="0" indent="0" algn="r" rtl="0">
               <a:spcBef>
                 <a:spcPts val="0"/>
               </a:spcBef>
@@ -3202,11 +3310,11 @@
 </file>
 
 <file path=ppt/slideLayouts/slideLayout4.xml><?xml version="1.0" encoding="utf-8"?>
-<p:sldLayout xmlns:a="http://schemas.openxmlformats.org/drawingml/2006/main" xmlns:r="http://schemas.openxmlformats.org/officeDocument/2006/relationships" xmlns:mc="http://schemas.openxmlformats.org/markup-compatibility/2006" xmlns:mv="urn:schemas-microsoft-com:mac:vml" xmlns:p="http://schemas.openxmlformats.org/presentationml/2006/main" xmlns:c="http://schemas.openxmlformats.org/drawingml/2006/chart" xmlns:dgm="http://schemas.openxmlformats.org/drawingml/2006/diagram" xmlns:o="urn:schemas-microsoft-com:office:office" xmlns:v="urn:schemas-microsoft-com:vml" xmlns:pvml="urn:schemas-microsoft-com:office:powerpoint" xmlns:com="http://schemas.openxmlformats.org/drawingml/2006/compatibility" xmlns:p14="http://schemas.microsoft.com/office/powerpoint/2010/main" xmlns:p15="http://schemas.microsoft.com/office/powerpoint/2012/main" xmlns:ahyp="http://schemas.microsoft.com/office/drawing/2018/hyperlinkcolor" matchingName="Title and two columns" type="twoColTx">
+<p:sldLayout xmlns:a="http://schemas.openxmlformats.org/drawingml/2006/main" xmlns:r="http://schemas.openxmlformats.org/officeDocument/2006/relationships" xmlns:p="http://schemas.openxmlformats.org/presentationml/2006/main" matchingName="Title and two columns" type="twoColTx">
   <p:cSld name="TITLE_AND_TWO_COLUMNS">
     <p:spTree>
       <p:nvGrpSpPr>
-        <p:cNvPr id="20" name="Shape 20"/>
+        <p:cNvPr id="1" name="Shape 20"/>
         <p:cNvGrpSpPr/>
         <p:nvPr/>
       </p:nvGrpSpPr>
@@ -3221,7 +3329,9 @@
       <p:sp>
         <p:nvSpPr>
           <p:cNvPr id="21" name="Google Shape;21;p5"/>
-          <p:cNvSpPr txBox="1"/>
+          <p:cNvSpPr txBox="1">
+            <a:spLocks noGrp="1"/>
+          </p:cNvSpPr>
           <p:nvPr>
             <p:ph type="title"/>
           </p:nvPr>
@@ -3236,7 +3346,7 @@
           </a:prstGeom>
         </p:spPr>
         <p:txBody>
-          <a:bodyPr anchorCtr="0" anchor="t" bIns="91425" lIns="91425" spcFirstLastPara="1" rIns="91425" wrap="square" tIns="91425">
+          <a:bodyPr spcFirstLastPara="1" wrap="square" lIns="91425" tIns="91425" rIns="91425" bIns="91425" anchor="t" anchorCtr="0">
             <a:normAutofit/>
           </a:bodyPr>
           <a:lstStyle>
@@ -3340,15 +3450,19 @@
               <a:defRPr/>
             </a:lvl9pPr>
           </a:lstStyle>
-          <a:p/>
+          <a:p>
+            <a:endParaRPr/>
+          </a:p>
         </p:txBody>
       </p:sp>
       <p:sp>
         <p:nvSpPr>
           <p:cNvPr id="22" name="Google Shape;22;p5"/>
-          <p:cNvSpPr txBox="1"/>
+          <p:cNvSpPr txBox="1">
+            <a:spLocks noGrp="1"/>
+          </p:cNvSpPr>
           <p:nvPr>
-            <p:ph idx="1" type="body"/>
+            <p:ph type="body" idx="1"/>
           </p:nvPr>
         </p:nvSpPr>
         <p:spPr>
@@ -3361,11 +3475,11 @@
           </a:prstGeom>
         </p:spPr>
         <p:txBody>
-          <a:bodyPr anchorCtr="0" anchor="t" bIns="91425" lIns="91425" spcFirstLastPara="1" rIns="91425" wrap="square" tIns="91425">
+          <a:bodyPr spcFirstLastPara="1" wrap="square" lIns="91425" tIns="91425" rIns="91425" bIns="91425" anchor="t" anchorCtr="0">
             <a:normAutofit/>
           </a:bodyPr>
           <a:lstStyle>
-            <a:lvl1pPr indent="-317500" lvl="0" marL="457200">
+            <a:lvl1pPr marL="457200" lvl="0" indent="-317500">
               <a:spcBef>
                 <a:spcPts val="0"/>
               </a:spcBef>
@@ -3376,7 +3490,7 @@
               <a:buChar char="●"/>
               <a:defRPr sz="1400"/>
             </a:lvl1pPr>
-            <a:lvl2pPr indent="-304800" lvl="1" marL="914400">
+            <a:lvl2pPr marL="914400" lvl="1" indent="-304800">
               <a:spcBef>
                 <a:spcPts val="0"/>
               </a:spcBef>
@@ -3387,7 +3501,7 @@
               <a:buChar char="○"/>
               <a:defRPr sz="1200"/>
             </a:lvl2pPr>
-            <a:lvl3pPr indent="-304800" lvl="2" marL="1371600">
+            <a:lvl3pPr marL="1371600" lvl="2" indent="-304800">
               <a:spcBef>
                 <a:spcPts val="0"/>
               </a:spcBef>
@@ -3398,7 +3512,7 @@
               <a:buChar char="■"/>
               <a:defRPr sz="1200"/>
             </a:lvl3pPr>
-            <a:lvl4pPr indent="-304800" lvl="3" marL="1828800">
+            <a:lvl4pPr marL="1828800" lvl="3" indent="-304800">
               <a:spcBef>
                 <a:spcPts val="0"/>
               </a:spcBef>
@@ -3409,7 +3523,7 @@
               <a:buChar char="●"/>
               <a:defRPr sz="1200"/>
             </a:lvl4pPr>
-            <a:lvl5pPr indent="-304800" lvl="4" marL="2286000">
+            <a:lvl5pPr marL="2286000" lvl="4" indent="-304800">
               <a:spcBef>
                 <a:spcPts val="0"/>
               </a:spcBef>
@@ -3420,7 +3534,7 @@
               <a:buChar char="○"/>
               <a:defRPr sz="1200"/>
             </a:lvl5pPr>
-            <a:lvl6pPr indent="-304800" lvl="5" marL="2743200">
+            <a:lvl6pPr marL="2743200" lvl="5" indent="-304800">
               <a:spcBef>
                 <a:spcPts val="0"/>
               </a:spcBef>
@@ -3431,7 +3545,7 @@
               <a:buChar char="■"/>
               <a:defRPr sz="1200"/>
             </a:lvl6pPr>
-            <a:lvl7pPr indent="-304800" lvl="6" marL="3200400">
+            <a:lvl7pPr marL="3200400" lvl="6" indent="-304800">
               <a:spcBef>
                 <a:spcPts val="0"/>
               </a:spcBef>
@@ -3442,7 +3556,7 @@
               <a:buChar char="●"/>
               <a:defRPr sz="1200"/>
             </a:lvl7pPr>
-            <a:lvl8pPr indent="-304800" lvl="7" marL="3657600">
+            <a:lvl8pPr marL="3657600" lvl="7" indent="-304800">
               <a:spcBef>
                 <a:spcPts val="0"/>
               </a:spcBef>
@@ -3453,7 +3567,7 @@
               <a:buChar char="○"/>
               <a:defRPr sz="1200"/>
             </a:lvl8pPr>
-            <a:lvl9pPr indent="-304800" lvl="8" marL="4114800">
+            <a:lvl9pPr marL="4114800" lvl="8" indent="-304800">
               <a:spcBef>
                 <a:spcPts val="0"/>
               </a:spcBef>
@@ -3465,15 +3579,19 @@
               <a:defRPr sz="1200"/>
             </a:lvl9pPr>
           </a:lstStyle>
-          <a:p/>
+          <a:p>
+            <a:endParaRPr/>
+          </a:p>
         </p:txBody>
       </p:sp>
       <p:sp>
         <p:nvSpPr>
           <p:cNvPr id="23" name="Google Shape;23;p5"/>
-          <p:cNvSpPr txBox="1"/>
+          <p:cNvSpPr txBox="1">
+            <a:spLocks noGrp="1"/>
+          </p:cNvSpPr>
           <p:nvPr>
-            <p:ph idx="2" type="body"/>
+            <p:ph type="body" idx="2"/>
           </p:nvPr>
         </p:nvSpPr>
         <p:spPr>
@@ -3486,11 +3604,11 @@
           </a:prstGeom>
         </p:spPr>
         <p:txBody>
-          <a:bodyPr anchorCtr="0" anchor="t" bIns="91425" lIns="91425" spcFirstLastPara="1" rIns="91425" wrap="square" tIns="91425">
+          <a:bodyPr spcFirstLastPara="1" wrap="square" lIns="91425" tIns="91425" rIns="91425" bIns="91425" anchor="t" anchorCtr="0">
             <a:normAutofit/>
           </a:bodyPr>
           <a:lstStyle>
-            <a:lvl1pPr indent="-317500" lvl="0" marL="457200">
+            <a:lvl1pPr marL="457200" lvl="0" indent="-317500">
               <a:spcBef>
                 <a:spcPts val="0"/>
               </a:spcBef>
@@ -3501,7 +3619,7 @@
               <a:buChar char="●"/>
               <a:defRPr sz="1400"/>
             </a:lvl1pPr>
-            <a:lvl2pPr indent="-304800" lvl="1" marL="914400">
+            <a:lvl2pPr marL="914400" lvl="1" indent="-304800">
               <a:spcBef>
                 <a:spcPts val="0"/>
               </a:spcBef>
@@ -3512,7 +3630,7 @@
               <a:buChar char="○"/>
               <a:defRPr sz="1200"/>
             </a:lvl2pPr>
-            <a:lvl3pPr indent="-304800" lvl="2" marL="1371600">
+            <a:lvl3pPr marL="1371600" lvl="2" indent="-304800">
               <a:spcBef>
                 <a:spcPts val="0"/>
               </a:spcBef>
@@ -3523,7 +3641,7 @@
               <a:buChar char="■"/>
               <a:defRPr sz="1200"/>
             </a:lvl3pPr>
-            <a:lvl4pPr indent="-304800" lvl="3" marL="1828800">
+            <a:lvl4pPr marL="1828800" lvl="3" indent="-304800">
               <a:spcBef>
                 <a:spcPts val="0"/>
               </a:spcBef>
@@ -3534,7 +3652,7 @@
               <a:buChar char="●"/>
               <a:defRPr sz="1200"/>
             </a:lvl4pPr>
-            <a:lvl5pPr indent="-304800" lvl="4" marL="2286000">
+            <a:lvl5pPr marL="2286000" lvl="4" indent="-304800">
               <a:spcBef>
                 <a:spcPts val="0"/>
               </a:spcBef>
@@ -3545,7 +3663,7 @@
               <a:buChar char="○"/>
               <a:defRPr sz="1200"/>
             </a:lvl5pPr>
-            <a:lvl6pPr indent="-304800" lvl="5" marL="2743200">
+            <a:lvl6pPr marL="2743200" lvl="5" indent="-304800">
               <a:spcBef>
                 <a:spcPts val="0"/>
               </a:spcBef>
@@ -3556,7 +3674,7 @@
               <a:buChar char="■"/>
               <a:defRPr sz="1200"/>
             </a:lvl6pPr>
-            <a:lvl7pPr indent="-304800" lvl="6" marL="3200400">
+            <a:lvl7pPr marL="3200400" lvl="6" indent="-304800">
               <a:spcBef>
                 <a:spcPts val="0"/>
               </a:spcBef>
@@ -3567,7 +3685,7 @@
               <a:buChar char="●"/>
               <a:defRPr sz="1200"/>
             </a:lvl7pPr>
-            <a:lvl8pPr indent="-304800" lvl="7" marL="3657600">
+            <a:lvl8pPr marL="3657600" lvl="7" indent="-304800">
               <a:spcBef>
                 <a:spcPts val="0"/>
               </a:spcBef>
@@ -3578,7 +3696,7 @@
               <a:buChar char="○"/>
               <a:defRPr sz="1200"/>
             </a:lvl8pPr>
-            <a:lvl9pPr indent="-304800" lvl="8" marL="4114800">
+            <a:lvl9pPr marL="4114800" lvl="8" indent="-304800">
               <a:spcBef>
                 <a:spcPts val="0"/>
               </a:spcBef>
@@ -3590,15 +3708,19 @@
               <a:defRPr sz="1200"/>
             </a:lvl9pPr>
           </a:lstStyle>
-          <a:p/>
+          <a:p>
+            <a:endParaRPr/>
+          </a:p>
         </p:txBody>
       </p:sp>
       <p:sp>
         <p:nvSpPr>
           <p:cNvPr id="24" name="Google Shape;24;p5"/>
-          <p:cNvSpPr txBox="1"/>
+          <p:cNvSpPr txBox="1">
+            <a:spLocks noGrp="1"/>
+          </p:cNvSpPr>
           <p:nvPr>
-            <p:ph idx="12" type="sldNum"/>
+            <p:ph type="sldNum" idx="12"/>
           </p:nvPr>
         </p:nvSpPr>
         <p:spPr>
@@ -3611,7 +3733,7 @@
           </a:prstGeom>
         </p:spPr>
         <p:txBody>
-          <a:bodyPr anchorCtr="0" anchor="ctr" bIns="91425" lIns="91425" spcFirstLastPara="1" rIns="91425" wrap="square" tIns="91425">
+          <a:bodyPr spcFirstLastPara="1" wrap="square" lIns="91425" tIns="91425" rIns="91425" bIns="91425" anchor="ctr" anchorCtr="0">
             <a:normAutofit/>
           </a:bodyPr>
           <a:lstStyle>
@@ -3653,7 +3775,7 @@
             </a:lvl9pPr>
           </a:lstStyle>
           <a:p>
-            <a:pPr indent="0" lvl="0" marL="0" rtl="0" algn="r">
+            <a:pPr marL="0" lvl="0" indent="0" algn="r" rtl="0">
               <a:spcBef>
                 <a:spcPts val="0"/>
               </a:spcBef>
@@ -3679,11 +3801,11 @@
 </file>
 
 <file path=ppt/slideLayouts/slideLayout5.xml><?xml version="1.0" encoding="utf-8"?>
-<p:sldLayout xmlns:a="http://schemas.openxmlformats.org/drawingml/2006/main" xmlns:r="http://schemas.openxmlformats.org/officeDocument/2006/relationships" xmlns:mc="http://schemas.openxmlformats.org/markup-compatibility/2006" xmlns:mv="urn:schemas-microsoft-com:mac:vml" xmlns:p="http://schemas.openxmlformats.org/presentationml/2006/main" xmlns:c="http://schemas.openxmlformats.org/drawingml/2006/chart" xmlns:dgm="http://schemas.openxmlformats.org/drawingml/2006/diagram" xmlns:o="urn:schemas-microsoft-com:office:office" xmlns:v="urn:schemas-microsoft-com:vml" xmlns:pvml="urn:schemas-microsoft-com:office:powerpoint" xmlns:com="http://schemas.openxmlformats.org/drawingml/2006/compatibility" xmlns:p14="http://schemas.microsoft.com/office/powerpoint/2010/main" xmlns:p15="http://schemas.microsoft.com/office/powerpoint/2012/main" xmlns:ahyp="http://schemas.microsoft.com/office/drawing/2018/hyperlinkcolor" matchingName="Title only" type="titleOnly">
+<p:sldLayout xmlns:a="http://schemas.openxmlformats.org/drawingml/2006/main" xmlns:r="http://schemas.openxmlformats.org/officeDocument/2006/relationships" xmlns:p="http://schemas.openxmlformats.org/presentationml/2006/main" matchingName="Title only" type="titleOnly">
   <p:cSld name="TITLE_ONLY">
     <p:spTree>
       <p:nvGrpSpPr>
-        <p:cNvPr id="25" name="Shape 25"/>
+        <p:cNvPr id="1" name="Shape 25"/>
         <p:cNvGrpSpPr/>
         <p:nvPr/>
       </p:nvGrpSpPr>
@@ -3698,7 +3820,9 @@
       <p:sp>
         <p:nvSpPr>
           <p:cNvPr id="26" name="Google Shape;26;p6"/>
-          <p:cNvSpPr txBox="1"/>
+          <p:cNvSpPr txBox="1">
+            <a:spLocks noGrp="1"/>
+          </p:cNvSpPr>
           <p:nvPr>
             <p:ph type="title"/>
           </p:nvPr>
@@ -3713,7 +3837,7 @@
           </a:prstGeom>
         </p:spPr>
         <p:txBody>
-          <a:bodyPr anchorCtr="0" anchor="t" bIns="91425" lIns="91425" spcFirstLastPara="1" rIns="91425" wrap="square" tIns="91425">
+          <a:bodyPr spcFirstLastPara="1" wrap="square" lIns="91425" tIns="91425" rIns="91425" bIns="91425" anchor="t" anchorCtr="0">
             <a:normAutofit/>
           </a:bodyPr>
           <a:lstStyle>
@@ -3817,15 +3941,19 @@
               <a:defRPr/>
             </a:lvl9pPr>
           </a:lstStyle>
-          <a:p/>
+          <a:p>
+            <a:endParaRPr/>
+          </a:p>
         </p:txBody>
       </p:sp>
       <p:sp>
         <p:nvSpPr>
           <p:cNvPr id="27" name="Google Shape;27;p6"/>
-          <p:cNvSpPr txBox="1"/>
+          <p:cNvSpPr txBox="1">
+            <a:spLocks noGrp="1"/>
+          </p:cNvSpPr>
           <p:nvPr>
-            <p:ph idx="12" type="sldNum"/>
+            <p:ph type="sldNum" idx="12"/>
           </p:nvPr>
         </p:nvSpPr>
         <p:spPr>
@@ -3838,7 +3966,7 @@
           </a:prstGeom>
         </p:spPr>
         <p:txBody>
-          <a:bodyPr anchorCtr="0" anchor="ctr" bIns="91425" lIns="91425" spcFirstLastPara="1" rIns="91425" wrap="square" tIns="91425">
+          <a:bodyPr spcFirstLastPara="1" wrap="square" lIns="91425" tIns="91425" rIns="91425" bIns="91425" anchor="ctr" anchorCtr="0">
             <a:normAutofit/>
           </a:bodyPr>
           <a:lstStyle>
@@ -3880,7 +4008,7 @@
             </a:lvl9pPr>
           </a:lstStyle>
           <a:p>
-            <a:pPr indent="0" lvl="0" marL="0" rtl="0" algn="r">
+            <a:pPr marL="0" lvl="0" indent="0" algn="r" rtl="0">
               <a:spcBef>
                 <a:spcPts val="0"/>
               </a:spcBef>
@@ -3906,11 +4034,11 @@
 </file>
 
 <file path=ppt/slideLayouts/slideLayout6.xml><?xml version="1.0" encoding="utf-8"?>
-<p:sldLayout xmlns:a="http://schemas.openxmlformats.org/drawingml/2006/main" xmlns:r="http://schemas.openxmlformats.org/officeDocument/2006/relationships" xmlns:mc="http://schemas.openxmlformats.org/markup-compatibility/2006" xmlns:mv="urn:schemas-microsoft-com:mac:vml" xmlns:p="http://schemas.openxmlformats.org/presentationml/2006/main" xmlns:c="http://schemas.openxmlformats.org/drawingml/2006/chart" xmlns:dgm="http://schemas.openxmlformats.org/drawingml/2006/diagram" xmlns:o="urn:schemas-microsoft-com:office:office" xmlns:v="urn:schemas-microsoft-com:vml" xmlns:pvml="urn:schemas-microsoft-com:office:powerpoint" xmlns:com="http://schemas.openxmlformats.org/drawingml/2006/compatibility" xmlns:p14="http://schemas.microsoft.com/office/powerpoint/2010/main" xmlns:p15="http://schemas.microsoft.com/office/powerpoint/2012/main" xmlns:ahyp="http://schemas.microsoft.com/office/drawing/2018/hyperlinkcolor" matchingName="One column text">
+<p:sldLayout xmlns:a="http://schemas.openxmlformats.org/drawingml/2006/main" xmlns:r="http://schemas.openxmlformats.org/officeDocument/2006/relationships" xmlns:p="http://schemas.openxmlformats.org/presentationml/2006/main" matchingName="One column text">
   <p:cSld name="ONE_COLUMN_TEXT">
     <p:spTree>
       <p:nvGrpSpPr>
-        <p:cNvPr id="28" name="Shape 28"/>
+        <p:cNvPr id="1" name="Shape 28"/>
         <p:cNvGrpSpPr/>
         <p:nvPr/>
       </p:nvGrpSpPr>
@@ -3925,7 +4053,9 @@
       <p:sp>
         <p:nvSpPr>
           <p:cNvPr id="29" name="Google Shape;29;p7"/>
-          <p:cNvSpPr txBox="1"/>
+          <p:cNvSpPr txBox="1">
+            <a:spLocks noGrp="1"/>
+          </p:cNvSpPr>
           <p:nvPr>
             <p:ph type="title"/>
           </p:nvPr>
@@ -3940,7 +4070,7 @@
           </a:prstGeom>
         </p:spPr>
         <p:txBody>
-          <a:bodyPr anchorCtr="0" anchor="b" bIns="91425" lIns="91425" spcFirstLastPara="1" rIns="91425" wrap="square" tIns="91425">
+          <a:bodyPr spcFirstLastPara="1" wrap="square" lIns="91425" tIns="91425" rIns="91425" bIns="91425" anchor="b" anchorCtr="0">
             <a:normAutofit/>
           </a:bodyPr>
           <a:lstStyle>
@@ -4044,15 +4174,19 @@
               <a:defRPr sz="2400"/>
             </a:lvl9pPr>
           </a:lstStyle>
-          <a:p/>
+          <a:p>
+            <a:endParaRPr/>
+          </a:p>
         </p:txBody>
       </p:sp>
       <p:sp>
         <p:nvSpPr>
           <p:cNvPr id="30" name="Google Shape;30;p7"/>
-          <p:cNvSpPr txBox="1"/>
+          <p:cNvSpPr txBox="1">
+            <a:spLocks noGrp="1"/>
+          </p:cNvSpPr>
           <p:nvPr>
-            <p:ph idx="1" type="body"/>
+            <p:ph type="body" idx="1"/>
           </p:nvPr>
         </p:nvSpPr>
         <p:spPr>
@@ -4065,11 +4199,11 @@
           </a:prstGeom>
         </p:spPr>
         <p:txBody>
-          <a:bodyPr anchorCtr="0" anchor="t" bIns="91425" lIns="91425" spcFirstLastPara="1" rIns="91425" wrap="square" tIns="91425">
+          <a:bodyPr spcFirstLastPara="1" wrap="square" lIns="91425" tIns="91425" rIns="91425" bIns="91425" anchor="t" anchorCtr="0">
             <a:normAutofit/>
           </a:bodyPr>
           <a:lstStyle>
-            <a:lvl1pPr indent="-304800" lvl="0" marL="457200">
+            <a:lvl1pPr marL="457200" lvl="0" indent="-304800">
               <a:spcBef>
                 <a:spcPts val="0"/>
               </a:spcBef>
@@ -4080,7 +4214,7 @@
               <a:buChar char="●"/>
               <a:defRPr sz="1200"/>
             </a:lvl1pPr>
-            <a:lvl2pPr indent="-304800" lvl="1" marL="914400">
+            <a:lvl2pPr marL="914400" lvl="1" indent="-304800">
               <a:spcBef>
                 <a:spcPts val="0"/>
               </a:spcBef>
@@ -4091,7 +4225,7 @@
               <a:buChar char="○"/>
               <a:defRPr sz="1200"/>
             </a:lvl2pPr>
-            <a:lvl3pPr indent="-304800" lvl="2" marL="1371600">
+            <a:lvl3pPr marL="1371600" lvl="2" indent="-304800">
               <a:spcBef>
                 <a:spcPts val="0"/>
               </a:spcBef>
@@ -4102,7 +4236,7 @@
               <a:buChar char="■"/>
               <a:defRPr sz="1200"/>
             </a:lvl3pPr>
-            <a:lvl4pPr indent="-304800" lvl="3" marL="1828800">
+            <a:lvl4pPr marL="1828800" lvl="3" indent="-304800">
               <a:spcBef>
                 <a:spcPts val="0"/>
               </a:spcBef>
@@ -4113,7 +4247,7 @@
               <a:buChar char="●"/>
               <a:defRPr sz="1200"/>
             </a:lvl4pPr>
-            <a:lvl5pPr indent="-304800" lvl="4" marL="2286000">
+            <a:lvl5pPr marL="2286000" lvl="4" indent="-304800">
               <a:spcBef>
                 <a:spcPts val="0"/>
               </a:spcBef>
@@ -4124,7 +4258,7 @@
               <a:buChar char="○"/>
               <a:defRPr sz="1200"/>
             </a:lvl5pPr>
-            <a:lvl6pPr indent="-304800" lvl="5" marL="2743200">
+            <a:lvl6pPr marL="2743200" lvl="5" indent="-304800">
               <a:spcBef>
                 <a:spcPts val="0"/>
               </a:spcBef>
@@ -4135,7 +4269,7 @@
               <a:buChar char="■"/>
               <a:defRPr sz="1200"/>
             </a:lvl6pPr>
-            <a:lvl7pPr indent="-304800" lvl="6" marL="3200400">
+            <a:lvl7pPr marL="3200400" lvl="6" indent="-304800">
               <a:spcBef>
                 <a:spcPts val="0"/>
               </a:spcBef>
@@ -4146,7 +4280,7 @@
               <a:buChar char="●"/>
               <a:defRPr sz="1200"/>
             </a:lvl7pPr>
-            <a:lvl8pPr indent="-304800" lvl="7" marL="3657600">
+            <a:lvl8pPr marL="3657600" lvl="7" indent="-304800">
               <a:spcBef>
                 <a:spcPts val="0"/>
               </a:spcBef>
@@ -4157,7 +4291,7 @@
               <a:buChar char="○"/>
               <a:defRPr sz="1200"/>
             </a:lvl8pPr>
-            <a:lvl9pPr indent="-304800" lvl="8" marL="4114800">
+            <a:lvl9pPr marL="4114800" lvl="8" indent="-304800">
               <a:spcBef>
                 <a:spcPts val="0"/>
               </a:spcBef>
@@ -4169,15 +4303,19 @@
               <a:defRPr sz="1200"/>
             </a:lvl9pPr>
           </a:lstStyle>
-          <a:p/>
+          <a:p>
+            <a:endParaRPr/>
+          </a:p>
         </p:txBody>
       </p:sp>
       <p:sp>
         <p:nvSpPr>
           <p:cNvPr id="31" name="Google Shape;31;p7"/>
-          <p:cNvSpPr txBox="1"/>
+          <p:cNvSpPr txBox="1">
+            <a:spLocks noGrp="1"/>
+          </p:cNvSpPr>
           <p:nvPr>
-            <p:ph idx="12" type="sldNum"/>
+            <p:ph type="sldNum" idx="12"/>
           </p:nvPr>
         </p:nvSpPr>
         <p:spPr>
@@ -4190,7 +4328,7 @@
           </a:prstGeom>
         </p:spPr>
         <p:txBody>
-          <a:bodyPr anchorCtr="0" anchor="ctr" bIns="91425" lIns="91425" spcFirstLastPara="1" rIns="91425" wrap="square" tIns="91425">
+          <a:bodyPr spcFirstLastPara="1" wrap="square" lIns="91425" tIns="91425" rIns="91425" bIns="91425" anchor="ctr" anchorCtr="0">
             <a:normAutofit/>
           </a:bodyPr>
           <a:lstStyle>
@@ -4232,7 +4370,7 @@
             </a:lvl9pPr>
           </a:lstStyle>
           <a:p>
-            <a:pPr indent="0" lvl="0" marL="0" rtl="0" algn="r">
+            <a:pPr marL="0" lvl="0" indent="0" algn="r" rtl="0">
               <a:spcBef>
                 <a:spcPts val="0"/>
               </a:spcBef>
@@ -4258,11 +4396,11 @@
 </file>
 
 <file path=ppt/slideLayouts/slideLayout7.xml><?xml version="1.0" encoding="utf-8"?>
-<p:sldLayout xmlns:a="http://schemas.openxmlformats.org/drawingml/2006/main" xmlns:r="http://schemas.openxmlformats.org/officeDocument/2006/relationships" xmlns:mc="http://schemas.openxmlformats.org/markup-compatibility/2006" xmlns:mv="urn:schemas-microsoft-com:mac:vml" xmlns:p="http://schemas.openxmlformats.org/presentationml/2006/main" xmlns:c="http://schemas.openxmlformats.org/drawingml/2006/chart" xmlns:dgm="http://schemas.openxmlformats.org/drawingml/2006/diagram" xmlns:o="urn:schemas-microsoft-com:office:office" xmlns:v="urn:schemas-microsoft-com:vml" xmlns:pvml="urn:schemas-microsoft-com:office:powerpoint" xmlns:com="http://schemas.openxmlformats.org/drawingml/2006/compatibility" xmlns:p14="http://schemas.microsoft.com/office/powerpoint/2010/main" xmlns:p15="http://schemas.microsoft.com/office/powerpoint/2012/main" xmlns:ahyp="http://schemas.microsoft.com/office/drawing/2018/hyperlinkcolor" matchingName="Main point">
+<p:sldLayout xmlns:a="http://schemas.openxmlformats.org/drawingml/2006/main" xmlns:r="http://schemas.openxmlformats.org/officeDocument/2006/relationships" xmlns:p="http://schemas.openxmlformats.org/presentationml/2006/main" matchingName="Main point">
   <p:cSld name="MAIN_POINT">
     <p:spTree>
       <p:nvGrpSpPr>
-        <p:cNvPr id="32" name="Shape 32"/>
+        <p:cNvPr id="1" name="Shape 32"/>
         <p:cNvGrpSpPr/>
         <p:nvPr/>
       </p:nvGrpSpPr>
@@ -4277,7 +4415,9 @@
       <p:sp>
         <p:nvSpPr>
           <p:cNvPr id="33" name="Google Shape;33;p8"/>
-          <p:cNvSpPr txBox="1"/>
+          <p:cNvSpPr txBox="1">
+            <a:spLocks noGrp="1"/>
+          </p:cNvSpPr>
           <p:nvPr>
             <p:ph type="title"/>
           </p:nvPr>
@@ -4292,7 +4432,7 @@
           </a:prstGeom>
         </p:spPr>
         <p:txBody>
-          <a:bodyPr anchorCtr="0" anchor="ctr" bIns="91425" lIns="91425" spcFirstLastPara="1" rIns="91425" wrap="square" tIns="91425">
+          <a:bodyPr spcFirstLastPara="1" wrap="square" lIns="91425" tIns="91425" rIns="91425" bIns="91425" anchor="ctr" anchorCtr="0">
             <a:normAutofit/>
           </a:bodyPr>
           <a:lstStyle>
@@ -4396,15 +4536,19 @@
               <a:defRPr sz="4800"/>
             </a:lvl9pPr>
           </a:lstStyle>
-          <a:p/>
+          <a:p>
+            <a:endParaRPr/>
+          </a:p>
         </p:txBody>
       </p:sp>
       <p:sp>
         <p:nvSpPr>
           <p:cNvPr id="34" name="Google Shape;34;p8"/>
-          <p:cNvSpPr txBox="1"/>
+          <p:cNvSpPr txBox="1">
+            <a:spLocks noGrp="1"/>
+          </p:cNvSpPr>
           <p:nvPr>
-            <p:ph idx="12" type="sldNum"/>
+            <p:ph type="sldNum" idx="12"/>
           </p:nvPr>
         </p:nvSpPr>
         <p:spPr>
@@ -4417,7 +4561,7 @@
           </a:prstGeom>
         </p:spPr>
         <p:txBody>
-          <a:bodyPr anchorCtr="0" anchor="ctr" bIns="91425" lIns="91425" spcFirstLastPara="1" rIns="91425" wrap="square" tIns="91425">
+          <a:bodyPr spcFirstLastPara="1" wrap="square" lIns="91425" tIns="91425" rIns="91425" bIns="91425" anchor="ctr" anchorCtr="0">
             <a:normAutofit/>
           </a:bodyPr>
           <a:lstStyle>
@@ -4459,7 +4603,7 @@
             </a:lvl9pPr>
           </a:lstStyle>
           <a:p>
-            <a:pPr indent="0" lvl="0" marL="0" rtl="0" algn="r">
+            <a:pPr marL="0" lvl="0" indent="0" algn="r" rtl="0">
               <a:spcBef>
                 <a:spcPts val="0"/>
               </a:spcBef>
@@ -4485,11 +4629,11 @@
 </file>
 
 <file path=ppt/slideLayouts/slideLayout8.xml><?xml version="1.0" encoding="utf-8"?>
-<p:sldLayout xmlns:a="http://schemas.openxmlformats.org/drawingml/2006/main" xmlns:r="http://schemas.openxmlformats.org/officeDocument/2006/relationships" xmlns:mc="http://schemas.openxmlformats.org/markup-compatibility/2006" xmlns:mv="urn:schemas-microsoft-com:mac:vml" xmlns:p="http://schemas.openxmlformats.org/presentationml/2006/main" xmlns:c="http://schemas.openxmlformats.org/drawingml/2006/chart" xmlns:dgm="http://schemas.openxmlformats.org/drawingml/2006/diagram" xmlns:o="urn:schemas-microsoft-com:office:office" xmlns:v="urn:schemas-microsoft-com:vml" xmlns:pvml="urn:schemas-microsoft-com:office:powerpoint" xmlns:com="http://schemas.openxmlformats.org/drawingml/2006/compatibility" xmlns:p14="http://schemas.microsoft.com/office/powerpoint/2010/main" xmlns:p15="http://schemas.microsoft.com/office/powerpoint/2012/main" xmlns:ahyp="http://schemas.microsoft.com/office/drawing/2018/hyperlinkcolor" matchingName="Section title and description">
+<p:sldLayout xmlns:a="http://schemas.openxmlformats.org/drawingml/2006/main" xmlns:r="http://schemas.openxmlformats.org/officeDocument/2006/relationships" xmlns:p="http://schemas.openxmlformats.org/presentationml/2006/main" matchingName="Section title and description">
   <p:cSld name="SECTION_TITLE_AND_DESCRIPTION">
     <p:spTree>
       <p:nvGrpSpPr>
-        <p:cNvPr id="35" name="Shape 35"/>
+        <p:cNvPr id="1" name="Shape 35"/>
         <p:cNvGrpSpPr/>
         <p:nvPr/>
       </p:nvGrpSpPr>
@@ -4523,12 +4667,12 @@
           </a:ln>
         </p:spPr>
         <p:txBody>
-          <a:bodyPr anchorCtr="0" anchor="ctr" bIns="91425" lIns="91425" spcFirstLastPara="1" rIns="91425" wrap="square" tIns="91425">
+          <a:bodyPr spcFirstLastPara="1" wrap="square" lIns="91425" tIns="91425" rIns="91425" bIns="91425" anchor="ctr" anchorCtr="0">
             <a:noAutofit/>
           </a:bodyPr>
           <a:lstStyle/>
           <a:p>
-            <a:pPr indent="0" lvl="0" marL="0" rtl="0" algn="l">
+            <a:pPr marL="0" lvl="0" indent="0" algn="l" rtl="0">
               <a:spcBef>
                 <a:spcPts val="0"/>
               </a:spcBef>
@@ -4537,9 +4681,6 @@
               </a:spcAft>
               <a:buNone/>
             </a:pPr>
-            <a:r>
-              <a:t/>
-            </a:r>
             <a:endParaRPr/>
           </a:p>
         </p:txBody>
@@ -4547,7 +4688,9 @@
       <p:sp>
         <p:nvSpPr>
           <p:cNvPr id="37" name="Google Shape;37;p9"/>
-          <p:cNvSpPr txBox="1"/>
+          <p:cNvSpPr txBox="1">
+            <a:spLocks noGrp="1"/>
+          </p:cNvSpPr>
           <p:nvPr>
             <p:ph type="title"/>
           </p:nvPr>
@@ -4562,7 +4705,7 @@
           </a:prstGeom>
         </p:spPr>
         <p:txBody>
-          <a:bodyPr anchorCtr="0" anchor="b" bIns="91425" lIns="91425" spcFirstLastPara="1" rIns="91425" wrap="square" tIns="91425">
+          <a:bodyPr spcFirstLastPara="1" wrap="square" lIns="91425" tIns="91425" rIns="91425" bIns="91425" anchor="b" anchorCtr="0">
             <a:normAutofit/>
           </a:bodyPr>
           <a:lstStyle>
@@ -4666,15 +4809,19 @@
               <a:defRPr sz="4200"/>
             </a:lvl9pPr>
           </a:lstStyle>
-          <a:p/>
+          <a:p>
+            <a:endParaRPr/>
+          </a:p>
         </p:txBody>
       </p:sp>
       <p:sp>
         <p:nvSpPr>
           <p:cNvPr id="38" name="Google Shape;38;p9"/>
-          <p:cNvSpPr txBox="1"/>
+          <p:cNvSpPr txBox="1">
+            <a:spLocks noGrp="1"/>
+          </p:cNvSpPr>
           <p:nvPr>
-            <p:ph idx="1" type="subTitle"/>
+            <p:ph type="subTitle" idx="1"/>
           </p:nvPr>
         </p:nvSpPr>
         <p:spPr>
@@ -4687,7 +4834,7 @@
           </a:prstGeom>
         </p:spPr>
         <p:txBody>
-          <a:bodyPr anchorCtr="0" anchor="t" bIns="91425" lIns="91425" spcFirstLastPara="1" rIns="91425" wrap="square" tIns="91425">
+          <a:bodyPr spcFirstLastPara="1" wrap="square" lIns="91425" tIns="91425" rIns="91425" bIns="91425" anchor="t" anchorCtr="0">
             <a:normAutofit/>
           </a:bodyPr>
           <a:lstStyle>
@@ -4818,15 +4965,19 @@
               <a:defRPr sz="2100"/>
             </a:lvl9pPr>
           </a:lstStyle>
-          <a:p/>
+          <a:p>
+            <a:endParaRPr/>
+          </a:p>
         </p:txBody>
       </p:sp>
       <p:sp>
         <p:nvSpPr>
           <p:cNvPr id="39" name="Google Shape;39;p9"/>
-          <p:cNvSpPr txBox="1"/>
+          <p:cNvSpPr txBox="1">
+            <a:spLocks noGrp="1"/>
+          </p:cNvSpPr>
           <p:nvPr>
-            <p:ph idx="2" type="body"/>
+            <p:ph type="body" idx="2"/>
           </p:nvPr>
         </p:nvSpPr>
         <p:spPr>
@@ -4839,11 +4990,11 @@
           </a:prstGeom>
         </p:spPr>
         <p:txBody>
-          <a:bodyPr anchorCtr="0" anchor="ctr" bIns="91425" lIns="91425" spcFirstLastPara="1" rIns="91425" wrap="square" tIns="91425">
+          <a:bodyPr spcFirstLastPara="1" wrap="square" lIns="91425" tIns="91425" rIns="91425" bIns="91425" anchor="ctr" anchorCtr="0">
             <a:normAutofit/>
           </a:bodyPr>
           <a:lstStyle>
-            <a:lvl1pPr indent="-342900" lvl="0" marL="457200">
+            <a:lvl1pPr marL="457200" lvl="0" indent="-342900">
               <a:spcBef>
                 <a:spcPts val="0"/>
               </a:spcBef>
@@ -4861,7 +5012,7 @@
                 </a:solidFill>
               </a:defRPr>
             </a:lvl1pPr>
-            <a:lvl2pPr indent="-317500" lvl="1" marL="914400">
+            <a:lvl2pPr marL="914400" lvl="1" indent="-317500">
               <a:spcBef>
                 <a:spcPts val="0"/>
               </a:spcBef>
@@ -4879,7 +5030,7 @@
                 </a:solidFill>
               </a:defRPr>
             </a:lvl2pPr>
-            <a:lvl3pPr indent="-317500" lvl="2" marL="1371600">
+            <a:lvl3pPr marL="1371600" lvl="2" indent="-317500">
               <a:spcBef>
                 <a:spcPts val="0"/>
               </a:spcBef>
@@ -4897,7 +5048,7 @@
                 </a:solidFill>
               </a:defRPr>
             </a:lvl3pPr>
-            <a:lvl4pPr indent="-317500" lvl="3" marL="1828800">
+            <a:lvl4pPr marL="1828800" lvl="3" indent="-317500">
               <a:spcBef>
                 <a:spcPts val="0"/>
               </a:spcBef>
@@ -4915,7 +5066,7 @@
                 </a:solidFill>
               </a:defRPr>
             </a:lvl4pPr>
-            <a:lvl5pPr indent="-317500" lvl="4" marL="2286000">
+            <a:lvl5pPr marL="2286000" lvl="4" indent="-317500">
               <a:spcBef>
                 <a:spcPts val="0"/>
               </a:spcBef>
@@ -4933,7 +5084,7 @@
                 </a:solidFill>
               </a:defRPr>
             </a:lvl5pPr>
-            <a:lvl6pPr indent="-317500" lvl="5" marL="2743200">
+            <a:lvl6pPr marL="2743200" lvl="5" indent="-317500">
               <a:spcBef>
                 <a:spcPts val="0"/>
               </a:spcBef>
@@ -4951,7 +5102,7 @@
                 </a:solidFill>
               </a:defRPr>
             </a:lvl6pPr>
-            <a:lvl7pPr indent="-317500" lvl="6" marL="3200400">
+            <a:lvl7pPr marL="3200400" lvl="6" indent="-317500">
               <a:spcBef>
                 <a:spcPts val="0"/>
               </a:spcBef>
@@ -4969,7 +5120,7 @@
                 </a:solidFill>
               </a:defRPr>
             </a:lvl7pPr>
-            <a:lvl8pPr indent="-317500" lvl="7" marL="3657600">
+            <a:lvl8pPr marL="3657600" lvl="7" indent="-317500">
               <a:spcBef>
                 <a:spcPts val="0"/>
               </a:spcBef>
@@ -4987,7 +5138,7 @@
                 </a:solidFill>
               </a:defRPr>
             </a:lvl8pPr>
-            <a:lvl9pPr indent="-317500" lvl="8" marL="4114800">
+            <a:lvl9pPr marL="4114800" lvl="8" indent="-317500">
               <a:spcBef>
                 <a:spcPts val="0"/>
               </a:spcBef>
@@ -5006,15 +5157,19 @@
               </a:defRPr>
             </a:lvl9pPr>
           </a:lstStyle>
-          <a:p/>
+          <a:p>
+            <a:endParaRPr/>
+          </a:p>
         </p:txBody>
       </p:sp>
       <p:sp>
         <p:nvSpPr>
           <p:cNvPr id="40" name="Google Shape;40;p9"/>
-          <p:cNvSpPr txBox="1"/>
+          <p:cNvSpPr txBox="1">
+            <a:spLocks noGrp="1"/>
+          </p:cNvSpPr>
           <p:nvPr>
-            <p:ph idx="12" type="sldNum"/>
+            <p:ph type="sldNum" idx="12"/>
           </p:nvPr>
         </p:nvSpPr>
         <p:spPr>
@@ -5027,7 +5182,7 @@
           </a:prstGeom>
         </p:spPr>
         <p:txBody>
-          <a:bodyPr anchorCtr="0" anchor="ctr" bIns="91425" lIns="91425" spcFirstLastPara="1" rIns="91425" wrap="square" tIns="91425">
+          <a:bodyPr spcFirstLastPara="1" wrap="square" lIns="91425" tIns="91425" rIns="91425" bIns="91425" anchor="ctr" anchorCtr="0">
             <a:normAutofit/>
           </a:bodyPr>
           <a:lstStyle>
@@ -5069,7 +5224,7 @@
             </a:lvl9pPr>
           </a:lstStyle>
           <a:p>
-            <a:pPr indent="0" lvl="0" marL="0" rtl="0" algn="r">
+            <a:pPr marL="0" lvl="0" indent="0" algn="r" rtl="0">
               <a:spcBef>
                 <a:spcPts val="0"/>
               </a:spcBef>
@@ -5095,11 +5250,11 @@
 </file>
 
 <file path=ppt/slideLayouts/slideLayout9.xml><?xml version="1.0" encoding="utf-8"?>
-<p:sldLayout xmlns:a="http://schemas.openxmlformats.org/drawingml/2006/main" xmlns:r="http://schemas.openxmlformats.org/officeDocument/2006/relationships" xmlns:mc="http://schemas.openxmlformats.org/markup-compatibility/2006" xmlns:mv="urn:schemas-microsoft-com:mac:vml" xmlns:p="http://schemas.openxmlformats.org/presentationml/2006/main" xmlns:c="http://schemas.openxmlformats.org/drawingml/2006/chart" xmlns:dgm="http://schemas.openxmlformats.org/drawingml/2006/diagram" xmlns:o="urn:schemas-microsoft-com:office:office" xmlns:v="urn:schemas-microsoft-com:vml" xmlns:pvml="urn:schemas-microsoft-com:office:powerpoint" xmlns:com="http://schemas.openxmlformats.org/drawingml/2006/compatibility" xmlns:p14="http://schemas.microsoft.com/office/powerpoint/2010/main" xmlns:p15="http://schemas.microsoft.com/office/powerpoint/2012/main" xmlns:ahyp="http://schemas.microsoft.com/office/drawing/2018/hyperlinkcolor" matchingName="Caption">
+<p:sldLayout xmlns:a="http://schemas.openxmlformats.org/drawingml/2006/main" xmlns:r="http://schemas.openxmlformats.org/officeDocument/2006/relationships" xmlns:p="http://schemas.openxmlformats.org/presentationml/2006/main" matchingName="Caption">
   <p:cSld name="CAPTION_ONLY">
     <p:spTree>
       <p:nvGrpSpPr>
-        <p:cNvPr id="41" name="Shape 41"/>
+        <p:cNvPr id="1" name="Shape 41"/>
         <p:cNvGrpSpPr/>
         <p:nvPr/>
       </p:nvGrpSpPr>
@@ -5114,9 +5269,11 @@
       <p:sp>
         <p:nvSpPr>
           <p:cNvPr id="42" name="Google Shape;42;p10"/>
-          <p:cNvSpPr txBox="1"/>
+          <p:cNvSpPr txBox="1">
+            <a:spLocks noGrp="1"/>
+          </p:cNvSpPr>
           <p:nvPr>
-            <p:ph idx="1" type="body"/>
+            <p:ph type="body" idx="1"/>
           </p:nvPr>
         </p:nvSpPr>
         <p:spPr>
@@ -5129,11 +5286,11 @@
           </a:prstGeom>
         </p:spPr>
         <p:txBody>
-          <a:bodyPr anchorCtr="0" anchor="ctr" bIns="91425" lIns="91425" spcFirstLastPara="1" rIns="91425" wrap="square" tIns="91425">
+          <a:bodyPr spcFirstLastPara="1" wrap="square" lIns="91425" tIns="91425" rIns="91425" bIns="91425" anchor="ctr" anchorCtr="0">
             <a:normAutofit/>
           </a:bodyPr>
           <a:lstStyle>
-            <a:lvl1pPr indent="-228600" lvl="0" marL="457200">
+            <a:lvl1pPr marL="457200" lvl="0" indent="-228600">
               <a:lnSpc>
                 <a:spcPct val="100000"/>
               </a:lnSpc>
@@ -5148,15 +5305,19 @@
               <a:defRPr/>
             </a:lvl1pPr>
           </a:lstStyle>
-          <a:p/>
+          <a:p>
+            <a:endParaRPr/>
+          </a:p>
         </p:txBody>
       </p:sp>
       <p:sp>
         <p:nvSpPr>
           <p:cNvPr id="43" name="Google Shape;43;p10"/>
-          <p:cNvSpPr txBox="1"/>
+          <p:cNvSpPr txBox="1">
+            <a:spLocks noGrp="1"/>
+          </p:cNvSpPr>
           <p:nvPr>
-            <p:ph idx="12" type="sldNum"/>
+            <p:ph type="sldNum" idx="12"/>
           </p:nvPr>
         </p:nvSpPr>
         <p:spPr>
@@ -5169,7 +5330,7 @@
           </a:prstGeom>
         </p:spPr>
         <p:txBody>
-          <a:bodyPr anchorCtr="0" anchor="ctr" bIns="91425" lIns="91425" spcFirstLastPara="1" rIns="91425" wrap="square" tIns="91425">
+          <a:bodyPr spcFirstLastPara="1" wrap="square" lIns="91425" tIns="91425" rIns="91425" bIns="91425" anchor="ctr" anchorCtr="0">
             <a:normAutofit/>
           </a:bodyPr>
           <a:lstStyle>
@@ -5211,7 +5372,7 @@
             </a:lvl9pPr>
           </a:lstStyle>
           <a:p>
-            <a:pPr indent="0" lvl="0" marL="0" rtl="0" algn="r">
+            <a:pPr marL="0" lvl="0" indent="0" algn="r" rtl="0">
               <a:spcBef>
                 <a:spcPts val="0"/>
               </a:spcBef>
@@ -5237,18 +5398,19 @@
 </file>
 
 <file path=ppt/slideMasters/slideMaster1.xml><?xml version="1.0" encoding="utf-8"?>
-<p:sldMaster xmlns:a="http://schemas.openxmlformats.org/drawingml/2006/main" xmlns:r="http://schemas.openxmlformats.org/officeDocument/2006/relationships" xmlns:mc="http://schemas.openxmlformats.org/markup-compatibility/2006" xmlns:mv="urn:schemas-microsoft-com:mac:vml" xmlns:p="http://schemas.openxmlformats.org/presentationml/2006/main" xmlns:c="http://schemas.openxmlformats.org/drawingml/2006/chart" xmlns:dgm="http://schemas.openxmlformats.org/drawingml/2006/diagram" xmlns:o="urn:schemas-microsoft-com:office:office" xmlns:v="urn:schemas-microsoft-com:vml" xmlns:pvml="urn:schemas-microsoft-com:office:powerpoint" xmlns:com="http://schemas.openxmlformats.org/drawingml/2006/compatibility" xmlns:p14="http://schemas.microsoft.com/office/powerpoint/2010/main" xmlns:p15="http://schemas.microsoft.com/office/powerpoint/2012/main" xmlns:ahyp="http://schemas.microsoft.com/office/drawing/2018/hyperlinkcolor">
+<p:sldMaster xmlns:a="http://schemas.openxmlformats.org/drawingml/2006/main" xmlns:r="http://schemas.openxmlformats.org/officeDocument/2006/relationships" xmlns:p="http://schemas.openxmlformats.org/presentationml/2006/main">
   <p:cSld name="simple-dark-2">
     <p:bg>
       <p:bgPr>
         <a:solidFill>
           <a:schemeClr val="lt1"/>
         </a:solidFill>
+        <a:effectLst/>
       </p:bgPr>
     </p:bg>
     <p:spTree>
       <p:nvGrpSpPr>
-        <p:cNvPr id="5" name="Shape 5"/>
+        <p:cNvPr id="1" name="Shape 5"/>
         <p:cNvGrpSpPr/>
         <p:nvPr/>
       </p:nvGrpSpPr>
@@ -5263,7 +5425,9 @@
       <p:sp>
         <p:nvSpPr>
           <p:cNvPr id="6" name="Google Shape;6;p1"/>
-          <p:cNvSpPr txBox="1"/>
+          <p:cNvSpPr txBox="1">
+            <a:spLocks noGrp="1"/>
+          </p:cNvSpPr>
           <p:nvPr>
             <p:ph type="title"/>
           </p:nvPr>
@@ -5282,7 +5446,7 @@
           </a:ln>
         </p:spPr>
         <p:txBody>
-          <a:bodyPr anchorCtr="0" anchor="t" bIns="91425" lIns="91425" spcFirstLastPara="1" rIns="91425" wrap="square" tIns="91425">
+          <a:bodyPr spcFirstLastPara="1" wrap="square" lIns="91425" tIns="91425" rIns="91425" bIns="91425" anchor="t" anchorCtr="0">
             <a:normAutofit/>
           </a:bodyPr>
           <a:lstStyle>
@@ -5449,15 +5613,19 @@
               </a:defRPr>
             </a:lvl9pPr>
           </a:lstStyle>
-          <a:p/>
+          <a:p>
+            <a:endParaRPr/>
+          </a:p>
         </p:txBody>
       </p:sp>
       <p:sp>
         <p:nvSpPr>
           <p:cNvPr id="7" name="Google Shape;7;p1"/>
-          <p:cNvSpPr txBox="1"/>
+          <p:cNvSpPr txBox="1">
+            <a:spLocks noGrp="1"/>
+          </p:cNvSpPr>
           <p:nvPr>
-            <p:ph idx="1" type="body"/>
+            <p:ph type="body" idx="1"/>
           </p:nvPr>
         </p:nvSpPr>
         <p:spPr>
@@ -5474,11 +5642,11 @@
           </a:ln>
         </p:spPr>
         <p:txBody>
-          <a:bodyPr anchorCtr="0" anchor="t" bIns="91425" lIns="91425" spcFirstLastPara="1" rIns="91425" wrap="square" tIns="91425">
+          <a:bodyPr spcFirstLastPara="1" wrap="square" lIns="91425" tIns="91425" rIns="91425" bIns="91425" anchor="t" anchorCtr="0">
             <a:normAutofit/>
           </a:bodyPr>
           <a:lstStyle>
-            <a:lvl1pPr indent="-342900" lvl="0" marL="457200">
+            <a:lvl1pPr marL="457200" lvl="0" indent="-342900">
               <a:lnSpc>
                 <a:spcPct val="115000"/>
               </a:lnSpc>
@@ -5499,7 +5667,7 @@
                 </a:solidFill>
               </a:defRPr>
             </a:lvl1pPr>
-            <a:lvl2pPr indent="-317500" lvl="1" marL="914400">
+            <a:lvl2pPr marL="914400" lvl="1" indent="-317500">
               <a:lnSpc>
                 <a:spcPct val="115000"/>
               </a:lnSpc>
@@ -5520,7 +5688,7 @@
                 </a:solidFill>
               </a:defRPr>
             </a:lvl2pPr>
-            <a:lvl3pPr indent="-317500" lvl="2" marL="1371600">
+            <a:lvl3pPr marL="1371600" lvl="2" indent="-317500">
               <a:lnSpc>
                 <a:spcPct val="115000"/>
               </a:lnSpc>
@@ -5541,7 +5709,7 @@
                 </a:solidFill>
               </a:defRPr>
             </a:lvl3pPr>
-            <a:lvl4pPr indent="-317500" lvl="3" marL="1828800">
+            <a:lvl4pPr marL="1828800" lvl="3" indent="-317500">
               <a:lnSpc>
                 <a:spcPct val="115000"/>
               </a:lnSpc>
@@ -5562,7 +5730,7 @@
                 </a:solidFill>
               </a:defRPr>
             </a:lvl4pPr>
-            <a:lvl5pPr indent="-317500" lvl="4" marL="2286000">
+            <a:lvl5pPr marL="2286000" lvl="4" indent="-317500">
               <a:lnSpc>
                 <a:spcPct val="115000"/>
               </a:lnSpc>
@@ -5583,7 +5751,7 @@
                 </a:solidFill>
               </a:defRPr>
             </a:lvl5pPr>
-            <a:lvl6pPr indent="-317500" lvl="5" marL="2743200">
+            <a:lvl6pPr marL="2743200" lvl="5" indent="-317500">
               <a:lnSpc>
                 <a:spcPct val="115000"/>
               </a:lnSpc>
@@ -5604,7 +5772,7 @@
                 </a:solidFill>
               </a:defRPr>
             </a:lvl6pPr>
-            <a:lvl7pPr indent="-317500" lvl="6" marL="3200400">
+            <a:lvl7pPr marL="3200400" lvl="6" indent="-317500">
               <a:lnSpc>
                 <a:spcPct val="115000"/>
               </a:lnSpc>
@@ -5625,7 +5793,7 @@
                 </a:solidFill>
               </a:defRPr>
             </a:lvl7pPr>
-            <a:lvl8pPr indent="-317500" lvl="7" marL="3657600">
+            <a:lvl8pPr marL="3657600" lvl="7" indent="-317500">
               <a:lnSpc>
                 <a:spcPct val="115000"/>
               </a:lnSpc>
@@ -5646,7 +5814,7 @@
                 </a:solidFill>
               </a:defRPr>
             </a:lvl8pPr>
-            <a:lvl9pPr indent="-317500" lvl="8" marL="4114800">
+            <a:lvl9pPr marL="4114800" lvl="8" indent="-317500">
               <a:lnSpc>
                 <a:spcPct val="115000"/>
               </a:lnSpc>
@@ -5668,15 +5836,19 @@
               </a:defRPr>
             </a:lvl9pPr>
           </a:lstStyle>
-          <a:p/>
+          <a:p>
+            <a:endParaRPr/>
+          </a:p>
         </p:txBody>
       </p:sp>
       <p:sp>
         <p:nvSpPr>
           <p:cNvPr id="8" name="Google Shape;8;p1"/>
-          <p:cNvSpPr txBox="1"/>
+          <p:cNvSpPr txBox="1">
+            <a:spLocks noGrp="1"/>
+          </p:cNvSpPr>
           <p:nvPr>
-            <p:ph idx="12" type="sldNum"/>
+            <p:ph type="sldNum" idx="12"/>
           </p:nvPr>
         </p:nvSpPr>
         <p:spPr>
@@ -5693,7 +5865,7 @@
           </a:ln>
         </p:spPr>
         <p:txBody>
-          <a:bodyPr anchorCtr="0" anchor="ctr" bIns="91425" lIns="91425" spcFirstLastPara="1" rIns="91425" wrap="square" tIns="91425">
+          <a:bodyPr spcFirstLastPara="1" wrap="square" lIns="91425" tIns="91425" rIns="91425" bIns="91425" anchor="ctr" anchorCtr="0">
             <a:normAutofit/>
           </a:bodyPr>
           <a:lstStyle>
@@ -5771,7 +5943,7 @@
             </a:lvl9pPr>
           </a:lstStyle>
           <a:p>
-            <a:pPr indent="0" lvl="0" marL="0" rtl="0" algn="r">
+            <a:pPr marL="0" lvl="0" indent="0" algn="r" rtl="0">
               <a:spcBef>
                 <a:spcPts val="0"/>
               </a:spcBef>
@@ -5790,7 +5962,7 @@
       </p:sp>
     </p:spTree>
   </p:cSld>
-  <p:clrMap accent1="accent1" accent2="accent2" accent3="accent3" accent4="accent4" accent5="accent5" accent6="accent6" bg1="lt1" bg2="dk2" tx1="dk1" tx2="lt2" folHlink="folHlink" hlink="hlink"/>
+  <p:clrMap bg1="lt1" tx1="dk1" bg2="dk2" tx2="lt2" accent1="accent1" accent2="accent2" accent3="accent3" accent4="accent4" accent5="accent5" accent6="accent6" hlink="hlink" folHlink="folHlink"/>
   <p:sldLayoutIdLst>
     <p:sldLayoutId id="2147483648" r:id="rId1"/>
     <p:sldLayoutId id="2147483649" r:id="rId2"/>
@@ -5804,10 +5976,10 @@
     <p:sldLayoutId id="2147483657" r:id="rId10"/>
     <p:sldLayoutId id="2147483658" r:id="rId11"/>
   </p:sldLayoutIdLst>
-  <p:hf dt="0" ftr="0" hdr="0" sldNum="0"/>
+  <p:hf sldNum="0" hdr="0" ftr="0" dt="0"/>
   <p:txStyles>
     <p:titleStyle>
-      <a:defPPr lvl="0" marR="0" rtl="0" algn="l">
+      <a:defPPr marR="0" lvl="0" algn="l" rtl="0">
         <a:lnSpc>
           <a:spcPct val="100000"/>
         </a:lnSpc>
@@ -5818,7 +5990,7 @@
           <a:spcPts val="0"/>
         </a:spcAft>
       </a:defPPr>
-      <a:lvl1pPr lvl="0" marR="0" rtl="0" algn="l">
+      <a:lvl1pPr marR="0" lvl="0" algn="l" rtl="0">
         <a:lnSpc>
           <a:spcPct val="100000"/>
         </a:lnSpc>
@@ -5832,7 +6004,7 @@
           <a:srgbClr val="000000"/>
         </a:buClr>
         <a:buFont typeface="Arial"/>
-        <a:defRPr b="0" i="0" sz="1400" u="none" cap="none" strike="noStrike">
+        <a:defRPr sz="1400" b="0" i="0" u="none" strike="noStrike" cap="none">
           <a:solidFill>
             <a:srgbClr val="000000"/>
           </a:solidFill>
@@ -5842,7 +6014,7 @@
           <a:sym typeface="Arial"/>
         </a:defRPr>
       </a:lvl1pPr>
-      <a:lvl2pPr lvl="1" marR="0" rtl="0" algn="l">
+      <a:lvl2pPr marR="0" lvl="1" algn="l" rtl="0">
         <a:lnSpc>
           <a:spcPct val="100000"/>
         </a:lnSpc>
@@ -5856,7 +6028,7 @@
           <a:srgbClr val="000000"/>
         </a:buClr>
         <a:buFont typeface="Arial"/>
-        <a:defRPr b="0" i="0" sz="1400" u="none" cap="none" strike="noStrike">
+        <a:defRPr sz="1400" b="0" i="0" u="none" strike="noStrike" cap="none">
           <a:solidFill>
             <a:srgbClr val="000000"/>
           </a:solidFill>
@@ -5866,7 +6038,7 @@
           <a:sym typeface="Arial"/>
         </a:defRPr>
       </a:lvl2pPr>
-      <a:lvl3pPr lvl="2" marR="0" rtl="0" algn="l">
+      <a:lvl3pPr marR="0" lvl="2" algn="l" rtl="0">
         <a:lnSpc>
           <a:spcPct val="100000"/>
         </a:lnSpc>
@@ -5880,7 +6052,7 @@
           <a:srgbClr val="000000"/>
         </a:buClr>
         <a:buFont typeface="Arial"/>
-        <a:defRPr b="0" i="0" sz="1400" u="none" cap="none" strike="noStrike">
+        <a:defRPr sz="1400" b="0" i="0" u="none" strike="noStrike" cap="none">
           <a:solidFill>
             <a:srgbClr val="000000"/>
           </a:solidFill>
@@ -5890,7 +6062,7 @@
           <a:sym typeface="Arial"/>
         </a:defRPr>
       </a:lvl3pPr>
-      <a:lvl4pPr lvl="3" marR="0" rtl="0" algn="l">
+      <a:lvl4pPr marR="0" lvl="3" algn="l" rtl="0">
         <a:lnSpc>
           <a:spcPct val="100000"/>
         </a:lnSpc>
@@ -5904,7 +6076,7 @@
           <a:srgbClr val="000000"/>
         </a:buClr>
         <a:buFont typeface="Arial"/>
-        <a:defRPr b="0" i="0" sz="1400" u="none" cap="none" strike="noStrike">
+        <a:defRPr sz="1400" b="0" i="0" u="none" strike="noStrike" cap="none">
           <a:solidFill>
             <a:srgbClr val="000000"/>
           </a:solidFill>
@@ -5914,7 +6086,7 @@
           <a:sym typeface="Arial"/>
         </a:defRPr>
       </a:lvl4pPr>
-      <a:lvl5pPr lvl="4" marR="0" rtl="0" algn="l">
+      <a:lvl5pPr marR="0" lvl="4" algn="l" rtl="0">
         <a:lnSpc>
           <a:spcPct val="100000"/>
         </a:lnSpc>
@@ -5928,7 +6100,7 @@
           <a:srgbClr val="000000"/>
         </a:buClr>
         <a:buFont typeface="Arial"/>
-        <a:defRPr b="0" i="0" sz="1400" u="none" cap="none" strike="noStrike">
+        <a:defRPr sz="1400" b="0" i="0" u="none" strike="noStrike" cap="none">
           <a:solidFill>
             <a:srgbClr val="000000"/>
           </a:solidFill>
@@ -5938,7 +6110,7 @@
           <a:sym typeface="Arial"/>
         </a:defRPr>
       </a:lvl5pPr>
-      <a:lvl6pPr lvl="5" marR="0" rtl="0" algn="l">
+      <a:lvl6pPr marR="0" lvl="5" algn="l" rtl="0">
         <a:lnSpc>
           <a:spcPct val="100000"/>
         </a:lnSpc>
@@ -5952,7 +6124,7 @@
           <a:srgbClr val="000000"/>
         </a:buClr>
         <a:buFont typeface="Arial"/>
-        <a:defRPr b="0" i="0" sz="1400" u="none" cap="none" strike="noStrike">
+        <a:defRPr sz="1400" b="0" i="0" u="none" strike="noStrike" cap="none">
           <a:solidFill>
             <a:srgbClr val="000000"/>
           </a:solidFill>
@@ -5962,7 +6134,7 @@
           <a:sym typeface="Arial"/>
         </a:defRPr>
       </a:lvl6pPr>
-      <a:lvl7pPr lvl="6" marR="0" rtl="0" algn="l">
+      <a:lvl7pPr marR="0" lvl="6" algn="l" rtl="0">
         <a:lnSpc>
           <a:spcPct val="100000"/>
         </a:lnSpc>
@@ -5976,7 +6148,7 @@
           <a:srgbClr val="000000"/>
         </a:buClr>
         <a:buFont typeface="Arial"/>
-        <a:defRPr b="0" i="0" sz="1400" u="none" cap="none" strike="noStrike">
+        <a:defRPr sz="1400" b="0" i="0" u="none" strike="noStrike" cap="none">
           <a:solidFill>
             <a:srgbClr val="000000"/>
           </a:solidFill>
@@ -5986,7 +6158,7 @@
           <a:sym typeface="Arial"/>
         </a:defRPr>
       </a:lvl7pPr>
-      <a:lvl8pPr lvl="7" marR="0" rtl="0" algn="l">
+      <a:lvl8pPr marR="0" lvl="7" algn="l" rtl="0">
         <a:lnSpc>
           <a:spcPct val="100000"/>
         </a:lnSpc>
@@ -6000,7 +6172,7 @@
           <a:srgbClr val="000000"/>
         </a:buClr>
         <a:buFont typeface="Arial"/>
-        <a:defRPr b="0" i="0" sz="1400" u="none" cap="none" strike="noStrike">
+        <a:defRPr sz="1400" b="0" i="0" u="none" strike="noStrike" cap="none">
           <a:solidFill>
             <a:srgbClr val="000000"/>
           </a:solidFill>
@@ -6010,7 +6182,7 @@
           <a:sym typeface="Arial"/>
         </a:defRPr>
       </a:lvl8pPr>
-      <a:lvl9pPr lvl="8" marR="0" rtl="0" algn="l">
+      <a:lvl9pPr marR="0" lvl="8" algn="l" rtl="0">
         <a:lnSpc>
           <a:spcPct val="100000"/>
         </a:lnSpc>
@@ -6024,7 +6196,7 @@
           <a:srgbClr val="000000"/>
         </a:buClr>
         <a:buFont typeface="Arial"/>
-        <a:defRPr b="0" i="0" sz="1400" u="none" cap="none" strike="noStrike">
+        <a:defRPr sz="1400" b="0" i="0" u="none" strike="noStrike" cap="none">
           <a:solidFill>
             <a:srgbClr val="000000"/>
           </a:solidFill>
@@ -6036,7 +6208,7 @@
       </a:lvl9pPr>
     </p:titleStyle>
     <p:bodyStyle>
-      <a:defPPr lvl="0" marR="0" rtl="0" algn="l">
+      <a:defPPr marR="0" lvl="0" algn="l" rtl="0">
         <a:lnSpc>
           <a:spcPct val="100000"/>
         </a:lnSpc>
@@ -6047,7 +6219,7 @@
           <a:spcPts val="0"/>
         </a:spcAft>
       </a:defPPr>
-      <a:lvl1pPr lvl="0" marR="0" rtl="0" algn="l">
+      <a:lvl1pPr marR="0" lvl="0" algn="l" rtl="0">
         <a:lnSpc>
           <a:spcPct val="100000"/>
         </a:lnSpc>
@@ -6061,7 +6233,7 @@
           <a:srgbClr val="000000"/>
         </a:buClr>
         <a:buFont typeface="Arial"/>
-        <a:defRPr b="0" i="0" sz="1400" u="none" cap="none" strike="noStrike">
+        <a:defRPr sz="1400" b="0" i="0" u="none" strike="noStrike" cap="none">
           <a:solidFill>
             <a:srgbClr val="000000"/>
           </a:solidFill>
@@ -6071,7 +6243,7 @@
           <a:sym typeface="Arial"/>
         </a:defRPr>
       </a:lvl1pPr>
-      <a:lvl2pPr lvl="1" marR="0" rtl="0" algn="l">
+      <a:lvl2pPr marR="0" lvl="1" algn="l" rtl="0">
         <a:lnSpc>
           <a:spcPct val="100000"/>
         </a:lnSpc>
@@ -6085,7 +6257,7 @@
           <a:srgbClr val="000000"/>
         </a:buClr>
         <a:buFont typeface="Arial"/>
-        <a:defRPr b="0" i="0" sz="1400" u="none" cap="none" strike="noStrike">
+        <a:defRPr sz="1400" b="0" i="0" u="none" strike="noStrike" cap="none">
           <a:solidFill>
             <a:srgbClr val="000000"/>
           </a:solidFill>
@@ -6095,7 +6267,7 @@
           <a:sym typeface="Arial"/>
         </a:defRPr>
       </a:lvl2pPr>
-      <a:lvl3pPr lvl="2" marR="0" rtl="0" algn="l">
+      <a:lvl3pPr marR="0" lvl="2" algn="l" rtl="0">
         <a:lnSpc>
           <a:spcPct val="100000"/>
         </a:lnSpc>
@@ -6109,7 +6281,7 @@
           <a:srgbClr val="000000"/>
         </a:buClr>
         <a:buFont typeface="Arial"/>
-        <a:defRPr b="0" i="0" sz="1400" u="none" cap="none" strike="noStrike">
+        <a:defRPr sz="1400" b="0" i="0" u="none" strike="noStrike" cap="none">
           <a:solidFill>
             <a:srgbClr val="000000"/>
           </a:solidFill>
@@ -6119,7 +6291,7 @@
           <a:sym typeface="Arial"/>
         </a:defRPr>
       </a:lvl3pPr>
-      <a:lvl4pPr lvl="3" marR="0" rtl="0" algn="l">
+      <a:lvl4pPr marR="0" lvl="3" algn="l" rtl="0">
         <a:lnSpc>
           <a:spcPct val="100000"/>
         </a:lnSpc>
@@ -6133,7 +6305,7 @@
           <a:srgbClr val="000000"/>
         </a:buClr>
         <a:buFont typeface="Arial"/>
-        <a:defRPr b="0" i="0" sz="1400" u="none" cap="none" strike="noStrike">
+        <a:defRPr sz="1400" b="0" i="0" u="none" strike="noStrike" cap="none">
           <a:solidFill>
             <a:srgbClr val="000000"/>
           </a:solidFill>
@@ -6143,7 +6315,7 @@
           <a:sym typeface="Arial"/>
         </a:defRPr>
       </a:lvl4pPr>
-      <a:lvl5pPr lvl="4" marR="0" rtl="0" algn="l">
+      <a:lvl5pPr marR="0" lvl="4" algn="l" rtl="0">
         <a:lnSpc>
           <a:spcPct val="100000"/>
         </a:lnSpc>
@@ -6157,7 +6329,7 @@
           <a:srgbClr val="000000"/>
         </a:buClr>
         <a:buFont typeface="Arial"/>
-        <a:defRPr b="0" i="0" sz="1400" u="none" cap="none" strike="noStrike">
+        <a:defRPr sz="1400" b="0" i="0" u="none" strike="noStrike" cap="none">
           <a:solidFill>
             <a:srgbClr val="000000"/>
           </a:solidFill>
@@ -6167,7 +6339,7 @@
           <a:sym typeface="Arial"/>
         </a:defRPr>
       </a:lvl5pPr>
-      <a:lvl6pPr lvl="5" marR="0" rtl="0" algn="l">
+      <a:lvl6pPr marR="0" lvl="5" algn="l" rtl="0">
         <a:lnSpc>
           <a:spcPct val="100000"/>
         </a:lnSpc>
@@ -6181,7 +6353,7 @@
           <a:srgbClr val="000000"/>
         </a:buClr>
         <a:buFont typeface="Arial"/>
-        <a:defRPr b="0" i="0" sz="1400" u="none" cap="none" strike="noStrike">
+        <a:defRPr sz="1400" b="0" i="0" u="none" strike="noStrike" cap="none">
           <a:solidFill>
             <a:srgbClr val="000000"/>
           </a:solidFill>
@@ -6191,7 +6363,7 @@
           <a:sym typeface="Arial"/>
         </a:defRPr>
       </a:lvl6pPr>
-      <a:lvl7pPr lvl="6" marR="0" rtl="0" algn="l">
+      <a:lvl7pPr marR="0" lvl="6" algn="l" rtl="0">
         <a:lnSpc>
           <a:spcPct val="100000"/>
         </a:lnSpc>
@@ -6205,7 +6377,7 @@
           <a:srgbClr val="000000"/>
         </a:buClr>
         <a:buFont typeface="Arial"/>
-        <a:defRPr b="0" i="0" sz="1400" u="none" cap="none" strike="noStrike">
+        <a:defRPr sz="1400" b="0" i="0" u="none" strike="noStrike" cap="none">
           <a:solidFill>
             <a:srgbClr val="000000"/>
           </a:solidFill>
@@ -6215,7 +6387,7 @@
           <a:sym typeface="Arial"/>
         </a:defRPr>
       </a:lvl7pPr>
-      <a:lvl8pPr lvl="7" marR="0" rtl="0" algn="l">
+      <a:lvl8pPr marR="0" lvl="7" algn="l" rtl="0">
         <a:lnSpc>
           <a:spcPct val="100000"/>
         </a:lnSpc>
@@ -6229,7 +6401,7 @@
           <a:srgbClr val="000000"/>
         </a:buClr>
         <a:buFont typeface="Arial"/>
-        <a:defRPr b="0" i="0" sz="1400" u="none" cap="none" strike="noStrike">
+        <a:defRPr sz="1400" b="0" i="0" u="none" strike="noStrike" cap="none">
           <a:solidFill>
             <a:srgbClr val="000000"/>
           </a:solidFill>
@@ -6239,7 +6411,7 @@
           <a:sym typeface="Arial"/>
         </a:defRPr>
       </a:lvl8pPr>
-      <a:lvl9pPr lvl="8" marR="0" rtl="0" algn="l">
+      <a:lvl9pPr marR="0" lvl="8" algn="l" rtl="0">
         <a:lnSpc>
           <a:spcPct val="100000"/>
         </a:lnSpc>
@@ -6253,7 +6425,7 @@
           <a:srgbClr val="000000"/>
         </a:buClr>
         <a:buFont typeface="Arial"/>
-        <a:defRPr b="0" i="0" sz="1400" u="none" cap="none" strike="noStrike">
+        <a:defRPr sz="1400" b="0" i="0" u="none" strike="noStrike" cap="none">
           <a:solidFill>
             <a:srgbClr val="000000"/>
           </a:solidFill>
@@ -6265,7 +6437,7 @@
       </a:lvl9pPr>
     </p:bodyStyle>
     <p:otherStyle>
-      <a:defPPr lvl="0" marR="0" rtl="0" algn="l">
+      <a:defPPr marR="0" lvl="0" algn="l" rtl="0">
         <a:lnSpc>
           <a:spcPct val="100000"/>
         </a:lnSpc>
@@ -6276,7 +6448,7 @@
           <a:spcPts val="0"/>
         </a:spcAft>
       </a:defPPr>
-      <a:lvl1pPr lvl="0" marR="0" rtl="0" algn="l">
+      <a:lvl1pPr marR="0" lvl="0" algn="l" rtl="0">
         <a:lnSpc>
           <a:spcPct val="100000"/>
         </a:lnSpc>
@@ -6290,7 +6462,7 @@
           <a:srgbClr val="000000"/>
         </a:buClr>
         <a:buFont typeface="Arial"/>
-        <a:defRPr b="0" i="0" sz="1400" u="none" cap="none" strike="noStrike">
+        <a:defRPr sz="1400" b="0" i="0" u="none" strike="noStrike" cap="none">
           <a:solidFill>
             <a:srgbClr val="000000"/>
           </a:solidFill>
@@ -6300,7 +6472,7 @@
           <a:sym typeface="Arial"/>
         </a:defRPr>
       </a:lvl1pPr>
-      <a:lvl2pPr lvl="1" marR="0" rtl="0" algn="l">
+      <a:lvl2pPr marR="0" lvl="1" algn="l" rtl="0">
         <a:lnSpc>
           <a:spcPct val="100000"/>
         </a:lnSpc>
@@ -6314,7 +6486,7 @@
           <a:srgbClr val="000000"/>
         </a:buClr>
         <a:buFont typeface="Arial"/>
-        <a:defRPr b="0" i="0" sz="1400" u="none" cap="none" strike="noStrike">
+        <a:defRPr sz="1400" b="0" i="0" u="none" strike="noStrike" cap="none">
           <a:solidFill>
             <a:srgbClr val="000000"/>
           </a:solidFill>
@@ -6324,7 +6496,7 @@
           <a:sym typeface="Arial"/>
         </a:defRPr>
       </a:lvl2pPr>
-      <a:lvl3pPr lvl="2" marR="0" rtl="0" algn="l">
+      <a:lvl3pPr marR="0" lvl="2" algn="l" rtl="0">
         <a:lnSpc>
           <a:spcPct val="100000"/>
         </a:lnSpc>
@@ -6338,7 +6510,7 @@
           <a:srgbClr val="000000"/>
         </a:buClr>
         <a:buFont typeface="Arial"/>
-        <a:defRPr b="0" i="0" sz="1400" u="none" cap="none" strike="noStrike">
+        <a:defRPr sz="1400" b="0" i="0" u="none" strike="noStrike" cap="none">
           <a:solidFill>
             <a:srgbClr val="000000"/>
           </a:solidFill>
@@ -6348,7 +6520,7 @@
           <a:sym typeface="Arial"/>
         </a:defRPr>
       </a:lvl3pPr>
-      <a:lvl4pPr lvl="3" marR="0" rtl="0" algn="l">
+      <a:lvl4pPr marR="0" lvl="3" algn="l" rtl="0">
         <a:lnSpc>
           <a:spcPct val="100000"/>
         </a:lnSpc>
@@ -6362,7 +6534,7 @@
           <a:srgbClr val="000000"/>
         </a:buClr>
         <a:buFont typeface="Arial"/>
-        <a:defRPr b="0" i="0" sz="1400" u="none" cap="none" strike="noStrike">
+        <a:defRPr sz="1400" b="0" i="0" u="none" strike="noStrike" cap="none">
           <a:solidFill>
             <a:srgbClr val="000000"/>
           </a:solidFill>
@@ -6372,7 +6544,7 @@
           <a:sym typeface="Arial"/>
         </a:defRPr>
       </a:lvl4pPr>
-      <a:lvl5pPr lvl="4" marR="0" rtl="0" algn="l">
+      <a:lvl5pPr marR="0" lvl="4" algn="l" rtl="0">
         <a:lnSpc>
           <a:spcPct val="100000"/>
         </a:lnSpc>
@@ -6386,7 +6558,7 @@
           <a:srgbClr val="000000"/>
         </a:buClr>
         <a:buFont typeface="Arial"/>
-        <a:defRPr b="0" i="0" sz="1400" u="none" cap="none" strike="noStrike">
+        <a:defRPr sz="1400" b="0" i="0" u="none" strike="noStrike" cap="none">
           <a:solidFill>
             <a:srgbClr val="000000"/>
           </a:solidFill>
@@ -6396,7 +6568,7 @@
           <a:sym typeface="Arial"/>
         </a:defRPr>
       </a:lvl5pPr>
-      <a:lvl6pPr lvl="5" marR="0" rtl="0" algn="l">
+      <a:lvl6pPr marR="0" lvl="5" algn="l" rtl="0">
         <a:lnSpc>
           <a:spcPct val="100000"/>
         </a:lnSpc>
@@ -6410,7 +6582,7 @@
           <a:srgbClr val="000000"/>
         </a:buClr>
         <a:buFont typeface="Arial"/>
-        <a:defRPr b="0" i="0" sz="1400" u="none" cap="none" strike="noStrike">
+        <a:defRPr sz="1400" b="0" i="0" u="none" strike="noStrike" cap="none">
           <a:solidFill>
             <a:srgbClr val="000000"/>
           </a:solidFill>
@@ -6420,7 +6592,7 @@
           <a:sym typeface="Arial"/>
         </a:defRPr>
       </a:lvl6pPr>
-      <a:lvl7pPr lvl="6" marR="0" rtl="0" algn="l">
+      <a:lvl7pPr marR="0" lvl="6" algn="l" rtl="0">
         <a:lnSpc>
           <a:spcPct val="100000"/>
         </a:lnSpc>
@@ -6434,7 +6606,7 @@
           <a:srgbClr val="000000"/>
         </a:buClr>
         <a:buFont typeface="Arial"/>
-        <a:defRPr b="0" i="0" sz="1400" u="none" cap="none" strike="noStrike">
+        <a:defRPr sz="1400" b="0" i="0" u="none" strike="noStrike" cap="none">
           <a:solidFill>
             <a:srgbClr val="000000"/>
           </a:solidFill>
@@ -6444,7 +6616,7 @@
           <a:sym typeface="Arial"/>
         </a:defRPr>
       </a:lvl7pPr>
-      <a:lvl8pPr lvl="7" marR="0" rtl="0" algn="l">
+      <a:lvl8pPr marR="0" lvl="7" algn="l" rtl="0">
         <a:lnSpc>
           <a:spcPct val="100000"/>
         </a:lnSpc>
@@ -6458,7 +6630,7 @@
           <a:srgbClr val="000000"/>
         </a:buClr>
         <a:buFont typeface="Arial"/>
-        <a:defRPr b="0" i="0" sz="1400" u="none" cap="none" strike="noStrike">
+        <a:defRPr sz="1400" b="0" i="0" u="none" strike="noStrike" cap="none">
           <a:solidFill>
             <a:srgbClr val="000000"/>
           </a:solidFill>
@@ -6468,7 +6640,7 @@
           <a:sym typeface="Arial"/>
         </a:defRPr>
       </a:lvl8pPr>
-      <a:lvl9pPr lvl="8" marR="0" rtl="0" algn="l">
+      <a:lvl9pPr marR="0" lvl="8" algn="l" rtl="0">
         <a:lnSpc>
           <a:spcPct val="100000"/>
         </a:lnSpc>
@@ -6482,7 +6654,7 @@
           <a:srgbClr val="000000"/>
         </a:buClr>
         <a:buFont typeface="Arial"/>
-        <a:defRPr b="0" i="0" sz="1400" u="none" cap="none" strike="noStrike">
+        <a:defRPr sz="1400" b="0" i="0" u="none" strike="noStrike" cap="none">
           <a:solidFill>
             <a:srgbClr val="000000"/>
           </a:solidFill>
@@ -6498,11 +6670,11 @@
 </file>
 
 <file path=ppt/slides/slide1.xml><?xml version="1.0" encoding="utf-8"?>
-<p:sld xmlns:a="http://schemas.openxmlformats.org/drawingml/2006/main" xmlns:r="http://schemas.openxmlformats.org/officeDocument/2006/relationships" xmlns:mc="http://schemas.openxmlformats.org/markup-compatibility/2006" xmlns:mv="urn:schemas-microsoft-com:mac:vml" xmlns:p="http://schemas.openxmlformats.org/presentationml/2006/main" xmlns:c="http://schemas.openxmlformats.org/drawingml/2006/chart" xmlns:dgm="http://schemas.openxmlformats.org/drawingml/2006/diagram" xmlns:o="urn:schemas-microsoft-com:office:office" xmlns:v="urn:schemas-microsoft-com:vml" xmlns:pvml="urn:schemas-microsoft-com:office:powerpoint" xmlns:com="http://schemas.openxmlformats.org/drawingml/2006/compatibility" xmlns:p14="http://schemas.microsoft.com/office/powerpoint/2010/main" xmlns:p15="http://schemas.microsoft.com/office/powerpoint/2012/main" xmlns:ahyp="http://schemas.microsoft.com/office/drawing/2018/hyperlinkcolor">
+<p:sld xmlns:a="http://schemas.openxmlformats.org/drawingml/2006/main" xmlns:r="http://schemas.openxmlformats.org/officeDocument/2006/relationships" xmlns:p="http://schemas.openxmlformats.org/presentationml/2006/main">
   <p:cSld>
     <p:spTree>
       <p:nvGrpSpPr>
-        <p:cNvPr id="53" name="Shape 53"/>
+        <p:cNvPr id="1" name="Shape 53"/>
         <p:cNvGrpSpPr/>
         <p:nvPr/>
       </p:nvGrpSpPr>
@@ -6517,7 +6689,9 @@
       <p:sp>
         <p:nvSpPr>
           <p:cNvPr id="54" name="Google Shape;54;p13"/>
-          <p:cNvSpPr txBox="1"/>
+          <p:cNvSpPr txBox="1">
+            <a:spLocks noGrp="1"/>
+          </p:cNvSpPr>
           <p:nvPr>
             <p:ph type="ctrTitle"/>
           </p:nvPr>
@@ -6532,12 +6706,12 @@
           </a:prstGeom>
         </p:spPr>
         <p:txBody>
-          <a:bodyPr anchorCtr="0" anchor="b" bIns="91425" lIns="91425" spcFirstLastPara="1" rIns="91425" wrap="square" tIns="91425">
+          <a:bodyPr spcFirstLastPara="1" wrap="square" lIns="91425" tIns="91425" rIns="91425" bIns="91425" anchor="b" anchorCtr="0">
             <a:normAutofit/>
           </a:bodyPr>
           <a:lstStyle/>
           <a:p>
-            <a:pPr indent="0" lvl="0" marL="0" rtl="0" algn="ctr">
+            <a:pPr marL="0" lvl="0" indent="0" algn="ctr" rtl="0">
               <a:spcBef>
                 <a:spcPts val="0"/>
               </a:spcBef>
@@ -6557,9 +6731,11 @@
       <p:sp>
         <p:nvSpPr>
           <p:cNvPr id="55" name="Google Shape;55;p13"/>
-          <p:cNvSpPr txBox="1"/>
+          <p:cNvSpPr txBox="1">
+            <a:spLocks noGrp="1"/>
+          </p:cNvSpPr>
           <p:nvPr>
-            <p:ph idx="1" type="subTitle"/>
+            <p:ph type="subTitle" idx="1"/>
           </p:nvPr>
         </p:nvSpPr>
         <p:spPr>
@@ -6572,12 +6748,12 @@
           </a:prstGeom>
         </p:spPr>
         <p:txBody>
-          <a:bodyPr anchorCtr="0" anchor="t" bIns="91425" lIns="91425" spcFirstLastPara="1" rIns="91425" wrap="square" tIns="91425">
+          <a:bodyPr spcFirstLastPara="1" wrap="square" lIns="91425" tIns="91425" rIns="91425" bIns="91425" anchor="t" anchorCtr="0">
             <a:normAutofit/>
           </a:bodyPr>
           <a:lstStyle/>
           <a:p>
-            <a:pPr indent="0" lvl="0" marL="0" rtl="0" algn="ctr">
+            <a:pPr marL="0" lvl="0" indent="0" algn="ctr" rtl="0">
               <a:spcBef>
                 <a:spcPts val="0"/>
               </a:spcBef>
@@ -6601,7 +6777,7 @@
             </a:endParaRPr>
           </a:p>
           <a:p>
-            <a:pPr indent="0" lvl="0" marL="0" rtl="0" algn="ctr">
+            <a:pPr marL="0" lvl="0" indent="0" algn="ctr" rtl="0">
               <a:spcBef>
                 <a:spcPts val="0"/>
               </a:spcBef>
@@ -6617,7 +6793,7 @@
             <a:endParaRPr sz="1800"/>
           </a:p>
           <a:p>
-            <a:pPr indent="0" lvl="0" marL="0" rtl="0" algn="ctr">
+            <a:pPr marL="0" lvl="0" indent="0" algn="ctr" rtl="0">
               <a:spcBef>
                 <a:spcPts val="0"/>
               </a:spcBef>
@@ -6633,7 +6809,7 @@
             <a:endParaRPr sz="1800"/>
           </a:p>
           <a:p>
-            <a:pPr indent="0" lvl="0" marL="0" rtl="0" algn="ctr">
+            <a:pPr marL="0" lvl="0" indent="0" algn="ctr" rtl="0">
               <a:spcBef>
                 <a:spcPts val="0"/>
               </a:spcBef>
@@ -6649,7 +6825,7 @@
             <a:endParaRPr sz="1800"/>
           </a:p>
           <a:p>
-            <a:pPr indent="0" lvl="0" marL="0" rtl="0" algn="ctr">
+            <a:pPr marL="0" lvl="0" indent="0" algn="ctr" rtl="0">
               <a:spcBef>
                 <a:spcPts val="0"/>
               </a:spcBef>
@@ -6675,11 +6851,11 @@
 </file>
 
 <file path=ppt/slides/slide10.xml><?xml version="1.0" encoding="utf-8"?>
-<p:sld xmlns:a="http://schemas.openxmlformats.org/drawingml/2006/main" xmlns:r="http://schemas.openxmlformats.org/officeDocument/2006/relationships" xmlns:mc="http://schemas.openxmlformats.org/markup-compatibility/2006" xmlns:mv="urn:schemas-microsoft-com:mac:vml" xmlns:p="http://schemas.openxmlformats.org/presentationml/2006/main" xmlns:c="http://schemas.openxmlformats.org/drawingml/2006/chart" xmlns:dgm="http://schemas.openxmlformats.org/drawingml/2006/diagram" xmlns:o="urn:schemas-microsoft-com:office:office" xmlns:v="urn:schemas-microsoft-com:vml" xmlns:pvml="urn:schemas-microsoft-com:office:powerpoint" xmlns:com="http://schemas.openxmlformats.org/drawingml/2006/compatibility" xmlns:p14="http://schemas.microsoft.com/office/powerpoint/2010/main" xmlns:p15="http://schemas.microsoft.com/office/powerpoint/2012/main" xmlns:ahyp="http://schemas.microsoft.com/office/drawing/2018/hyperlinkcolor">
+<p:sld xmlns:a="http://schemas.openxmlformats.org/drawingml/2006/main" xmlns:r="http://schemas.openxmlformats.org/officeDocument/2006/relationships" xmlns:p="http://schemas.openxmlformats.org/presentationml/2006/main">
   <p:cSld>
     <p:spTree>
       <p:nvGrpSpPr>
-        <p:cNvPr id="110" name="Shape 110"/>
+        <p:cNvPr id="1" name="Shape 110"/>
         <p:cNvGrpSpPr/>
         <p:nvPr/>
       </p:nvGrpSpPr>
@@ -6694,7 +6870,9 @@
       <p:sp>
         <p:nvSpPr>
           <p:cNvPr id="111" name="Google Shape;111;p22"/>
-          <p:cNvSpPr txBox="1"/>
+          <p:cNvSpPr txBox="1">
+            <a:spLocks noGrp="1"/>
+          </p:cNvSpPr>
           <p:nvPr>
             <p:ph type="title"/>
           </p:nvPr>
@@ -6709,12 +6887,12 @@
           </a:prstGeom>
         </p:spPr>
         <p:txBody>
-          <a:bodyPr anchorCtr="0" anchor="t" bIns="91425" lIns="91425" spcFirstLastPara="1" rIns="91425" wrap="square" tIns="91425">
+          <a:bodyPr spcFirstLastPara="1" wrap="square" lIns="91425" tIns="91425" rIns="91425" bIns="91425" anchor="t" anchorCtr="0">
             <a:normAutofit fontScale="90000"/>
           </a:bodyPr>
           <a:lstStyle/>
           <a:p>
-            <a:pPr indent="0" lvl="0" marL="0" rtl="0" algn="l">
+            <a:pPr marL="0" lvl="0" indent="0" algn="l" rtl="0">
               <a:spcBef>
                 <a:spcPts val="0"/>
               </a:spcBef>
@@ -6734,9 +6912,11 @@
       <p:sp>
         <p:nvSpPr>
           <p:cNvPr id="112" name="Google Shape;112;p22"/>
-          <p:cNvSpPr txBox="1"/>
+          <p:cNvSpPr txBox="1">
+            <a:spLocks noGrp="1"/>
+          </p:cNvSpPr>
           <p:nvPr>
-            <p:ph idx="1" type="body"/>
+            <p:ph type="body" idx="1"/>
           </p:nvPr>
         </p:nvSpPr>
         <p:spPr>
@@ -6749,12 +6929,12 @@
           </a:prstGeom>
         </p:spPr>
         <p:txBody>
-          <a:bodyPr anchorCtr="0" anchor="t" bIns="91425" lIns="91425" spcFirstLastPara="1" rIns="91425" wrap="square" tIns="91425">
+          <a:bodyPr spcFirstLastPara="1" wrap="square" lIns="91425" tIns="91425" rIns="91425" bIns="91425" anchor="t" anchorCtr="0">
             <a:noAutofit/>
           </a:bodyPr>
           <a:lstStyle/>
           <a:p>
-            <a:pPr indent="0" lvl="0" marL="0" rtl="0" algn="l">
+            <a:pPr marL="0" lvl="0" indent="0" algn="l" rtl="0">
               <a:spcBef>
                 <a:spcPts val="0"/>
               </a:spcBef>
@@ -6770,7 +6950,7 @@
             <a:endParaRPr sz="1500"/>
           </a:p>
           <a:p>
-            <a:pPr indent="0" lvl="0" marL="0" rtl="0" algn="l">
+            <a:pPr marL="0" lvl="0" indent="0" algn="l" rtl="0">
               <a:spcBef>
                 <a:spcPts val="1200"/>
               </a:spcBef>
@@ -6790,9 +6970,11 @@
       <p:sp>
         <p:nvSpPr>
           <p:cNvPr id="113" name="Google Shape;113;p22"/>
-          <p:cNvSpPr txBox="1"/>
+          <p:cNvSpPr txBox="1">
+            <a:spLocks noGrp="1"/>
+          </p:cNvSpPr>
           <p:nvPr>
-            <p:ph idx="2" type="body"/>
+            <p:ph type="body" idx="2"/>
           </p:nvPr>
         </p:nvSpPr>
         <p:spPr>
@@ -6805,12 +6987,12 @@
           </a:prstGeom>
         </p:spPr>
         <p:txBody>
-          <a:bodyPr anchorCtr="0" anchor="t" bIns="91425" lIns="91425" spcFirstLastPara="1" rIns="91425" wrap="square" tIns="91425">
+          <a:bodyPr spcFirstLastPara="1" wrap="square" lIns="91425" tIns="91425" rIns="91425" bIns="91425" anchor="t" anchorCtr="0">
             <a:normAutofit/>
           </a:bodyPr>
           <a:lstStyle/>
           <a:p>
-            <a:pPr indent="0" lvl="0" marL="0" rtl="0" algn="l">
+            <a:pPr marL="0" lvl="0" indent="0" algn="l" rtl="0">
               <a:spcBef>
                 <a:spcPts val="0"/>
               </a:spcBef>
@@ -6836,11 +7018,172 @@
 </file>
 
 <file path=ppt/slides/slide11.xml><?xml version="1.0" encoding="utf-8"?>
-<p:sld xmlns:a="http://schemas.openxmlformats.org/drawingml/2006/main" xmlns:r="http://schemas.openxmlformats.org/officeDocument/2006/relationships" xmlns:mc="http://schemas.openxmlformats.org/markup-compatibility/2006" xmlns:mv="urn:schemas-microsoft-com:mac:vml" xmlns:p="http://schemas.openxmlformats.org/presentationml/2006/main" xmlns:c="http://schemas.openxmlformats.org/drawingml/2006/chart" xmlns:dgm="http://schemas.openxmlformats.org/drawingml/2006/diagram" xmlns:o="urn:schemas-microsoft-com:office:office" xmlns:v="urn:schemas-microsoft-com:vml" xmlns:pvml="urn:schemas-microsoft-com:office:powerpoint" xmlns:com="http://schemas.openxmlformats.org/drawingml/2006/compatibility" xmlns:p14="http://schemas.microsoft.com/office/powerpoint/2010/main" xmlns:p15="http://schemas.microsoft.com/office/powerpoint/2012/main" xmlns:ahyp="http://schemas.microsoft.com/office/drawing/2018/hyperlinkcolor">
+<p:sld xmlns:a="http://schemas.openxmlformats.org/drawingml/2006/main" xmlns:r="http://schemas.openxmlformats.org/officeDocument/2006/relationships" xmlns:p="http://schemas.openxmlformats.org/presentationml/2006/main">
   <p:cSld>
     <p:spTree>
       <p:nvGrpSpPr>
-        <p:cNvPr id="117" name="Shape 117"/>
+        <p:cNvPr id="1" name=""/>
+        <p:cNvGrpSpPr/>
+        <p:nvPr/>
+      </p:nvGrpSpPr>
+      <p:grpSpPr>
+        <a:xfrm>
+          <a:off x="0" y="0"/>
+          <a:ext cx="0" cy="0"/>
+          <a:chOff x="0" y="0"/>
+          <a:chExt cx="0" cy="0"/>
+        </a:xfrm>
+      </p:grpSpPr>
+      <p:sp>
+        <p:nvSpPr>
+          <p:cNvPr id="2" name="Title 1">
+            <a:extLst>
+              <a:ext uri="{FF2B5EF4-FFF2-40B4-BE49-F238E27FC236}">
+                <a16:creationId xmlns:a16="http://schemas.microsoft.com/office/drawing/2014/main" id="{E6B6814A-F940-7147-A2AB-FB5CD474F0F7}"/>
+              </a:ext>
+            </a:extLst>
+          </p:cNvPr>
+          <p:cNvSpPr>
+            <a:spLocks noGrp="1"/>
+          </p:cNvSpPr>
+          <p:nvPr>
+            <p:ph type="title"/>
+          </p:nvPr>
+        </p:nvSpPr>
+        <p:spPr/>
+        <p:txBody>
+          <a:bodyPr>
+            <a:normAutofit fontScale="90000"/>
+          </a:bodyPr>
+          <a:lstStyle/>
+          <a:p>
+            <a:r>
+              <a:rPr lang="en-US" dirty="0"/>
+              <a:t>Burndown</a:t>
+            </a:r>
+          </a:p>
+        </p:txBody>
+      </p:sp>
+      <p:sp>
+        <p:nvSpPr>
+          <p:cNvPr id="3" name="Text Placeholder 2">
+            <a:extLst>
+              <a:ext uri="{FF2B5EF4-FFF2-40B4-BE49-F238E27FC236}">
+                <a16:creationId xmlns:a16="http://schemas.microsoft.com/office/drawing/2014/main" id="{200519EF-9167-EB45-9AFF-214134FE20C4}"/>
+              </a:ext>
+            </a:extLst>
+          </p:cNvPr>
+          <p:cNvSpPr>
+            <a:spLocks noGrp="1"/>
+          </p:cNvSpPr>
+          <p:nvPr>
+            <p:ph type="body" idx="1"/>
+          </p:nvPr>
+        </p:nvSpPr>
+        <p:spPr/>
+        <p:txBody>
+          <a:bodyPr/>
+          <a:lstStyle/>
+          <a:p>
+            <a:pPr marL="139700" indent="0">
+              <a:buNone/>
+            </a:pPr>
+            <a:endParaRPr lang="en-US" dirty="0"/>
+          </a:p>
+        </p:txBody>
+      </p:sp>
+      <p:sp>
+        <p:nvSpPr>
+          <p:cNvPr id="4" name="Text Placeholder 3">
+            <a:extLst>
+              <a:ext uri="{FF2B5EF4-FFF2-40B4-BE49-F238E27FC236}">
+                <a16:creationId xmlns:a16="http://schemas.microsoft.com/office/drawing/2014/main" id="{941F58D3-82A2-7B47-A9DE-0DB82E8362DF}"/>
+              </a:ext>
+            </a:extLst>
+          </p:cNvPr>
+          <p:cNvSpPr>
+            <a:spLocks noGrp="1"/>
+          </p:cNvSpPr>
+          <p:nvPr>
+            <p:ph type="body" idx="2"/>
+          </p:nvPr>
+        </p:nvSpPr>
+        <p:spPr>
+          <a:xfrm>
+            <a:off x="5987332" y="1152475"/>
+            <a:ext cx="2844968" cy="3416400"/>
+          </a:xfrm>
+        </p:spPr>
+        <p:txBody>
+          <a:bodyPr/>
+          <a:lstStyle/>
+          <a:p>
+            <a:pPr marL="139700" indent="0">
+              <a:buNone/>
+            </a:pPr>
+            <a:r>
+              <a:rPr lang="en-US" dirty="0"/>
+              <a:t>Per Task Outline and Burndown are defined in </a:t>
+            </a:r>
+            <a:r>
+              <a:rPr lang="en-US" dirty="0">
+                <a:hlinkClick r:id="rId2"/>
+              </a:rPr>
+              <a:t>Google Sheets</a:t>
+            </a:r>
+            <a:endParaRPr lang="en-US" dirty="0"/>
+          </a:p>
+        </p:txBody>
+      </p:sp>
+      <p:pic>
+        <p:nvPicPr>
+          <p:cNvPr id="6" name="Picture 5" descr="Chart, line chart&#10;&#10;Description automatically generated">
+            <a:extLst>
+              <a:ext uri="{FF2B5EF4-FFF2-40B4-BE49-F238E27FC236}">
+                <a16:creationId xmlns:a16="http://schemas.microsoft.com/office/drawing/2014/main" id="{DE957CE3-95E7-9C48-B6E8-417A45CD0046}"/>
+              </a:ext>
+            </a:extLst>
+          </p:cNvPr>
+          <p:cNvPicPr>
+            <a:picLocks noChangeAspect="1"/>
+          </p:cNvPicPr>
+          <p:nvPr/>
+        </p:nvPicPr>
+        <p:blipFill>
+          <a:blip r:embed="rId3"/>
+          <a:stretch>
+            <a:fillRect/>
+          </a:stretch>
+        </p:blipFill>
+        <p:spPr>
+          <a:xfrm>
+            <a:off x="311700" y="1152475"/>
+            <a:ext cx="5527055" cy="3416400"/>
+          </a:xfrm>
+          <a:prstGeom prst="rect">
+            <a:avLst/>
+          </a:prstGeom>
+        </p:spPr>
+      </p:pic>
+    </p:spTree>
+    <p:extLst>
+      <p:ext uri="{BB962C8B-B14F-4D97-AF65-F5344CB8AC3E}">
+        <p14:creationId xmlns:p14="http://schemas.microsoft.com/office/powerpoint/2010/main" val="465607101"/>
+      </p:ext>
+    </p:extLst>
+  </p:cSld>
+  <p:clrMapOvr>
+    <a:masterClrMapping/>
+  </p:clrMapOvr>
+</p:sld>
+</file>
+
+<file path=ppt/slides/slide12.xml><?xml version="1.0" encoding="utf-8"?>
+<p:sld xmlns:a="http://schemas.openxmlformats.org/drawingml/2006/main" xmlns:r="http://schemas.openxmlformats.org/officeDocument/2006/relationships" xmlns:p="http://schemas.openxmlformats.org/presentationml/2006/main">
+  <p:cSld>
+    <p:spTree>
+      <p:nvGrpSpPr>
+        <p:cNvPr id="1" name="Shape 117"/>
         <p:cNvGrpSpPr/>
         <p:nvPr/>
       </p:nvGrpSpPr>
@@ -6855,7 +7198,9 @@
       <p:sp>
         <p:nvSpPr>
           <p:cNvPr id="118" name="Google Shape;118;p23"/>
-          <p:cNvSpPr txBox="1"/>
+          <p:cNvSpPr txBox="1">
+            <a:spLocks noGrp="1"/>
+          </p:cNvSpPr>
           <p:nvPr>
             <p:ph type="title"/>
           </p:nvPr>
@@ -6870,12 +7215,12 @@
           </a:prstGeom>
         </p:spPr>
         <p:txBody>
-          <a:bodyPr anchorCtr="0" anchor="t" bIns="91425" lIns="91425" spcFirstLastPara="1" rIns="91425" wrap="square" tIns="91425">
+          <a:bodyPr spcFirstLastPara="1" wrap="square" lIns="91425" tIns="91425" rIns="91425" bIns="91425" anchor="t" anchorCtr="0">
             <a:normAutofit fontScale="90000"/>
           </a:bodyPr>
           <a:lstStyle/>
           <a:p>
-            <a:pPr indent="0" lvl="0" marL="0" rtl="0" algn="l">
+            <a:pPr marL="0" lvl="0" indent="0" algn="l" rtl="0">
               <a:spcBef>
                 <a:spcPts val="0"/>
               </a:spcBef>
@@ -6895,9 +7240,11 @@
       <p:sp>
         <p:nvSpPr>
           <p:cNvPr id="119" name="Google Shape;119;p23"/>
-          <p:cNvSpPr txBox="1"/>
+          <p:cNvSpPr txBox="1">
+            <a:spLocks noGrp="1"/>
+          </p:cNvSpPr>
           <p:nvPr>
-            <p:ph idx="1" type="body"/>
+            <p:ph type="body" idx="1"/>
           </p:nvPr>
         </p:nvSpPr>
         <p:spPr>
@@ -6910,12 +7257,12 @@
           </a:prstGeom>
         </p:spPr>
         <p:txBody>
-          <a:bodyPr anchorCtr="0" anchor="t" bIns="91425" lIns="91425" spcFirstLastPara="1" rIns="91425" wrap="square" tIns="91425">
-            <a:normAutofit fontScale="62500" lnSpcReduction="10000"/>
+          <a:bodyPr spcFirstLastPara="1" wrap="square" lIns="91425" tIns="91425" rIns="91425" bIns="91425" anchor="t" anchorCtr="0">
+            <a:normAutofit fontScale="70000" lnSpcReduction="20000"/>
           </a:bodyPr>
           <a:lstStyle/>
           <a:p>
-            <a:pPr indent="-300037" lvl="0" marL="457200" rtl="0" algn="l">
+            <a:pPr marL="457200" lvl="0" indent="-300037" algn="l" rtl="0">
               <a:spcBef>
                 <a:spcPts val="0"/>
               </a:spcBef>
@@ -6945,7 +7292,7 @@
             <a:endParaRPr/>
           </a:p>
           <a:p>
-            <a:pPr indent="0" lvl="0" marL="457200" rtl="0" algn="l">
+            <a:pPr marL="457200" lvl="0" indent="0" algn="l" rtl="0">
               <a:spcBef>
                 <a:spcPts val="1200"/>
               </a:spcBef>
@@ -6954,13 +7301,10 @@
               </a:spcAft>
               <a:buNone/>
             </a:pPr>
-            <a:r>
-              <a:t/>
-            </a:r>
-            <a:endParaRPr/>
-          </a:p>
-          <a:p>
-            <a:pPr indent="-300037" lvl="0" marL="457200" rtl="0" algn="l">
+            <a:endParaRPr/>
+          </a:p>
+          <a:p>
+            <a:pPr marL="457200" lvl="0" indent="-300037" algn="l" rtl="0">
               <a:spcBef>
                 <a:spcPts val="1200"/>
               </a:spcBef>
@@ -6990,7 +7334,7 @@
             <a:endParaRPr/>
           </a:p>
           <a:p>
-            <a:pPr indent="0" lvl="0" marL="457200" rtl="0" algn="l">
+            <a:pPr marL="457200" lvl="0" indent="0" algn="l" rtl="0">
               <a:spcBef>
                 <a:spcPts val="1200"/>
               </a:spcBef>
@@ -6999,13 +7343,10 @@
               </a:spcAft>
               <a:buNone/>
             </a:pPr>
-            <a:r>
-              <a:t/>
-            </a:r>
-            <a:endParaRPr/>
-          </a:p>
-          <a:p>
-            <a:pPr indent="-300037" lvl="0" marL="457200" rtl="0" algn="l">
+            <a:endParaRPr/>
+          </a:p>
+          <a:p>
+            <a:pPr marL="457200" lvl="0" indent="-300037" algn="l" rtl="0">
               <a:spcBef>
                 <a:spcPts val="1200"/>
               </a:spcBef>
@@ -7031,7 +7372,7 @@
             <a:endParaRPr/>
           </a:p>
           <a:p>
-            <a:pPr indent="0" lvl="0" marL="0" rtl="0" algn="l">
+            <a:pPr marL="0" lvl="0" indent="0" algn="l" rtl="0">
               <a:spcBef>
                 <a:spcPts val="1200"/>
               </a:spcBef>
@@ -7040,13 +7381,10 @@
               </a:spcAft>
               <a:buNone/>
             </a:pPr>
-            <a:r>
-              <a:t/>
-            </a:r>
-            <a:endParaRPr/>
-          </a:p>
-          <a:p>
-            <a:pPr indent="-300037" lvl="0" marL="457200" rtl="0" algn="l">
+            <a:endParaRPr/>
+          </a:p>
+          <a:p>
+            <a:pPr marL="457200" lvl="0" indent="-300037" algn="l" rtl="0">
               <a:spcBef>
                 <a:spcPts val="1200"/>
               </a:spcBef>
@@ -7076,7 +7414,7 @@
             <a:endParaRPr/>
           </a:p>
           <a:p>
-            <a:pPr indent="0" lvl="0" marL="457200" rtl="0" algn="l">
+            <a:pPr marL="457200" lvl="0" indent="0" algn="l" rtl="0">
               <a:spcBef>
                 <a:spcPts val="1200"/>
               </a:spcBef>
@@ -7085,13 +7423,10 @@
               </a:spcAft>
               <a:buNone/>
             </a:pPr>
-            <a:r>
-              <a:t/>
-            </a:r>
-            <a:endParaRPr/>
-          </a:p>
-          <a:p>
-            <a:pPr indent="-300037" lvl="0" marL="457200" rtl="0" algn="l">
+            <a:endParaRPr/>
+          </a:p>
+          <a:p>
+            <a:pPr marL="457200" lvl="0" indent="-300037" algn="l" rtl="0">
               <a:spcBef>
                 <a:spcPts val="1200"/>
               </a:spcBef>
@@ -7130,12 +7465,97 @@
 </p:sld>
 </file>
 
-<file path=ppt/slides/slide2.xml><?xml version="1.0" encoding="utf-8"?>
-<p:sld xmlns:a="http://schemas.openxmlformats.org/drawingml/2006/main" xmlns:r="http://schemas.openxmlformats.org/officeDocument/2006/relationships" xmlns:mc="http://schemas.openxmlformats.org/markup-compatibility/2006" xmlns:mv="urn:schemas-microsoft-com:mac:vml" xmlns:p="http://schemas.openxmlformats.org/presentationml/2006/main" xmlns:c="http://schemas.openxmlformats.org/drawingml/2006/chart" xmlns:dgm="http://schemas.openxmlformats.org/drawingml/2006/diagram" xmlns:o="urn:schemas-microsoft-com:office:office" xmlns:v="urn:schemas-microsoft-com:vml" xmlns:pvml="urn:schemas-microsoft-com:office:powerpoint" xmlns:com="http://schemas.openxmlformats.org/drawingml/2006/compatibility" xmlns:p14="http://schemas.microsoft.com/office/powerpoint/2010/main" xmlns:p15="http://schemas.microsoft.com/office/powerpoint/2012/main" xmlns:ahyp="http://schemas.microsoft.com/office/drawing/2018/hyperlinkcolor">
+<file path=ppt/slides/slide13.xml><?xml version="1.0" encoding="utf-8"?>
+<p:sld xmlns:a="http://schemas.openxmlformats.org/drawingml/2006/main" xmlns:r="http://schemas.openxmlformats.org/officeDocument/2006/relationships" xmlns:p="http://schemas.openxmlformats.org/presentationml/2006/main">
   <p:cSld>
     <p:spTree>
       <p:nvGrpSpPr>
-        <p:cNvPr id="59" name="Shape 59"/>
+        <p:cNvPr id="1" name=""/>
+        <p:cNvGrpSpPr/>
+        <p:nvPr/>
+      </p:nvGrpSpPr>
+      <p:grpSpPr>
+        <a:xfrm>
+          <a:off x="0" y="0"/>
+          <a:ext cx="0" cy="0"/>
+          <a:chOff x="0" y="0"/>
+          <a:chExt cx="0" cy="0"/>
+        </a:xfrm>
+      </p:grpSpPr>
+      <p:sp>
+        <p:nvSpPr>
+          <p:cNvPr id="2" name="Title 1">
+            <a:extLst>
+              <a:ext uri="{FF2B5EF4-FFF2-40B4-BE49-F238E27FC236}">
+                <a16:creationId xmlns:a16="http://schemas.microsoft.com/office/drawing/2014/main" id="{6BE8DAE3-3469-D04F-9652-8242533608B5}"/>
+              </a:ext>
+            </a:extLst>
+          </p:cNvPr>
+          <p:cNvSpPr>
+            <a:spLocks noGrp="1"/>
+          </p:cNvSpPr>
+          <p:nvPr>
+            <p:ph type="title"/>
+          </p:nvPr>
+        </p:nvSpPr>
+        <p:spPr/>
+        <p:txBody>
+          <a:bodyPr>
+            <a:normAutofit fontScale="90000"/>
+          </a:bodyPr>
+          <a:lstStyle/>
+          <a:p>
+            <a:r>
+              <a:rPr lang="en-US" dirty="0"/>
+              <a:t>Questions?</a:t>
+            </a:r>
+          </a:p>
+        </p:txBody>
+      </p:sp>
+      <p:sp>
+        <p:nvSpPr>
+          <p:cNvPr id="3" name="Text Placeholder 2">
+            <a:extLst>
+              <a:ext uri="{FF2B5EF4-FFF2-40B4-BE49-F238E27FC236}">
+                <a16:creationId xmlns:a16="http://schemas.microsoft.com/office/drawing/2014/main" id="{1AD67DE9-F825-0745-83C4-B4A52898D3A5}"/>
+              </a:ext>
+            </a:extLst>
+          </p:cNvPr>
+          <p:cNvSpPr>
+            <a:spLocks noGrp="1"/>
+          </p:cNvSpPr>
+          <p:nvPr>
+            <p:ph type="body" idx="1"/>
+          </p:nvPr>
+        </p:nvSpPr>
+        <p:spPr/>
+        <p:txBody>
+          <a:bodyPr/>
+          <a:lstStyle/>
+          <a:p>
+            <a:endParaRPr lang="en-US"/>
+          </a:p>
+        </p:txBody>
+      </p:sp>
+    </p:spTree>
+    <p:extLst>
+      <p:ext uri="{BB962C8B-B14F-4D97-AF65-F5344CB8AC3E}">
+        <p14:creationId xmlns:p14="http://schemas.microsoft.com/office/powerpoint/2010/main" val="368374048"/>
+      </p:ext>
+    </p:extLst>
+  </p:cSld>
+  <p:clrMapOvr>
+    <a:masterClrMapping/>
+  </p:clrMapOvr>
+</p:sld>
+</file>
+
+<file path=ppt/slides/slide2.xml><?xml version="1.0" encoding="utf-8"?>
+<p:sld xmlns:a="http://schemas.openxmlformats.org/drawingml/2006/main" xmlns:r="http://schemas.openxmlformats.org/officeDocument/2006/relationships" xmlns:p="http://schemas.openxmlformats.org/presentationml/2006/main">
+  <p:cSld>
+    <p:spTree>
+      <p:nvGrpSpPr>
+        <p:cNvPr id="1" name="Shape 59"/>
         <p:cNvGrpSpPr/>
         <p:nvPr/>
       </p:nvGrpSpPr>
@@ -7150,7 +7570,9 @@
       <p:sp>
         <p:nvSpPr>
           <p:cNvPr id="60" name="Google Shape;60;p14"/>
-          <p:cNvSpPr txBox="1"/>
+          <p:cNvSpPr txBox="1">
+            <a:spLocks noGrp="1"/>
+          </p:cNvSpPr>
           <p:nvPr>
             <p:ph type="title"/>
           </p:nvPr>
@@ -7165,12 +7587,12 @@
           </a:prstGeom>
         </p:spPr>
         <p:txBody>
-          <a:bodyPr anchorCtr="0" anchor="t" bIns="91425" lIns="91425" spcFirstLastPara="1" rIns="91425" wrap="square" tIns="91425">
+          <a:bodyPr spcFirstLastPara="1" wrap="square" lIns="91425" tIns="91425" rIns="91425" bIns="91425" anchor="t" anchorCtr="0">
             <a:normAutofit fontScale="90000"/>
           </a:bodyPr>
           <a:lstStyle/>
           <a:p>
-            <a:pPr indent="0" lvl="0" marL="0" rtl="0" algn="l">
+            <a:pPr marL="0" lvl="0" indent="0" algn="l" rtl="0">
               <a:spcBef>
                 <a:spcPts val="0"/>
               </a:spcBef>
@@ -7190,9 +7612,11 @@
       <p:sp>
         <p:nvSpPr>
           <p:cNvPr id="61" name="Google Shape;61;p14"/>
-          <p:cNvSpPr txBox="1"/>
+          <p:cNvSpPr txBox="1">
+            <a:spLocks noGrp="1"/>
+          </p:cNvSpPr>
           <p:nvPr>
-            <p:ph idx="1" type="body"/>
+            <p:ph type="body" idx="1"/>
           </p:nvPr>
         </p:nvSpPr>
         <p:spPr>
@@ -7205,12 +7629,12 @@
           </a:prstGeom>
         </p:spPr>
         <p:txBody>
-          <a:bodyPr anchorCtr="0" anchor="t" bIns="91425" lIns="91425" spcFirstLastPara="1" rIns="91425" wrap="square" tIns="91425">
+          <a:bodyPr spcFirstLastPara="1" wrap="square" lIns="91425" tIns="91425" rIns="91425" bIns="91425" anchor="t" anchorCtr="0">
             <a:normAutofit/>
           </a:bodyPr>
           <a:lstStyle/>
           <a:p>
-            <a:pPr indent="0" lvl="0" marL="0" rtl="0" algn="l">
+            <a:pPr marL="0" lvl="0" indent="0" algn="l" rtl="0">
               <a:spcBef>
                 <a:spcPts val="0"/>
               </a:spcBef>
@@ -7226,7 +7650,7 @@
             <a:endParaRPr/>
           </a:p>
           <a:p>
-            <a:pPr indent="-342900" lvl="0" marL="457200" rtl="0" algn="l">
+            <a:pPr marL="457200" lvl="0" indent="-342900" algn="l" rtl="0">
               <a:spcBef>
                 <a:spcPts val="1200"/>
               </a:spcBef>
@@ -7243,7 +7667,7 @@
             <a:endParaRPr/>
           </a:p>
           <a:p>
-            <a:pPr indent="-317500" lvl="1" marL="914400" rtl="0" algn="l">
+            <a:pPr marL="914400" lvl="1" indent="-317500" algn="l" rtl="0">
               <a:spcBef>
                 <a:spcPts val="0"/>
               </a:spcBef>
@@ -7260,7 +7684,7 @@
             <a:endParaRPr/>
           </a:p>
           <a:p>
-            <a:pPr indent="-342900" lvl="0" marL="457200" rtl="0" algn="l">
+            <a:pPr marL="457200" lvl="0" indent="-342900" algn="l" rtl="0">
               <a:spcBef>
                 <a:spcPts val="0"/>
               </a:spcBef>
@@ -7277,7 +7701,7 @@
             <a:endParaRPr/>
           </a:p>
           <a:p>
-            <a:pPr indent="-317500" lvl="1" marL="914400" rtl="0" algn="l">
+            <a:pPr marL="914400" lvl="1" indent="-317500" algn="l" rtl="0">
               <a:spcBef>
                 <a:spcPts val="0"/>
               </a:spcBef>
@@ -7294,7 +7718,7 @@
             <a:endParaRPr/>
           </a:p>
           <a:p>
-            <a:pPr indent="-342900" lvl="0" marL="457200" rtl="0" algn="l">
+            <a:pPr marL="457200" lvl="0" indent="-342900" algn="l" rtl="0">
               <a:spcBef>
                 <a:spcPts val="0"/>
               </a:spcBef>
@@ -7311,7 +7735,7 @@
             <a:endParaRPr/>
           </a:p>
           <a:p>
-            <a:pPr indent="-317500" lvl="1" marL="914400" rtl="0" algn="l">
+            <a:pPr marL="914400" lvl="1" indent="-317500" algn="l" rtl="0">
               <a:spcBef>
                 <a:spcPts val="0"/>
               </a:spcBef>
@@ -7338,11 +7762,11 @@
 </file>
 
 <file path=ppt/slides/slide3.xml><?xml version="1.0" encoding="utf-8"?>
-<p:sld xmlns:a="http://schemas.openxmlformats.org/drawingml/2006/main" xmlns:r="http://schemas.openxmlformats.org/officeDocument/2006/relationships" xmlns:mc="http://schemas.openxmlformats.org/markup-compatibility/2006" xmlns:mv="urn:schemas-microsoft-com:mac:vml" xmlns:p="http://schemas.openxmlformats.org/presentationml/2006/main" xmlns:c="http://schemas.openxmlformats.org/drawingml/2006/chart" xmlns:dgm="http://schemas.openxmlformats.org/drawingml/2006/diagram" xmlns:o="urn:schemas-microsoft-com:office:office" xmlns:v="urn:schemas-microsoft-com:vml" xmlns:pvml="urn:schemas-microsoft-com:office:powerpoint" xmlns:com="http://schemas.openxmlformats.org/drawingml/2006/compatibility" xmlns:p14="http://schemas.microsoft.com/office/powerpoint/2010/main" xmlns:p15="http://schemas.microsoft.com/office/powerpoint/2012/main" xmlns:ahyp="http://schemas.microsoft.com/office/drawing/2018/hyperlinkcolor">
+<p:sld xmlns:a="http://schemas.openxmlformats.org/drawingml/2006/main" xmlns:r="http://schemas.openxmlformats.org/officeDocument/2006/relationships" xmlns:p="http://schemas.openxmlformats.org/presentationml/2006/main">
   <p:cSld>
     <p:spTree>
       <p:nvGrpSpPr>
-        <p:cNvPr id="65" name="Shape 65"/>
+        <p:cNvPr id="1" name="Shape 65"/>
         <p:cNvGrpSpPr/>
         <p:nvPr/>
       </p:nvGrpSpPr>
@@ -7357,7 +7781,9 @@
       <p:sp>
         <p:nvSpPr>
           <p:cNvPr id="66" name="Google Shape;66;p15"/>
-          <p:cNvSpPr txBox="1"/>
+          <p:cNvSpPr txBox="1">
+            <a:spLocks noGrp="1"/>
+          </p:cNvSpPr>
           <p:nvPr>
             <p:ph type="title"/>
           </p:nvPr>
@@ -7372,12 +7798,12 @@
           </a:prstGeom>
         </p:spPr>
         <p:txBody>
-          <a:bodyPr anchorCtr="0" anchor="b" bIns="91425" lIns="91425" spcFirstLastPara="1" rIns="91425" wrap="square" tIns="91425">
+          <a:bodyPr spcFirstLastPara="1" wrap="square" lIns="91425" tIns="91425" rIns="91425" bIns="91425" anchor="b" anchorCtr="0">
             <a:normAutofit/>
           </a:bodyPr>
           <a:lstStyle/>
           <a:p>
-            <a:pPr indent="0" lvl="0" marL="0" rtl="0" algn="ctr">
+            <a:pPr marL="0" lvl="0" indent="0" algn="ctr" rtl="0">
               <a:spcBef>
                 <a:spcPts val="0"/>
               </a:spcBef>
@@ -7397,9 +7823,11 @@
       <p:sp>
         <p:nvSpPr>
           <p:cNvPr id="67" name="Google Shape;67;p15"/>
-          <p:cNvSpPr txBox="1"/>
+          <p:cNvSpPr txBox="1">
+            <a:spLocks noGrp="1"/>
+          </p:cNvSpPr>
           <p:nvPr>
-            <p:ph idx="1" type="subTitle"/>
+            <p:ph type="subTitle" idx="1"/>
           </p:nvPr>
         </p:nvSpPr>
         <p:spPr>
@@ -7412,12 +7840,12 @@
           </a:prstGeom>
         </p:spPr>
         <p:txBody>
-          <a:bodyPr anchorCtr="0" anchor="t" bIns="91425" lIns="91425" spcFirstLastPara="1" rIns="91425" wrap="square" tIns="91425">
+          <a:bodyPr spcFirstLastPara="1" wrap="square" lIns="91425" tIns="91425" rIns="91425" bIns="91425" anchor="t" anchorCtr="0">
             <a:normAutofit/>
           </a:bodyPr>
           <a:lstStyle/>
           <a:p>
-            <a:pPr indent="0" lvl="0" marL="0" rtl="0" algn="ctr">
+            <a:pPr marL="0" lvl="0" indent="0" algn="ctr" rtl="0">
               <a:spcBef>
                 <a:spcPts val="0"/>
               </a:spcBef>
@@ -7437,9 +7865,11 @@
       <p:sp>
         <p:nvSpPr>
           <p:cNvPr id="68" name="Google Shape;68;p15"/>
-          <p:cNvSpPr txBox="1"/>
+          <p:cNvSpPr txBox="1">
+            <a:spLocks noGrp="1"/>
+          </p:cNvSpPr>
           <p:nvPr>
-            <p:ph idx="2" type="body"/>
+            <p:ph type="body" idx="2"/>
           </p:nvPr>
         </p:nvSpPr>
         <p:spPr>
@@ -7452,12 +7882,12 @@
           </a:prstGeom>
         </p:spPr>
         <p:txBody>
-          <a:bodyPr anchorCtr="0" anchor="ctr" bIns="91425" lIns="91425" spcFirstLastPara="1" rIns="91425" wrap="square" tIns="91425">
+          <a:bodyPr spcFirstLastPara="1" wrap="square" lIns="91425" tIns="91425" rIns="91425" bIns="91425" anchor="ctr" anchorCtr="0">
             <a:normAutofit/>
           </a:bodyPr>
           <a:lstStyle/>
           <a:p>
-            <a:pPr indent="0" lvl="0" marL="0" rtl="0" algn="l">
+            <a:pPr marL="0" lvl="0" indent="0" algn="l" rtl="0">
               <a:spcBef>
                 <a:spcPts val="0"/>
               </a:spcBef>
@@ -7483,11 +7913,11 @@
 </file>
 
 <file path=ppt/slides/slide4.xml><?xml version="1.0" encoding="utf-8"?>
-<p:sld xmlns:a="http://schemas.openxmlformats.org/drawingml/2006/main" xmlns:r="http://schemas.openxmlformats.org/officeDocument/2006/relationships" xmlns:mc="http://schemas.openxmlformats.org/markup-compatibility/2006" xmlns:mv="urn:schemas-microsoft-com:mac:vml" xmlns:p="http://schemas.openxmlformats.org/presentationml/2006/main" xmlns:c="http://schemas.openxmlformats.org/drawingml/2006/chart" xmlns:dgm="http://schemas.openxmlformats.org/drawingml/2006/diagram" xmlns:o="urn:schemas-microsoft-com:office:office" xmlns:v="urn:schemas-microsoft-com:vml" xmlns:pvml="urn:schemas-microsoft-com:office:powerpoint" xmlns:com="http://schemas.openxmlformats.org/drawingml/2006/compatibility" xmlns:p14="http://schemas.microsoft.com/office/powerpoint/2010/main" xmlns:p15="http://schemas.microsoft.com/office/powerpoint/2012/main" xmlns:ahyp="http://schemas.microsoft.com/office/drawing/2018/hyperlinkcolor">
+<p:sld xmlns:a="http://schemas.openxmlformats.org/drawingml/2006/main" xmlns:r="http://schemas.openxmlformats.org/officeDocument/2006/relationships" xmlns:p="http://schemas.openxmlformats.org/presentationml/2006/main">
   <p:cSld>
     <p:spTree>
       <p:nvGrpSpPr>
-        <p:cNvPr id="72" name="Shape 72"/>
+        <p:cNvPr id="1" name="Shape 72"/>
         <p:cNvGrpSpPr/>
         <p:nvPr/>
       </p:nvGrpSpPr>
@@ -7502,7 +7932,9 @@
       <p:sp>
         <p:nvSpPr>
           <p:cNvPr id="73" name="Google Shape;73;p16"/>
-          <p:cNvSpPr txBox="1"/>
+          <p:cNvSpPr txBox="1">
+            <a:spLocks noGrp="1"/>
+          </p:cNvSpPr>
           <p:nvPr>
             <p:ph type="title"/>
           </p:nvPr>
@@ -7517,12 +7949,12 @@
           </a:prstGeom>
         </p:spPr>
         <p:txBody>
-          <a:bodyPr anchorCtr="0" anchor="t" bIns="91425" lIns="91425" spcFirstLastPara="1" rIns="91425" wrap="square" tIns="91425">
+          <a:bodyPr spcFirstLastPara="1" wrap="square" lIns="91425" tIns="91425" rIns="91425" bIns="91425" anchor="t" anchorCtr="0">
             <a:normAutofit fontScale="90000"/>
           </a:bodyPr>
           <a:lstStyle/>
           <a:p>
-            <a:pPr indent="0" lvl="0" marL="0" rtl="0" algn="l">
+            <a:pPr marL="0" lvl="0" indent="0" algn="l" rtl="0">
               <a:spcBef>
                 <a:spcPts val="0"/>
               </a:spcBef>
@@ -7542,9 +7974,11 @@
       <p:sp>
         <p:nvSpPr>
           <p:cNvPr id="74" name="Google Shape;74;p16"/>
-          <p:cNvSpPr txBox="1"/>
+          <p:cNvSpPr txBox="1">
+            <a:spLocks noGrp="1"/>
+          </p:cNvSpPr>
           <p:nvPr>
-            <p:ph idx="1" type="body"/>
+            <p:ph type="body" idx="1"/>
           </p:nvPr>
         </p:nvSpPr>
         <p:spPr>
@@ -7557,12 +7991,12 @@
           </a:prstGeom>
         </p:spPr>
         <p:txBody>
-          <a:bodyPr anchorCtr="0" anchor="t" bIns="91425" lIns="91425" spcFirstLastPara="1" rIns="91425" wrap="square" tIns="91425">
-            <a:normAutofit lnSpcReduction="10000"/>
+          <a:bodyPr spcFirstLastPara="1" wrap="square" lIns="91425" tIns="91425" rIns="91425" bIns="91425" anchor="t" anchorCtr="0">
+            <a:normAutofit fontScale="92500" lnSpcReduction="10000"/>
           </a:bodyPr>
           <a:lstStyle/>
           <a:p>
-            <a:pPr indent="0" lvl="0" marL="0" rtl="0" algn="l">
+            <a:pPr marL="0" lvl="0" indent="0" algn="l" rtl="0">
               <a:spcBef>
                 <a:spcPts val="0"/>
               </a:spcBef>
@@ -7578,7 +8012,7 @@
             <a:endParaRPr/>
           </a:p>
           <a:p>
-            <a:pPr indent="-342900" lvl="0" marL="457200" rtl="0" algn="l">
+            <a:pPr marL="457200" lvl="0" indent="-342900" algn="l" rtl="0">
               <a:spcBef>
                 <a:spcPts val="1200"/>
               </a:spcBef>
@@ -7595,7 +8029,7 @@
             <a:endParaRPr/>
           </a:p>
           <a:p>
-            <a:pPr indent="-342900" lvl="0" marL="457200" rtl="0" algn="l">
+            <a:pPr marL="457200" lvl="0" indent="-342900" algn="l" rtl="0">
               <a:spcBef>
                 <a:spcPts val="0"/>
               </a:spcBef>
@@ -7612,7 +8046,7 @@
             <a:endParaRPr/>
           </a:p>
           <a:p>
-            <a:pPr indent="-342900" lvl="0" marL="457200" rtl="0" algn="l">
+            <a:pPr marL="457200" lvl="0" indent="-342900" algn="l" rtl="0">
               <a:spcBef>
                 <a:spcPts val="0"/>
               </a:spcBef>
@@ -7629,7 +8063,7 @@
             <a:endParaRPr/>
           </a:p>
           <a:p>
-            <a:pPr indent="0" lvl="0" marL="0" rtl="0" algn="l">
+            <a:pPr marL="0" lvl="0" indent="0" algn="l" rtl="0">
               <a:spcBef>
                 <a:spcPts val="1200"/>
               </a:spcBef>
@@ -7640,23 +8074,7 @@
             </a:pPr>
             <a:r>
               <a:rPr lang="en"/>
-              <a:t>Each of the default users is assigned a single group that exhibits some of the core functionality the Companion provides. The manager is a member of the Manager group, t</a:t>
-            </a:r>
-            <a:r>
-              <a:rPr lang="en"/>
-              <a:t>he drinkster is a member of the Drink Meister group </a:t>
-            </a:r>
-            <a:r>
-              <a:rPr lang="en"/>
-              <a:t>and </a:t>
-            </a:r>
-            <a:r>
-              <a:rPr lang="en"/>
-              <a:t>he sponsor is a member of the Sponsor group. Each group </a:t>
-            </a:r>
-            <a:r>
-              <a:rPr lang="en"/>
-              <a:t>holds all permissions assigned to that station.</a:t>
+              <a:t>Each of the default users is assigned a single group that exhibits some of the core functionality the Companion provides. The manager is a member of the Manager group, the drinkster is a member of the Drink Meister group and he sponsor is a member of the Sponsor group. Each group holds all permissions assigned to that station.</a:t>
             </a:r>
             <a:endParaRPr/>
           </a:p>
@@ -7671,11 +8089,11 @@
 </file>
 
 <file path=ppt/slides/slide5.xml><?xml version="1.0" encoding="utf-8"?>
-<p:sld xmlns:a="http://schemas.openxmlformats.org/drawingml/2006/main" xmlns:r="http://schemas.openxmlformats.org/officeDocument/2006/relationships" xmlns:mc="http://schemas.openxmlformats.org/markup-compatibility/2006" xmlns:mv="urn:schemas-microsoft-com:mac:vml" xmlns:p="http://schemas.openxmlformats.org/presentationml/2006/main" xmlns:c="http://schemas.openxmlformats.org/drawingml/2006/chart" xmlns:dgm="http://schemas.openxmlformats.org/drawingml/2006/diagram" xmlns:o="urn:schemas-microsoft-com:office:office" xmlns:v="urn:schemas-microsoft-com:vml" xmlns:pvml="urn:schemas-microsoft-com:office:powerpoint" xmlns:com="http://schemas.openxmlformats.org/drawingml/2006/compatibility" xmlns:p14="http://schemas.microsoft.com/office/powerpoint/2010/main" xmlns:p15="http://schemas.microsoft.com/office/powerpoint/2012/main" xmlns:ahyp="http://schemas.microsoft.com/office/drawing/2018/hyperlinkcolor">
+<p:sld xmlns:a="http://schemas.openxmlformats.org/drawingml/2006/main" xmlns:r="http://schemas.openxmlformats.org/officeDocument/2006/relationships" xmlns:p="http://schemas.openxmlformats.org/presentationml/2006/main">
   <p:cSld>
     <p:spTree>
       <p:nvGrpSpPr>
-        <p:cNvPr id="78" name="Shape 78"/>
+        <p:cNvPr id="1" name="Shape 78"/>
         <p:cNvGrpSpPr/>
         <p:nvPr/>
       </p:nvGrpSpPr>
@@ -7690,7 +8108,9 @@
       <p:sp>
         <p:nvSpPr>
           <p:cNvPr id="79" name="Google Shape;79;p17"/>
-          <p:cNvSpPr txBox="1"/>
+          <p:cNvSpPr txBox="1">
+            <a:spLocks noGrp="1"/>
+          </p:cNvSpPr>
           <p:nvPr>
             <p:ph type="title"/>
           </p:nvPr>
@@ -7705,12 +8125,12 @@
           </a:prstGeom>
         </p:spPr>
         <p:txBody>
-          <a:bodyPr anchorCtr="0" anchor="t" bIns="91425" lIns="91425" spcFirstLastPara="1" rIns="91425" wrap="square" tIns="91425">
+          <a:bodyPr spcFirstLastPara="1" wrap="square" lIns="91425" tIns="91425" rIns="91425" bIns="91425" anchor="t" anchorCtr="0">
             <a:normAutofit fontScale="90000"/>
           </a:bodyPr>
           <a:lstStyle/>
           <a:p>
-            <a:pPr indent="0" lvl="0" marL="0" rtl="0" algn="l">
+            <a:pPr marL="0" lvl="0" indent="0" algn="l" rtl="0">
               <a:spcBef>
                 <a:spcPts val="0"/>
               </a:spcBef>
@@ -7730,9 +8150,11 @@
       <p:sp>
         <p:nvSpPr>
           <p:cNvPr id="80" name="Google Shape;80;p17"/>
-          <p:cNvSpPr txBox="1"/>
+          <p:cNvSpPr txBox="1">
+            <a:spLocks noGrp="1"/>
+          </p:cNvSpPr>
           <p:nvPr>
-            <p:ph idx="1" type="body"/>
+            <p:ph type="body" idx="1"/>
           </p:nvPr>
         </p:nvSpPr>
         <p:spPr>
@@ -7745,12 +8167,12 @@
           </a:prstGeom>
         </p:spPr>
         <p:txBody>
-          <a:bodyPr anchorCtr="0" anchor="t" bIns="91425" lIns="91425" spcFirstLastPara="1" rIns="91425" wrap="square" tIns="91425">
+          <a:bodyPr spcFirstLastPara="1" wrap="square" lIns="91425" tIns="91425" rIns="91425" bIns="91425" anchor="t" anchorCtr="0">
             <a:normAutofit/>
           </a:bodyPr>
           <a:lstStyle/>
           <a:p>
-            <a:pPr indent="0" lvl="0" marL="0" rtl="0" algn="l">
+            <a:pPr marL="0" lvl="0" indent="0" algn="l" rtl="0">
               <a:spcBef>
                 <a:spcPts val="0"/>
               </a:spcBef>
@@ -7766,7 +8188,7 @@
             <a:endParaRPr/>
           </a:p>
           <a:p>
-            <a:pPr indent="0" lvl="0" marL="0" rtl="0" algn="l">
+            <a:pPr marL="0" lvl="0" indent="0" algn="l" rtl="0">
               <a:spcBef>
                 <a:spcPts val="1200"/>
               </a:spcBef>
@@ -7782,7 +8204,7 @@
             <a:endParaRPr/>
           </a:p>
           <a:p>
-            <a:pPr indent="0" lvl="0" marL="0" rtl="0" algn="l">
+            <a:pPr marL="0" lvl="0" indent="0" algn="l" rtl="0">
               <a:spcBef>
                 <a:spcPts val="1200"/>
               </a:spcBef>
@@ -7808,11 +8230,11 @@
 </file>
 
 <file path=ppt/slides/slide6.xml><?xml version="1.0" encoding="utf-8"?>
-<p:sld xmlns:a="http://schemas.openxmlformats.org/drawingml/2006/main" xmlns:r="http://schemas.openxmlformats.org/officeDocument/2006/relationships" xmlns:mc="http://schemas.openxmlformats.org/markup-compatibility/2006" xmlns:mv="urn:schemas-microsoft-com:mac:vml" xmlns:p="http://schemas.openxmlformats.org/presentationml/2006/main" xmlns:c="http://schemas.openxmlformats.org/drawingml/2006/chart" xmlns:dgm="http://schemas.openxmlformats.org/drawingml/2006/diagram" xmlns:o="urn:schemas-microsoft-com:office:office" xmlns:v="urn:schemas-microsoft-com:vml" xmlns:pvml="urn:schemas-microsoft-com:office:powerpoint" xmlns:com="http://schemas.openxmlformats.org/drawingml/2006/compatibility" xmlns:p14="http://schemas.microsoft.com/office/powerpoint/2010/main" xmlns:p15="http://schemas.microsoft.com/office/powerpoint/2012/main" xmlns:ahyp="http://schemas.microsoft.com/office/drawing/2018/hyperlinkcolor">
+<p:sld xmlns:a="http://schemas.openxmlformats.org/drawingml/2006/main" xmlns:r="http://schemas.openxmlformats.org/officeDocument/2006/relationships" xmlns:p="http://schemas.openxmlformats.org/presentationml/2006/main">
   <p:cSld>
     <p:spTree>
       <p:nvGrpSpPr>
-        <p:cNvPr id="84" name="Shape 84"/>
+        <p:cNvPr id="1" name="Shape 84"/>
         <p:cNvGrpSpPr/>
         <p:nvPr/>
       </p:nvGrpSpPr>
@@ -7827,7 +8249,9 @@
       <p:sp>
         <p:nvSpPr>
           <p:cNvPr id="85" name="Google Shape;85;p18"/>
-          <p:cNvSpPr txBox="1"/>
+          <p:cNvSpPr txBox="1">
+            <a:spLocks noGrp="1"/>
+          </p:cNvSpPr>
           <p:nvPr>
             <p:ph type="title"/>
           </p:nvPr>
@@ -7842,12 +8266,12 @@
           </a:prstGeom>
         </p:spPr>
         <p:txBody>
-          <a:bodyPr anchorCtr="0" anchor="t" bIns="91425" lIns="91425" spcFirstLastPara="1" rIns="91425" wrap="square" tIns="91425">
+          <a:bodyPr spcFirstLastPara="1" wrap="square" lIns="91425" tIns="91425" rIns="91425" bIns="91425" anchor="t" anchorCtr="0">
             <a:normAutofit fontScale="90000"/>
           </a:bodyPr>
           <a:lstStyle/>
           <a:p>
-            <a:pPr indent="0" lvl="0" marL="0" rtl="0" algn="l">
+            <a:pPr marL="0" lvl="0" indent="0" algn="l" rtl="0">
               <a:spcBef>
                 <a:spcPts val="0"/>
               </a:spcBef>
@@ -7867,9 +8291,11 @@
       <p:sp>
         <p:nvSpPr>
           <p:cNvPr id="86" name="Google Shape;86;p18"/>
-          <p:cNvSpPr txBox="1"/>
+          <p:cNvSpPr txBox="1">
+            <a:spLocks noGrp="1"/>
+          </p:cNvSpPr>
           <p:nvPr>
-            <p:ph idx="1" type="body"/>
+            <p:ph type="body" idx="1"/>
           </p:nvPr>
         </p:nvSpPr>
         <p:spPr>
@@ -7882,12 +8308,12 @@
           </a:prstGeom>
         </p:spPr>
         <p:txBody>
-          <a:bodyPr anchorCtr="0" anchor="t" bIns="91425" lIns="91425" spcFirstLastPara="1" rIns="91425" wrap="square" tIns="91425">
+          <a:bodyPr spcFirstLastPara="1" wrap="square" lIns="91425" tIns="91425" rIns="91425" bIns="91425" anchor="t" anchorCtr="0">
             <a:normAutofit/>
           </a:bodyPr>
           <a:lstStyle/>
           <a:p>
-            <a:pPr indent="0" lvl="0" marL="0" rtl="0" algn="l">
+            <a:pPr marL="0" lvl="0" indent="0" algn="l" rtl="0">
               <a:spcBef>
                 <a:spcPts val="0"/>
               </a:spcBef>
@@ -7897,13 +8323,13 @@
               <a:buNone/>
             </a:pPr>
             <a:r>
-              <a:rPr b="1" lang="en" sz="1600"/>
+              <a:rPr lang="en" sz="1600" b="1"/>
               <a:t>Managers</a:t>
             </a:r>
-            <a:endParaRPr b="1" sz="1600"/>
-          </a:p>
-          <a:p>
-            <a:pPr indent="-317500" lvl="0" marL="457200" rtl="0" algn="l">
+            <a:endParaRPr sz="1600" b="1"/>
+          </a:p>
+          <a:p>
+            <a:pPr marL="457200" lvl="0" indent="-317500" algn="l" rtl="0">
               <a:spcBef>
                 <a:spcPts val="1200"/>
               </a:spcBef>
@@ -7920,7 +8346,7 @@
             <a:endParaRPr/>
           </a:p>
           <a:p>
-            <a:pPr indent="-317500" lvl="0" marL="457200" rtl="0" algn="l">
+            <a:pPr marL="457200" lvl="0" indent="-317500" algn="l" rtl="0">
               <a:spcBef>
                 <a:spcPts val="0"/>
               </a:spcBef>
@@ -7937,7 +8363,7 @@
             <a:endParaRPr/>
           </a:p>
           <a:p>
-            <a:pPr indent="-317500" lvl="0" marL="457200" rtl="0" algn="l">
+            <a:pPr marL="457200" lvl="0" indent="-317500" algn="l" rtl="0">
               <a:spcBef>
                 <a:spcPts val="0"/>
               </a:spcBef>
@@ -7954,7 +8380,7 @@
             <a:endParaRPr/>
           </a:p>
           <a:p>
-            <a:pPr indent="-317500" lvl="0" marL="457200" rtl="0" algn="l">
+            <a:pPr marL="457200" lvl="0" indent="-317500" algn="l" rtl="0">
               <a:spcBef>
                 <a:spcPts val="0"/>
               </a:spcBef>
@@ -7971,7 +8397,7 @@
             <a:endParaRPr/>
           </a:p>
           <a:p>
-            <a:pPr indent="-317500" lvl="0" marL="457200" rtl="0" algn="l">
+            <a:pPr marL="457200" lvl="0" indent="-317500" algn="l" rtl="0">
               <a:spcBef>
                 <a:spcPts val="0"/>
               </a:spcBef>
@@ -7992,9 +8418,11 @@
       <p:sp>
         <p:nvSpPr>
           <p:cNvPr id="87" name="Google Shape;87;p18"/>
-          <p:cNvSpPr txBox="1"/>
+          <p:cNvSpPr txBox="1">
+            <a:spLocks noGrp="1"/>
+          </p:cNvSpPr>
           <p:nvPr>
-            <p:ph idx="2" type="body"/>
+            <p:ph type="body" idx="2"/>
           </p:nvPr>
         </p:nvSpPr>
         <p:spPr>
@@ -8007,12 +8435,12 @@
           </a:prstGeom>
         </p:spPr>
         <p:txBody>
-          <a:bodyPr anchorCtr="0" anchor="t" bIns="91425" lIns="91425" spcFirstLastPara="1" rIns="91425" wrap="square" tIns="91425">
+          <a:bodyPr spcFirstLastPara="1" wrap="square" lIns="91425" tIns="91425" rIns="91425" bIns="91425" anchor="t" anchorCtr="0">
             <a:normAutofit/>
           </a:bodyPr>
           <a:lstStyle/>
           <a:p>
-            <a:pPr indent="0" lvl="0" marL="0" rtl="0" algn="l">
+            <a:pPr marL="0" lvl="0" indent="0" algn="l" rtl="0">
               <a:spcBef>
                 <a:spcPts val="0"/>
               </a:spcBef>
@@ -8022,13 +8450,13 @@
               <a:buNone/>
             </a:pPr>
             <a:r>
-              <a:rPr b="1" lang="en" sz="1600"/>
+              <a:rPr lang="en" sz="1600" b="1"/>
               <a:t>Sponsors</a:t>
             </a:r>
-            <a:endParaRPr b="1" sz="1600"/>
-          </a:p>
-          <a:p>
-            <a:pPr indent="-317500" lvl="0" marL="457200" rtl="0" algn="l">
+            <a:endParaRPr sz="1600" b="1"/>
+          </a:p>
+          <a:p>
+            <a:pPr marL="457200" lvl="0" indent="-317500" algn="l" rtl="0">
               <a:spcBef>
                 <a:spcPts val="1200"/>
               </a:spcBef>
@@ -8045,7 +8473,7 @@
             <a:endParaRPr/>
           </a:p>
           <a:p>
-            <a:pPr indent="-317500" lvl="0" marL="457200" rtl="0" algn="l">
+            <a:pPr marL="457200" lvl="0" indent="-317500" algn="l" rtl="0">
               <a:spcBef>
                 <a:spcPts val="0"/>
               </a:spcBef>
@@ -8062,7 +8490,7 @@
             <a:endParaRPr/>
           </a:p>
           <a:p>
-            <a:pPr indent="-317500" lvl="0" marL="457200" rtl="0" algn="l">
+            <a:pPr marL="457200" lvl="0" indent="-317500" algn="l" rtl="0">
               <a:spcBef>
                 <a:spcPts val="0"/>
               </a:spcBef>
@@ -8083,9 +8511,11 @@
       <p:sp>
         <p:nvSpPr>
           <p:cNvPr id="88" name="Google Shape;88;p18"/>
-          <p:cNvSpPr txBox="1"/>
+          <p:cNvSpPr txBox="1">
+            <a:spLocks noGrp="1"/>
+          </p:cNvSpPr>
           <p:nvPr>
-            <p:ph idx="1" type="body"/>
+            <p:ph type="body" idx="1"/>
           </p:nvPr>
         </p:nvSpPr>
         <p:spPr>
@@ -8098,12 +8528,12 @@
           </a:prstGeom>
         </p:spPr>
         <p:txBody>
-          <a:bodyPr anchorCtr="0" anchor="t" bIns="91425" lIns="91425" spcFirstLastPara="1" rIns="91425" wrap="square" tIns="91425">
+          <a:bodyPr spcFirstLastPara="1" wrap="square" lIns="91425" tIns="91425" rIns="91425" bIns="91425" anchor="t" anchorCtr="0">
             <a:normAutofit/>
           </a:bodyPr>
           <a:lstStyle/>
           <a:p>
-            <a:pPr indent="0" lvl="0" marL="0" rtl="0" algn="l">
+            <a:pPr marL="0" lvl="0" indent="0" algn="l" rtl="0">
               <a:spcBef>
                 <a:spcPts val="0"/>
               </a:spcBef>
@@ -8113,13 +8543,13 @@
               <a:buNone/>
             </a:pPr>
             <a:r>
-              <a:rPr b="1" lang="en" sz="1600"/>
+              <a:rPr lang="en" sz="1600" b="1"/>
               <a:t>Drink Meisters</a:t>
             </a:r>
-            <a:endParaRPr b="1" sz="1600"/>
-          </a:p>
-          <a:p>
-            <a:pPr indent="-317500" lvl="0" marL="457200" rtl="0" algn="l">
+            <a:endParaRPr sz="1600" b="1"/>
+          </a:p>
+          <a:p>
+            <a:pPr marL="457200" lvl="0" indent="-317500" algn="l" rtl="0">
               <a:spcBef>
                 <a:spcPts val="1200"/>
               </a:spcBef>
@@ -8136,7 +8566,7 @@
             <a:endParaRPr/>
           </a:p>
           <a:p>
-            <a:pPr indent="-317500" lvl="0" marL="457200" rtl="0" algn="l">
+            <a:pPr marL="457200" lvl="0" indent="-317500" algn="l" rtl="0">
               <a:spcBef>
                 <a:spcPts val="0"/>
               </a:spcBef>
@@ -8153,7 +8583,7 @@
             <a:endParaRPr/>
           </a:p>
           <a:p>
-            <a:pPr indent="-317500" lvl="0" marL="457200" rtl="0" algn="l">
+            <a:pPr marL="457200" lvl="0" indent="-317500" algn="l" rtl="0">
               <a:spcBef>
                 <a:spcPts val="0"/>
               </a:spcBef>
@@ -8180,11 +8610,11 @@
 </file>
 
 <file path=ppt/slides/slide7.xml><?xml version="1.0" encoding="utf-8"?>
-<p:sld xmlns:a="http://schemas.openxmlformats.org/drawingml/2006/main" xmlns:r="http://schemas.openxmlformats.org/officeDocument/2006/relationships" xmlns:mc="http://schemas.openxmlformats.org/markup-compatibility/2006" xmlns:mv="urn:schemas-microsoft-com:mac:vml" xmlns:p="http://schemas.openxmlformats.org/presentationml/2006/main" xmlns:c="http://schemas.openxmlformats.org/drawingml/2006/chart" xmlns:dgm="http://schemas.openxmlformats.org/drawingml/2006/diagram" xmlns:o="urn:schemas-microsoft-com:office:office" xmlns:v="urn:schemas-microsoft-com:vml" xmlns:pvml="urn:schemas-microsoft-com:office:powerpoint" xmlns:com="http://schemas.openxmlformats.org/drawingml/2006/compatibility" xmlns:p14="http://schemas.microsoft.com/office/powerpoint/2010/main" xmlns:p15="http://schemas.microsoft.com/office/powerpoint/2012/main" xmlns:ahyp="http://schemas.microsoft.com/office/drawing/2018/hyperlinkcolor">
+<p:sld xmlns:a="http://schemas.openxmlformats.org/drawingml/2006/main" xmlns:r="http://schemas.openxmlformats.org/officeDocument/2006/relationships" xmlns:p="http://schemas.openxmlformats.org/presentationml/2006/main">
   <p:cSld>
     <p:spTree>
       <p:nvGrpSpPr>
-        <p:cNvPr id="92" name="Shape 92"/>
+        <p:cNvPr id="1" name="Shape 92"/>
         <p:cNvGrpSpPr/>
         <p:nvPr/>
       </p:nvGrpSpPr>
@@ -8199,7 +8629,9 @@
       <p:sp>
         <p:nvSpPr>
           <p:cNvPr id="93" name="Google Shape;93;p19"/>
-          <p:cNvSpPr txBox="1"/>
+          <p:cNvSpPr txBox="1">
+            <a:spLocks noGrp="1"/>
+          </p:cNvSpPr>
           <p:nvPr>
             <p:ph type="title"/>
           </p:nvPr>
@@ -8214,12 +8646,12 @@
           </a:prstGeom>
         </p:spPr>
         <p:txBody>
-          <a:bodyPr anchorCtr="0" anchor="t" bIns="91425" lIns="91425" spcFirstLastPara="1" rIns="91425" wrap="square" tIns="91425">
+          <a:bodyPr spcFirstLastPara="1" wrap="square" lIns="91425" tIns="91425" rIns="91425" bIns="91425" anchor="t" anchorCtr="0">
             <a:normAutofit fontScale="90000"/>
           </a:bodyPr>
           <a:lstStyle/>
           <a:p>
-            <a:pPr indent="0" lvl="0" marL="0" rtl="0" algn="l">
+            <a:pPr marL="0" lvl="0" indent="0" algn="l" rtl="0">
               <a:spcBef>
                 <a:spcPts val="0"/>
               </a:spcBef>
@@ -8239,9 +8671,11 @@
       <p:sp>
         <p:nvSpPr>
           <p:cNvPr id="94" name="Google Shape;94;p19"/>
-          <p:cNvSpPr txBox="1"/>
+          <p:cNvSpPr txBox="1">
+            <a:spLocks noGrp="1"/>
+          </p:cNvSpPr>
           <p:nvPr>
-            <p:ph idx="1" type="body"/>
+            <p:ph type="body" idx="1"/>
           </p:nvPr>
         </p:nvSpPr>
         <p:spPr>
@@ -8254,12 +8688,12 @@
           </a:prstGeom>
         </p:spPr>
         <p:txBody>
-          <a:bodyPr anchorCtr="0" anchor="t" bIns="91425" lIns="91425" spcFirstLastPara="1" rIns="91425" wrap="square" tIns="91425">
+          <a:bodyPr spcFirstLastPara="1" wrap="square" lIns="91425" tIns="91425" rIns="91425" bIns="91425" anchor="t" anchorCtr="0">
             <a:normAutofit/>
           </a:bodyPr>
           <a:lstStyle/>
           <a:p>
-            <a:pPr indent="0" lvl="0" marL="0" rtl="0" algn="l">
+            <a:pPr marL="0" lvl="0" indent="0" algn="l" rtl="0">
               <a:spcBef>
                 <a:spcPts val="0"/>
               </a:spcBef>
@@ -8275,7 +8709,7 @@
             <a:endParaRPr/>
           </a:p>
           <a:p>
-            <a:pPr indent="0" lvl="0" marL="0" rtl="0" algn="l">
+            <a:pPr marL="0" lvl="0" indent="0" algn="l" rtl="0">
               <a:spcBef>
                 <a:spcPts val="1200"/>
               </a:spcBef>
@@ -8286,15 +8720,7 @@
             </a:pPr>
             <a:r>
               <a:rPr lang="en"/>
-              <a:t>For quick integration, the primary user may sign into the </a:t>
-            </a:r>
-            <a:r>
-              <a:rPr lang="en"/>
-              <a:t>default</a:t>
-            </a:r>
-            <a:r>
-              <a:rPr lang="en"/>
-              <a:t> “drinkster” User and test the dummy drink data before implementing their own options that they’ve worked out with management and sponsors.</a:t>
+              <a:t>For quick integration, the primary user may sign into the default “drinkster” User and test the dummy drink data before implementing their own options that they’ve worked out with management and sponsors.</a:t>
             </a:r>
             <a:endParaRPr/>
           </a:p>
@@ -8309,11 +8735,11 @@
 </file>
 
 <file path=ppt/slides/slide8.xml><?xml version="1.0" encoding="utf-8"?>
-<p:sld xmlns:a="http://schemas.openxmlformats.org/drawingml/2006/main" xmlns:r="http://schemas.openxmlformats.org/officeDocument/2006/relationships" xmlns:mc="http://schemas.openxmlformats.org/markup-compatibility/2006" xmlns:mv="urn:schemas-microsoft-com:mac:vml" xmlns:p="http://schemas.openxmlformats.org/presentationml/2006/main" xmlns:c="http://schemas.openxmlformats.org/drawingml/2006/chart" xmlns:dgm="http://schemas.openxmlformats.org/drawingml/2006/diagram" xmlns:o="urn:schemas-microsoft-com:office:office" xmlns:v="urn:schemas-microsoft-com:vml" xmlns:pvml="urn:schemas-microsoft-com:office:powerpoint" xmlns:com="http://schemas.openxmlformats.org/drawingml/2006/compatibility" xmlns:p14="http://schemas.microsoft.com/office/powerpoint/2010/main" xmlns:p15="http://schemas.microsoft.com/office/powerpoint/2012/main" xmlns:ahyp="http://schemas.microsoft.com/office/drawing/2018/hyperlinkcolor">
+<p:sld xmlns:a="http://schemas.openxmlformats.org/drawingml/2006/main" xmlns:r="http://schemas.openxmlformats.org/officeDocument/2006/relationships" xmlns:p="http://schemas.openxmlformats.org/presentationml/2006/main">
   <p:cSld>
     <p:spTree>
       <p:nvGrpSpPr>
-        <p:cNvPr id="98" name="Shape 98"/>
+        <p:cNvPr id="1" name="Shape 98"/>
         <p:cNvGrpSpPr/>
         <p:nvPr/>
       </p:nvGrpSpPr>
@@ -8328,7 +8754,9 @@
       <p:sp>
         <p:nvSpPr>
           <p:cNvPr id="99" name="Google Shape;99;p20"/>
-          <p:cNvSpPr txBox="1"/>
+          <p:cNvSpPr txBox="1">
+            <a:spLocks noGrp="1"/>
+          </p:cNvSpPr>
           <p:nvPr>
             <p:ph type="title"/>
           </p:nvPr>
@@ -8343,12 +8771,12 @@
           </a:prstGeom>
         </p:spPr>
         <p:txBody>
-          <a:bodyPr anchorCtr="0" anchor="t" bIns="91425" lIns="91425" spcFirstLastPara="1" rIns="91425" wrap="square" tIns="91425">
+          <a:bodyPr spcFirstLastPara="1" wrap="square" lIns="91425" tIns="91425" rIns="91425" bIns="91425" anchor="t" anchorCtr="0">
             <a:normAutofit fontScale="90000"/>
           </a:bodyPr>
           <a:lstStyle/>
           <a:p>
-            <a:pPr indent="0" lvl="0" marL="0" rtl="0" algn="l">
+            <a:pPr marL="0" lvl="0" indent="0" algn="l" rtl="0">
               <a:spcBef>
                 <a:spcPts val="0"/>
               </a:spcBef>
@@ -8368,9 +8796,11 @@
       <p:sp>
         <p:nvSpPr>
           <p:cNvPr id="100" name="Google Shape;100;p20"/>
-          <p:cNvSpPr txBox="1"/>
+          <p:cNvSpPr txBox="1">
+            <a:spLocks noGrp="1"/>
+          </p:cNvSpPr>
           <p:nvPr>
-            <p:ph idx="1" type="body"/>
+            <p:ph type="body" idx="1"/>
           </p:nvPr>
         </p:nvSpPr>
         <p:spPr>
@@ -8383,12 +8813,12 @@
           </a:prstGeom>
         </p:spPr>
         <p:txBody>
-          <a:bodyPr anchorCtr="0" anchor="t" bIns="91425" lIns="91425" spcFirstLastPara="1" rIns="91425" wrap="square" tIns="91425">
-            <a:normAutofit lnSpcReduction="10000"/>
+          <a:bodyPr spcFirstLastPara="1" wrap="square" lIns="91425" tIns="91425" rIns="91425" bIns="91425" anchor="t" anchorCtr="0">
+            <a:normAutofit/>
           </a:bodyPr>
           <a:lstStyle/>
           <a:p>
-            <a:pPr indent="0" lvl="0" marL="0" rtl="0" algn="l">
+            <a:pPr marL="0" lvl="0" indent="0" algn="l" rtl="0">
               <a:spcBef>
                 <a:spcPts val="0"/>
               </a:spcBef>
@@ -8404,7 +8834,7 @@
             <a:endParaRPr/>
           </a:p>
           <a:p>
-            <a:pPr indent="0" lvl="0" marL="0" rtl="0" algn="l">
+            <a:pPr marL="0" lvl="0" indent="0" algn="l" rtl="0">
               <a:spcBef>
                 <a:spcPts val="1200"/>
               </a:spcBef>
@@ -8420,7 +8850,7 @@
             <a:endParaRPr/>
           </a:p>
           <a:p>
-            <a:pPr indent="0" lvl="0" marL="0" rtl="0" algn="l">
+            <a:pPr marL="0" lvl="0" indent="0" algn="l" rtl="0">
               <a:spcBef>
                 <a:spcPts val="1200"/>
               </a:spcBef>
@@ -8429,9 +8859,6 @@
               </a:spcAft>
               <a:buNone/>
             </a:pPr>
-            <a:r>
-              <a:t/>
-            </a:r>
             <a:endParaRPr/>
           </a:p>
         </p:txBody>
@@ -8445,11 +8872,11 @@
 </file>
 
 <file path=ppt/slides/slide9.xml><?xml version="1.0" encoding="utf-8"?>
-<p:sld xmlns:a="http://schemas.openxmlformats.org/drawingml/2006/main" xmlns:r="http://schemas.openxmlformats.org/officeDocument/2006/relationships" xmlns:mc="http://schemas.openxmlformats.org/markup-compatibility/2006" xmlns:mv="urn:schemas-microsoft-com:mac:vml" xmlns:p="http://schemas.openxmlformats.org/presentationml/2006/main" xmlns:c="http://schemas.openxmlformats.org/drawingml/2006/chart" xmlns:dgm="http://schemas.openxmlformats.org/drawingml/2006/diagram" xmlns:o="urn:schemas-microsoft-com:office:office" xmlns:v="urn:schemas-microsoft-com:vml" xmlns:pvml="urn:schemas-microsoft-com:office:powerpoint" xmlns:com="http://schemas.openxmlformats.org/drawingml/2006/compatibility" xmlns:p14="http://schemas.microsoft.com/office/powerpoint/2010/main" xmlns:p15="http://schemas.microsoft.com/office/powerpoint/2012/main" xmlns:ahyp="http://schemas.microsoft.com/office/drawing/2018/hyperlinkcolor">
+<p:sld xmlns:a="http://schemas.openxmlformats.org/drawingml/2006/main" xmlns:r="http://schemas.openxmlformats.org/officeDocument/2006/relationships" xmlns:p="http://schemas.openxmlformats.org/presentationml/2006/main">
   <p:cSld>
     <p:spTree>
       <p:nvGrpSpPr>
-        <p:cNvPr id="104" name="Shape 104"/>
+        <p:cNvPr id="1" name="Shape 104"/>
         <p:cNvGrpSpPr/>
         <p:nvPr/>
       </p:nvGrpSpPr>
@@ -8464,7 +8891,9 @@
       <p:sp>
         <p:nvSpPr>
           <p:cNvPr id="105" name="Google Shape;105;p21"/>
-          <p:cNvSpPr txBox="1"/>
+          <p:cNvSpPr txBox="1">
+            <a:spLocks noGrp="1"/>
+          </p:cNvSpPr>
           <p:nvPr>
             <p:ph type="title"/>
           </p:nvPr>
@@ -8479,12 +8908,12 @@
           </a:prstGeom>
         </p:spPr>
         <p:txBody>
-          <a:bodyPr anchorCtr="0" anchor="t" bIns="91425" lIns="91425" spcFirstLastPara="1" rIns="91425" wrap="square" tIns="91425">
+          <a:bodyPr spcFirstLastPara="1" wrap="square" lIns="91425" tIns="91425" rIns="91425" bIns="91425" anchor="t" anchorCtr="0">
             <a:normAutofit fontScale="90000"/>
           </a:bodyPr>
           <a:lstStyle/>
           <a:p>
-            <a:pPr indent="0" lvl="0" marL="0" rtl="0" algn="l">
+            <a:pPr marL="0" lvl="0" indent="0" algn="l" rtl="0">
               <a:spcBef>
                 <a:spcPts val="0"/>
               </a:spcBef>
@@ -8504,9 +8933,11 @@
       <p:sp>
         <p:nvSpPr>
           <p:cNvPr id="106" name="Google Shape;106;p21"/>
-          <p:cNvSpPr txBox="1"/>
+          <p:cNvSpPr txBox="1">
+            <a:spLocks noGrp="1"/>
+          </p:cNvSpPr>
           <p:nvPr>
-            <p:ph idx="1" type="body"/>
+            <p:ph type="body" idx="1"/>
           </p:nvPr>
         </p:nvSpPr>
         <p:spPr>
@@ -8519,12 +8950,12 @@
           </a:prstGeom>
         </p:spPr>
         <p:txBody>
-          <a:bodyPr anchorCtr="0" anchor="t" bIns="91425" lIns="91425" spcFirstLastPara="1" rIns="91425" wrap="square" tIns="91425">
+          <a:bodyPr spcFirstLastPara="1" wrap="square" lIns="91425" tIns="91425" rIns="91425" bIns="91425" anchor="t" anchorCtr="0">
             <a:normAutofit/>
           </a:bodyPr>
           <a:lstStyle/>
           <a:p>
-            <a:pPr indent="0" lvl="0" marL="0" rtl="0" algn="l">
+            <a:pPr marL="0" lvl="0" indent="0" algn="l" rtl="0">
               <a:spcBef>
                 <a:spcPts val="0"/>
               </a:spcBef>
@@ -8535,16 +8966,12 @@
             </a:pPr>
             <a:r>
               <a:rPr lang="en"/>
-              <a:t>Authentication</a:t>
+              <a:t>Authentication for the Disk Gold Companion is simple. User data inputted from the frontend \signup page is verified then stored within the Django database. Verification includes checking the existing database for any User with the same username. If the username is already taken, the New User receives an error and can input a new username. </a:t>
             </a:r>
-            <a:r>
-              <a:rPr lang="en"/>
-              <a:t> for the Disk Gold Companion is simple. User data inputted from the frontend \signup page is verified then stored within the Django database. Verification includes checking the existing database for any User with the same username. If the username is already taken, the New User receives an error and can input a new username. </a:t>
-            </a:r>
-            <a:endParaRPr/>
-          </a:p>
-          <a:p>
-            <a:pPr indent="0" lvl="0" marL="0" rtl="0" algn="l">
+            <a:endParaRPr/>
+          </a:p>
+          <a:p>
+            <a:pPr marL="0" lvl="0" indent="0" algn="l" rtl="0">
               <a:spcBef>
                 <a:spcPts val="1200"/>
               </a:spcBef>
@@ -8555,15 +8982,7 @@
             </a:pPr>
             <a:r>
               <a:rPr lang="en"/>
-              <a:t>As a user is authenticated and brought to the </a:t>
-            </a:r>
-            <a:r>
-              <a:rPr lang="en"/>
-              <a:t>landing</a:t>
-            </a:r>
-            <a:r>
-              <a:rPr lang="en"/>
-              <a:t> page, they will have limited access to the rest of the pages based upon the Groups they’re assigned. The default group of “Player” is assigned, so the New User may order drinks, sign up for tournaments, and exercise other core functions of the companion.</a:t>
+              <a:t>As a user is authenticated and brought to the landing page, they will have limited access to the rest of the pages based upon the Groups they’re assigned. The default group of “Player” is assigned, so the New User may order drinks, sign up for tournaments, and exercise other core functions of the companion.</a:t>
             </a:r>
             <a:endParaRPr/>
           </a:p>
@@ -8578,7 +8997,288 @@
 </file>
 
 <file path=ppt/theme/theme1.xml><?xml version="1.0" encoding="utf-8"?>
-<a:theme xmlns:a="http://schemas.openxmlformats.org/drawingml/2006/main" xmlns:r="http://schemas.openxmlformats.org/officeDocument/2006/relationships">
+<a:theme xmlns:a="http://schemas.openxmlformats.org/drawingml/2006/main" name="Simple Dark">
+  <a:themeElements>
+    <a:clrScheme name="Simple Dark">
+      <a:dk1>
+        <a:srgbClr val="FFFFFF"/>
+      </a:dk1>
+      <a:lt1>
+        <a:srgbClr val="212121"/>
+      </a:lt1>
+      <a:dk2>
+        <a:srgbClr val="303030"/>
+      </a:dk2>
+      <a:lt2>
+        <a:srgbClr val="ADADAD"/>
+      </a:lt2>
+      <a:accent1>
+        <a:srgbClr val="009688"/>
+      </a:accent1>
+      <a:accent2>
+        <a:srgbClr val="EEEEEE"/>
+      </a:accent2>
+      <a:accent3>
+        <a:srgbClr val="78909C"/>
+      </a:accent3>
+      <a:accent4>
+        <a:srgbClr val="FFAB40"/>
+      </a:accent4>
+      <a:accent5>
+        <a:srgbClr val="4DD0E1"/>
+      </a:accent5>
+      <a:accent6>
+        <a:srgbClr val="EEFF41"/>
+      </a:accent6>
+      <a:hlink>
+        <a:srgbClr val="4DD0E1"/>
+      </a:hlink>
+      <a:folHlink>
+        <a:srgbClr val="4DD0E1"/>
+      </a:folHlink>
+    </a:clrScheme>
+    <a:fontScheme name="Office">
+      <a:majorFont>
+        <a:latin typeface="Arial"/>
+        <a:ea typeface=""/>
+        <a:cs typeface=""/>
+        <a:font script="Jpan" typeface="ＭＳ Ｐゴシック"/>
+        <a:font script="Hang" typeface="맑은 고딕"/>
+        <a:font script="Hans" typeface="宋体"/>
+        <a:font script="Hant" typeface="新細明體"/>
+        <a:font script="Arab" typeface="Times New Roman"/>
+        <a:font script="Hebr" typeface="Times New Roman"/>
+        <a:font script="Thai" typeface="Angsana New"/>
+        <a:font script="Ethi" typeface="Nyala"/>
+        <a:font script="Beng" typeface="Vrinda"/>
+        <a:font script="Gujr" typeface="Shruti"/>
+        <a:font script="Khmr" typeface="MoolBoran"/>
+        <a:font script="Knda" typeface="Tunga"/>
+        <a:font script="Guru" typeface="Raavi"/>
+        <a:font script="Cans" typeface="Euphemia"/>
+        <a:font script="Cher" typeface="Plantagenet Cherokee"/>
+        <a:font script="Yiii" typeface="Microsoft Yi Baiti"/>
+        <a:font script="Tibt" typeface="Microsoft Himalaya"/>
+        <a:font script="Thaa" typeface="MV Boli"/>
+        <a:font script="Deva" typeface="Mangal"/>
+        <a:font script="Telu" typeface="Gautami"/>
+        <a:font script="Taml" typeface="Latha"/>
+        <a:font script="Syrc" typeface="Estrangelo Edessa"/>
+        <a:font script="Orya" typeface="Kalinga"/>
+        <a:font script="Mlym" typeface="Kartika"/>
+        <a:font script="Laoo" typeface="DokChampa"/>
+        <a:font script="Sinh" typeface="Iskoola Pota"/>
+        <a:font script="Mong" typeface="Mongolian Baiti"/>
+        <a:font script="Viet" typeface="Times New Roman"/>
+        <a:font script="Uigh" typeface="Microsoft Uighur"/>
+        <a:font script="Geor" typeface="Sylfaen"/>
+      </a:majorFont>
+      <a:minorFont>
+        <a:latin typeface="Arial"/>
+        <a:ea typeface=""/>
+        <a:cs typeface=""/>
+        <a:font script="Jpan" typeface="ＭＳ Ｐゴシック"/>
+        <a:font script="Hang" typeface="맑은 고딕"/>
+        <a:font script="Hans" typeface="宋体"/>
+        <a:font script="Hant" typeface="新細明體"/>
+        <a:font script="Arab" typeface="Arial"/>
+        <a:font script="Hebr" typeface="Arial"/>
+        <a:font script="Thai" typeface="Cordia New"/>
+        <a:font script="Ethi" typeface="Nyala"/>
+        <a:font script="Beng" typeface="Vrinda"/>
+        <a:font script="Gujr" typeface="Shruti"/>
+        <a:font script="Khmr" typeface="DaunPenh"/>
+        <a:font script="Knda" typeface="Tunga"/>
+        <a:font script="Guru" typeface="Raavi"/>
+        <a:font script="Cans" typeface="Euphemia"/>
+        <a:font script="Cher" typeface="Plantagenet Cherokee"/>
+        <a:font script="Yiii" typeface="Microsoft Yi Baiti"/>
+        <a:font script="Tibt" typeface="Microsoft Himalaya"/>
+        <a:font script="Thaa" typeface="MV Boli"/>
+        <a:font script="Deva" typeface="Mangal"/>
+        <a:font script="Telu" typeface="Gautami"/>
+        <a:font script="Taml" typeface="Latha"/>
+        <a:font script="Syrc" typeface="Estrangelo Edessa"/>
+        <a:font script="Orya" typeface="Kalinga"/>
+        <a:font script="Mlym" typeface="Kartika"/>
+        <a:font script="Laoo" typeface="DokChampa"/>
+        <a:font script="Sinh" typeface="Iskoola Pota"/>
+        <a:font script="Mong" typeface="Mongolian Baiti"/>
+        <a:font script="Viet" typeface="Arial"/>
+        <a:font script="Uigh" typeface="Microsoft Uighur"/>
+        <a:font script="Geor" typeface="Sylfaen"/>
+      </a:minorFont>
+    </a:fontScheme>
+    <a:fmtScheme name="Office">
+      <a:fillStyleLst>
+        <a:solidFill>
+          <a:schemeClr val="phClr"/>
+        </a:solidFill>
+        <a:gradFill rotWithShape="1">
+          <a:gsLst>
+            <a:gs pos="0">
+              <a:schemeClr val="phClr">
+                <a:tint val="50000"/>
+                <a:satMod val="300000"/>
+              </a:schemeClr>
+            </a:gs>
+            <a:gs pos="35000">
+              <a:schemeClr val="phClr">
+                <a:tint val="37000"/>
+                <a:satMod val="300000"/>
+              </a:schemeClr>
+            </a:gs>
+            <a:gs pos="100000">
+              <a:schemeClr val="phClr">
+                <a:tint val="15000"/>
+                <a:satMod val="350000"/>
+              </a:schemeClr>
+            </a:gs>
+          </a:gsLst>
+          <a:lin ang="16200000" scaled="1"/>
+        </a:gradFill>
+        <a:gradFill rotWithShape="1">
+          <a:gsLst>
+            <a:gs pos="0">
+              <a:schemeClr val="phClr">
+                <a:tint val="100000"/>
+                <a:shade val="100000"/>
+                <a:satMod val="130000"/>
+              </a:schemeClr>
+            </a:gs>
+            <a:gs pos="100000">
+              <a:schemeClr val="phClr">
+                <a:tint val="50000"/>
+                <a:shade val="100000"/>
+                <a:satMod val="350000"/>
+              </a:schemeClr>
+            </a:gs>
+          </a:gsLst>
+          <a:lin ang="16200000" scaled="0"/>
+        </a:gradFill>
+      </a:fillStyleLst>
+      <a:lnStyleLst>
+        <a:ln w="9525" cap="flat" cmpd="sng" algn="ctr">
+          <a:solidFill>
+            <a:schemeClr val="phClr">
+              <a:shade val="95000"/>
+              <a:satMod val="105000"/>
+            </a:schemeClr>
+          </a:solidFill>
+          <a:prstDash val="solid"/>
+        </a:ln>
+        <a:ln w="25400" cap="flat" cmpd="sng" algn="ctr">
+          <a:solidFill>
+            <a:schemeClr val="phClr"/>
+          </a:solidFill>
+          <a:prstDash val="solid"/>
+        </a:ln>
+        <a:ln w="38100" cap="flat" cmpd="sng" algn="ctr">
+          <a:solidFill>
+            <a:schemeClr val="phClr"/>
+          </a:solidFill>
+          <a:prstDash val="solid"/>
+        </a:ln>
+      </a:lnStyleLst>
+      <a:effectStyleLst>
+        <a:effectStyle>
+          <a:effectLst>
+            <a:outerShdw blurRad="40000" dist="20000" dir="5400000" rotWithShape="0">
+              <a:srgbClr val="000000">
+                <a:alpha val="38000"/>
+              </a:srgbClr>
+            </a:outerShdw>
+          </a:effectLst>
+        </a:effectStyle>
+        <a:effectStyle>
+          <a:effectLst>
+            <a:outerShdw blurRad="40000" dist="23000" dir="5400000" rotWithShape="0">
+              <a:srgbClr val="000000">
+                <a:alpha val="35000"/>
+              </a:srgbClr>
+            </a:outerShdw>
+          </a:effectLst>
+        </a:effectStyle>
+        <a:effectStyle>
+          <a:effectLst>
+            <a:outerShdw blurRad="40000" dist="23000" dir="5400000" rotWithShape="0">
+              <a:srgbClr val="000000">
+                <a:alpha val="35000"/>
+              </a:srgbClr>
+            </a:outerShdw>
+          </a:effectLst>
+          <a:scene3d>
+            <a:camera prst="orthographicFront">
+              <a:rot lat="0" lon="0" rev="0"/>
+            </a:camera>
+            <a:lightRig rig="threePt" dir="t">
+              <a:rot lat="0" lon="0" rev="1200000"/>
+            </a:lightRig>
+          </a:scene3d>
+          <a:sp3d>
+            <a:bevelT w="63500" h="25400"/>
+          </a:sp3d>
+        </a:effectStyle>
+      </a:effectStyleLst>
+      <a:bgFillStyleLst>
+        <a:solidFill>
+          <a:schemeClr val="phClr"/>
+        </a:solidFill>
+        <a:gradFill rotWithShape="1">
+          <a:gsLst>
+            <a:gs pos="0">
+              <a:schemeClr val="phClr">
+                <a:tint val="40000"/>
+                <a:satMod val="350000"/>
+              </a:schemeClr>
+            </a:gs>
+            <a:gs pos="40000">
+              <a:schemeClr val="phClr">
+                <a:tint val="45000"/>
+                <a:shade val="99000"/>
+                <a:satMod val="350000"/>
+              </a:schemeClr>
+            </a:gs>
+            <a:gs pos="100000">
+              <a:schemeClr val="phClr">
+                <a:shade val="20000"/>
+                <a:satMod val="255000"/>
+              </a:schemeClr>
+            </a:gs>
+          </a:gsLst>
+          <a:path path="circle">
+            <a:fillToRect l="50000" t="-80000" r="50000" b="180000"/>
+          </a:path>
+        </a:gradFill>
+        <a:gradFill rotWithShape="1">
+          <a:gsLst>
+            <a:gs pos="0">
+              <a:schemeClr val="phClr">
+                <a:tint val="80000"/>
+                <a:satMod val="300000"/>
+              </a:schemeClr>
+            </a:gs>
+            <a:gs pos="100000">
+              <a:schemeClr val="phClr">
+                <a:shade val="30000"/>
+                <a:satMod val="200000"/>
+              </a:schemeClr>
+            </a:gs>
+          </a:gsLst>
+          <a:path path="circle">
+            <a:fillToRect l="50000" t="50000" r="50000" b="50000"/>
+          </a:path>
+        </a:gradFill>
+      </a:bgFillStyleLst>
+    </a:fmtScheme>
+  </a:themeElements>
+  <a:objectDefaults/>
+  <a:extraClrSchemeLst/>
+</a:theme>
+</file>
+
+<file path=ppt/theme/theme2.xml><?xml version="1.0" encoding="utf-8"?>
+<a:theme xmlns:a="http://schemas.openxmlformats.org/drawingml/2006/main">
   <a:themeElements>
     <a:clrScheme name="Default">
       <a:dk1>
@@ -8853,284 +9553,7 @@
       </a:bgFillStyleLst>
     </a:fmtScheme>
   </a:themeElements>
-</a:theme>
-</file>
-
-<file path=ppt/theme/theme2.xml><?xml version="1.0" encoding="utf-8"?>
-<a:theme xmlns:a="http://schemas.openxmlformats.org/drawingml/2006/main" xmlns:r="http://schemas.openxmlformats.org/officeDocument/2006/relationships" name="Simple Dark">
-  <a:themeElements>
-    <a:clrScheme name="Simple Dark">
-      <a:dk1>
-        <a:srgbClr val="FFFFFF"/>
-      </a:dk1>
-      <a:lt1>
-        <a:srgbClr val="212121"/>
-      </a:lt1>
-      <a:dk2>
-        <a:srgbClr val="303030"/>
-      </a:dk2>
-      <a:lt2>
-        <a:srgbClr val="ADADAD"/>
-      </a:lt2>
-      <a:accent1>
-        <a:srgbClr val="009688"/>
-      </a:accent1>
-      <a:accent2>
-        <a:srgbClr val="EEEEEE"/>
-      </a:accent2>
-      <a:accent3>
-        <a:srgbClr val="78909C"/>
-      </a:accent3>
-      <a:accent4>
-        <a:srgbClr val="FFAB40"/>
-      </a:accent4>
-      <a:accent5>
-        <a:srgbClr val="4DD0E1"/>
-      </a:accent5>
-      <a:accent6>
-        <a:srgbClr val="EEFF41"/>
-      </a:accent6>
-      <a:hlink>
-        <a:srgbClr val="4DD0E1"/>
-      </a:hlink>
-      <a:folHlink>
-        <a:srgbClr val="4DD0E1"/>
-      </a:folHlink>
-    </a:clrScheme>
-    <a:fontScheme name="Office">
-      <a:majorFont>
-        <a:latin typeface="Arial"/>
-        <a:ea typeface=""/>
-        <a:cs typeface=""/>
-        <a:font script="Jpan" typeface="ＭＳ Ｐゴシック"/>
-        <a:font script="Hang" typeface="맑은 고딕"/>
-        <a:font script="Hans" typeface="宋体"/>
-        <a:font script="Hant" typeface="新細明體"/>
-        <a:font script="Arab" typeface="Times New Roman"/>
-        <a:font script="Hebr" typeface="Times New Roman"/>
-        <a:font script="Thai" typeface="Angsana New"/>
-        <a:font script="Ethi" typeface="Nyala"/>
-        <a:font script="Beng" typeface="Vrinda"/>
-        <a:font script="Gujr" typeface="Shruti"/>
-        <a:font script="Khmr" typeface="MoolBoran"/>
-        <a:font script="Knda" typeface="Tunga"/>
-        <a:font script="Guru" typeface="Raavi"/>
-        <a:font script="Cans" typeface="Euphemia"/>
-        <a:font script="Cher" typeface="Plantagenet Cherokee"/>
-        <a:font script="Yiii" typeface="Microsoft Yi Baiti"/>
-        <a:font script="Tibt" typeface="Microsoft Himalaya"/>
-        <a:font script="Thaa" typeface="MV Boli"/>
-        <a:font script="Deva" typeface="Mangal"/>
-        <a:font script="Telu" typeface="Gautami"/>
-        <a:font script="Taml" typeface="Latha"/>
-        <a:font script="Syrc" typeface="Estrangelo Edessa"/>
-        <a:font script="Orya" typeface="Kalinga"/>
-        <a:font script="Mlym" typeface="Kartika"/>
-        <a:font script="Laoo" typeface="DokChampa"/>
-        <a:font script="Sinh" typeface="Iskoola Pota"/>
-        <a:font script="Mong" typeface="Mongolian Baiti"/>
-        <a:font script="Viet" typeface="Times New Roman"/>
-        <a:font script="Uigh" typeface="Microsoft Uighur"/>
-        <a:font script="Geor" typeface="Sylfaen"/>
-      </a:majorFont>
-      <a:minorFont>
-        <a:latin typeface="Arial"/>
-        <a:ea typeface=""/>
-        <a:cs typeface=""/>
-        <a:font script="Jpan" typeface="ＭＳ Ｐゴシック"/>
-        <a:font script="Hang" typeface="맑은 고딕"/>
-        <a:font script="Hans" typeface="宋体"/>
-        <a:font script="Hant" typeface="新細明體"/>
-        <a:font script="Arab" typeface="Arial"/>
-        <a:font script="Hebr" typeface="Arial"/>
-        <a:font script="Thai" typeface="Cordia New"/>
-        <a:font script="Ethi" typeface="Nyala"/>
-        <a:font script="Beng" typeface="Vrinda"/>
-        <a:font script="Gujr" typeface="Shruti"/>
-        <a:font script="Khmr" typeface="DaunPenh"/>
-        <a:font script="Knda" typeface="Tunga"/>
-        <a:font script="Guru" typeface="Raavi"/>
-        <a:font script="Cans" typeface="Euphemia"/>
-        <a:font script="Cher" typeface="Plantagenet Cherokee"/>
-        <a:font script="Yiii" typeface="Microsoft Yi Baiti"/>
-        <a:font script="Tibt" typeface="Microsoft Himalaya"/>
-        <a:font script="Thaa" typeface="MV Boli"/>
-        <a:font script="Deva" typeface="Mangal"/>
-        <a:font script="Telu" typeface="Gautami"/>
-        <a:font script="Taml" typeface="Latha"/>
-        <a:font script="Syrc" typeface="Estrangelo Edessa"/>
-        <a:font script="Orya" typeface="Kalinga"/>
-        <a:font script="Mlym" typeface="Kartika"/>
-        <a:font script="Laoo" typeface="DokChampa"/>
-        <a:font script="Sinh" typeface="Iskoola Pota"/>
-        <a:font script="Mong" typeface="Mongolian Baiti"/>
-        <a:font script="Viet" typeface="Arial"/>
-        <a:font script="Uigh" typeface="Microsoft Uighur"/>
-        <a:font script="Geor" typeface="Sylfaen"/>
-      </a:minorFont>
-    </a:fontScheme>
-    <a:fmtScheme name="Office">
-      <a:fillStyleLst>
-        <a:solidFill>
-          <a:schemeClr val="phClr"/>
-        </a:solidFill>
-        <a:gradFill rotWithShape="1">
-          <a:gsLst>
-            <a:gs pos="0">
-              <a:schemeClr val="phClr">
-                <a:tint val="50000"/>
-                <a:satMod val="300000"/>
-              </a:schemeClr>
-            </a:gs>
-            <a:gs pos="35000">
-              <a:schemeClr val="phClr">
-                <a:tint val="37000"/>
-                <a:satMod val="300000"/>
-              </a:schemeClr>
-            </a:gs>
-            <a:gs pos="100000">
-              <a:schemeClr val="phClr">
-                <a:tint val="15000"/>
-                <a:satMod val="350000"/>
-              </a:schemeClr>
-            </a:gs>
-          </a:gsLst>
-          <a:lin ang="16200000" scaled="1"/>
-        </a:gradFill>
-        <a:gradFill rotWithShape="1">
-          <a:gsLst>
-            <a:gs pos="0">
-              <a:schemeClr val="phClr">
-                <a:tint val="100000"/>
-                <a:shade val="100000"/>
-                <a:satMod val="130000"/>
-              </a:schemeClr>
-            </a:gs>
-            <a:gs pos="100000">
-              <a:schemeClr val="phClr">
-                <a:tint val="50000"/>
-                <a:shade val="100000"/>
-                <a:satMod val="350000"/>
-              </a:schemeClr>
-            </a:gs>
-          </a:gsLst>
-          <a:lin ang="16200000" scaled="0"/>
-        </a:gradFill>
-      </a:fillStyleLst>
-      <a:lnStyleLst>
-        <a:ln w="9525" cap="flat" cmpd="sng" algn="ctr">
-          <a:solidFill>
-            <a:schemeClr val="phClr">
-              <a:shade val="95000"/>
-              <a:satMod val="105000"/>
-            </a:schemeClr>
-          </a:solidFill>
-          <a:prstDash val="solid"/>
-        </a:ln>
-        <a:ln w="25400" cap="flat" cmpd="sng" algn="ctr">
-          <a:solidFill>
-            <a:schemeClr val="phClr"/>
-          </a:solidFill>
-          <a:prstDash val="solid"/>
-        </a:ln>
-        <a:ln w="38100" cap="flat" cmpd="sng" algn="ctr">
-          <a:solidFill>
-            <a:schemeClr val="phClr"/>
-          </a:solidFill>
-          <a:prstDash val="solid"/>
-        </a:ln>
-      </a:lnStyleLst>
-      <a:effectStyleLst>
-        <a:effectStyle>
-          <a:effectLst>
-            <a:outerShdw blurRad="40000" dist="20000" dir="5400000" rotWithShape="0">
-              <a:srgbClr val="000000">
-                <a:alpha val="38000"/>
-              </a:srgbClr>
-            </a:outerShdw>
-          </a:effectLst>
-        </a:effectStyle>
-        <a:effectStyle>
-          <a:effectLst>
-            <a:outerShdw blurRad="40000" dist="23000" dir="5400000" rotWithShape="0">
-              <a:srgbClr val="000000">
-                <a:alpha val="35000"/>
-              </a:srgbClr>
-            </a:outerShdw>
-          </a:effectLst>
-        </a:effectStyle>
-        <a:effectStyle>
-          <a:effectLst>
-            <a:outerShdw blurRad="40000" dist="23000" dir="5400000" rotWithShape="0">
-              <a:srgbClr val="000000">
-                <a:alpha val="35000"/>
-              </a:srgbClr>
-            </a:outerShdw>
-          </a:effectLst>
-          <a:scene3d>
-            <a:camera prst="orthographicFront">
-              <a:rot lat="0" lon="0" rev="0"/>
-            </a:camera>
-            <a:lightRig rig="threePt" dir="t">
-              <a:rot lat="0" lon="0" rev="1200000"/>
-            </a:lightRig>
-          </a:scene3d>
-          <a:sp3d>
-            <a:bevelT w="63500" h="25400"/>
-          </a:sp3d>
-        </a:effectStyle>
-      </a:effectStyleLst>
-      <a:bgFillStyleLst>
-        <a:solidFill>
-          <a:schemeClr val="phClr"/>
-        </a:solidFill>
-        <a:gradFill rotWithShape="1">
-          <a:gsLst>
-            <a:gs pos="0">
-              <a:schemeClr val="phClr">
-                <a:tint val="40000"/>
-                <a:satMod val="350000"/>
-              </a:schemeClr>
-            </a:gs>
-            <a:gs pos="40000">
-              <a:schemeClr val="phClr">
-                <a:tint val="45000"/>
-                <a:shade val="99000"/>
-                <a:satMod val="350000"/>
-              </a:schemeClr>
-            </a:gs>
-            <a:gs pos="100000">
-              <a:schemeClr val="phClr">
-                <a:shade val="20000"/>
-                <a:satMod val="255000"/>
-              </a:schemeClr>
-            </a:gs>
-          </a:gsLst>
-          <a:path path="circle">
-            <a:fillToRect l="50000" t="-80000" r="50000" b="180000"/>
-          </a:path>
-        </a:gradFill>
-        <a:gradFill rotWithShape="1">
-          <a:gsLst>
-            <a:gs pos="0">
-              <a:schemeClr val="phClr">
-                <a:tint val="80000"/>
-                <a:satMod val="300000"/>
-              </a:schemeClr>
-            </a:gs>
-            <a:gs pos="100000">
-              <a:schemeClr val="phClr">
-                <a:shade val="30000"/>
-                <a:satMod val="200000"/>
-              </a:schemeClr>
-            </a:gs>
-          </a:gsLst>
-          <a:path path="circle">
-            <a:fillToRect l="50000" t="50000" r="50000" b="50000"/>
-          </a:path>
-        </a:gradFill>
-      </a:bgFillStyleLst>
-    </a:fmtScheme>
-  </a:themeElements>
+  <a:objectDefaults/>
+  <a:extraClrSchemeLst/>
 </a:theme>
 </file>